--- a/ELK Stack/ELK+kafka日志收集框架.pptx
+++ b/ELK Stack/ELK+kafka日志收集框架.pptx
@@ -8,12 +8,13 @@
     <p:notesMasterId r:id="rId4"/>
   </p:notesMasterIdLst>
   <p:handoutMasterIdLst>
-    <p:handoutMasterId r:id="rId7"/>
+    <p:handoutMasterId r:id="rId8"/>
   </p:handoutMasterIdLst>
   <p:sldIdLst>
     <p:sldId id="256" r:id="rId3"/>
-    <p:sldId id="257" r:id="rId5"/>
-    <p:sldId id="259" r:id="rId6"/>
+    <p:sldId id="261" r:id="rId5"/>
+    <p:sldId id="257" r:id="rId6"/>
+    <p:sldId id="259" r:id="rId7"/>
   </p:sldIdLst>
   <p:sldSz cx="12192000" cy="6858000"/>
   <p:notesSz cx="6858000" cy="9144000"/>
@@ -807,6 +808,84 @@
 </file>
 
 <file path=ppt/notesSlides/notesSlide3.xml><?xml version="1.0" encoding="utf-8"?>
+<p:notes xmlns:a="http://schemas.openxmlformats.org/drawingml/2006/main" xmlns:r="http://schemas.openxmlformats.org/officeDocument/2006/relationships" xmlns:p="http://schemas.openxmlformats.org/presentationml/2006/main">
+  <p:cSld>
+    <p:spTree>
+      <p:nvGrpSpPr>
+        <p:cNvPr id="1" name=""/>
+        <p:cNvGrpSpPr/>
+        <p:nvPr/>
+      </p:nvGrpSpPr>
+      <p:grpSpPr>
+        <a:xfrm>
+          <a:off x="0" y="0"/>
+          <a:ext cx="0" cy="0"/>
+          <a:chOff x="0" y="0"/>
+          <a:chExt cx="0" cy="0"/>
+        </a:xfrm>
+      </p:grpSpPr>
+      <p:sp>
+        <p:nvSpPr>
+          <p:cNvPr id="2" name="幻灯片图像占位符 1"/>
+          <p:cNvSpPr>
+            <a:spLocks noGrp="1" noRot="1" noChangeAspect="1"/>
+          </p:cNvSpPr>
+          <p:nvPr>
+            <p:ph type="sldImg"/>
+          </p:nvPr>
+        </p:nvSpPr>
+        <p:spPr/>
+      </p:sp>
+      <p:sp>
+        <p:nvSpPr>
+          <p:cNvPr id="3" name="备注占位符 2"/>
+          <p:cNvSpPr>
+            <a:spLocks noGrp="1"/>
+          </p:cNvSpPr>
+          <p:nvPr>
+            <p:ph type="body" idx="1"/>
+          </p:nvPr>
+        </p:nvSpPr>
+        <p:spPr/>
+        <p:txBody>
+          <a:bodyPr/>
+          <a:lstStyle/>
+          <a:p>
+            <a:endParaRPr lang="zh-CN" altLang="en-US"/>
+          </a:p>
+        </p:txBody>
+      </p:sp>
+      <p:sp>
+        <p:nvSpPr>
+          <p:cNvPr id="4" name="灯片编号占位符 3"/>
+          <p:cNvSpPr>
+            <a:spLocks noGrp="1"/>
+          </p:cNvSpPr>
+          <p:nvPr>
+            <p:ph type="sldNum" sz="quarter" idx="10"/>
+          </p:nvPr>
+        </p:nvSpPr>
+        <p:spPr/>
+        <p:txBody>
+          <a:bodyPr/>
+          <a:lstStyle/>
+          <a:p>
+            <a:fld id="{85D0DACE-38E0-42D2-9336-2B707D34BC6D}" type="slidenum">
+              <a:rPr lang="zh-CN" altLang="en-US" smtClean="0"/>
+            </a:fld>
+            <a:endParaRPr lang="zh-CN" altLang="en-US"/>
+          </a:p>
+        </p:txBody>
+      </p:sp>
+    </p:spTree>
+  </p:cSld>
+  <p:clrMapOvr>
+    <a:masterClrMapping/>
+  </p:clrMapOvr>
+</p:notes>
+</file>
+
+<file path=ppt/notesSlides/notesSlide4.xml><?xml version="1.0" encoding="utf-8"?>
 <p:notes xmlns:a="http://schemas.openxmlformats.org/drawingml/2006/main" xmlns:r="http://schemas.openxmlformats.org/officeDocument/2006/relationships" xmlns:p="http://schemas.openxmlformats.org/presentationml/2006/main">
   <p:cSld>
     <p:spTree>
@@ -6815,8 +6894,8 @@
         </p:nvSpPr>
         <p:spPr>
           <a:xfrm>
-            <a:off x="6471920" y="2329180"/>
-            <a:ext cx="1797685" cy="2057400"/>
+            <a:off x="6843395" y="1399540"/>
+            <a:ext cx="1797685" cy="3892550"/>
           </a:xfrm>
           <a:prstGeom prst="roundRect">
             <a:avLst/>
@@ -6854,7 +6933,7 @@
         </p:nvSpPr>
         <p:spPr>
           <a:xfrm>
-            <a:off x="10350500" y="2207260"/>
+            <a:off x="9178925" y="2207260"/>
             <a:ext cx="1500505" cy="2280920"/>
           </a:xfrm>
           <a:prstGeom prst="rect">
@@ -6899,7 +6978,7 @@
         </p:nvSpPr>
         <p:spPr>
           <a:xfrm>
-            <a:off x="10834370" y="2653665"/>
+            <a:off x="9662795" y="2653665"/>
             <a:ext cx="502285" cy="187325"/>
           </a:xfrm>
           <a:prstGeom prst="leftRightUpArrow">
@@ -6938,7 +7017,7 @@
         </p:nvSpPr>
         <p:spPr>
           <a:xfrm>
-            <a:off x="10766425" y="2329815"/>
+            <a:off x="9594850" y="2329815"/>
             <a:ext cx="638810" cy="382905"/>
           </a:xfrm>
           <a:prstGeom prst="roundRect">
@@ -6966,35 +7045,19 @@
           <a:p>
             <a:pPr algn="ctr"/>
             <a:r>
-              <a:rPr lang="en-US" altLang="zh-CN" sz="1000">
+              <a:rPr lang="en-US" altLang="zh-CN" sz="800">
                 <a:solidFill>
                   <a:srgbClr val="FF0000"/>
                 </a:solidFill>
               </a:rPr>
               <a:t>PC1</a:t>
             </a:r>
-            <a:endParaRPr lang="en-US" altLang="zh-CN" sz="1000">
+            <a:endParaRPr lang="en-US" altLang="zh-CN" sz="800">
               <a:solidFill>
                 <a:srgbClr val="FF0000"/>
               </a:solidFill>
             </a:endParaRPr>
           </a:p>
-          <a:p>
-            <a:pPr algn="ctr"/>
-            <a:r>
-              <a:rPr lang="en-US" altLang="zh-CN" sz="1000">
-                <a:solidFill>
-                  <a:srgbClr val="FF0000"/>
-                </a:solidFill>
-              </a:rPr>
-              <a:t>filebeat</a:t>
-            </a:r>
-            <a:endParaRPr lang="en-US" altLang="zh-CN" sz="1000">
-              <a:solidFill>
-                <a:srgbClr val="FF0000"/>
-              </a:solidFill>
-            </a:endParaRPr>
-          </a:p>
         </p:txBody>
       </p:sp>
       <p:sp>
@@ -7005,7 +7068,7 @@
         </p:nvSpPr>
         <p:spPr>
           <a:xfrm>
-            <a:off x="10833735" y="3415030"/>
+            <a:off x="9662160" y="3415030"/>
             <a:ext cx="502285" cy="187325"/>
           </a:xfrm>
           <a:prstGeom prst="leftRightUpArrow">
@@ -7044,7 +7107,7 @@
         </p:nvSpPr>
         <p:spPr>
           <a:xfrm>
-            <a:off x="10765790" y="3091180"/>
+            <a:off x="9594215" y="3091180"/>
             <a:ext cx="638810" cy="382905"/>
           </a:xfrm>
           <a:prstGeom prst="roundRect">
@@ -7072,35 +7135,19 @@
           <a:p>
             <a:pPr algn="ctr"/>
             <a:r>
-              <a:rPr lang="en-US" altLang="zh-CN" sz="1000">
+              <a:rPr lang="en-US" altLang="zh-CN" sz="800">
                 <a:solidFill>
                   <a:srgbClr val="FF0000"/>
                 </a:solidFill>
               </a:rPr>
               <a:t>PC2</a:t>
             </a:r>
-            <a:endParaRPr lang="en-US" altLang="zh-CN" sz="1000">
+            <a:endParaRPr lang="en-US" altLang="zh-CN" sz="800">
               <a:solidFill>
                 <a:srgbClr val="FF0000"/>
               </a:solidFill>
             </a:endParaRPr>
           </a:p>
-          <a:p>
-            <a:pPr algn="ctr"/>
-            <a:r>
-              <a:rPr lang="en-US" altLang="zh-CN" sz="1000">
-                <a:solidFill>
-                  <a:srgbClr val="FF0000"/>
-                </a:solidFill>
-              </a:rPr>
-              <a:t>filebeat</a:t>
-            </a:r>
-            <a:endParaRPr lang="en-US" altLang="zh-CN" sz="1000">
-              <a:solidFill>
-                <a:srgbClr val="FF0000"/>
-              </a:solidFill>
-            </a:endParaRPr>
-          </a:p>
         </p:txBody>
       </p:sp>
       <p:sp>
@@ -7111,7 +7158,7 @@
         </p:nvSpPr>
         <p:spPr>
           <a:xfrm>
-            <a:off x="10832465" y="4154805"/>
+            <a:off x="9660890" y="4154805"/>
             <a:ext cx="502285" cy="187325"/>
           </a:xfrm>
           <a:prstGeom prst="leftRightUpArrow">
@@ -7150,7 +7197,7 @@
         </p:nvSpPr>
         <p:spPr>
           <a:xfrm>
-            <a:off x="10764520" y="3830955"/>
+            <a:off x="9592945" y="3830955"/>
             <a:ext cx="638810" cy="382905"/>
           </a:xfrm>
           <a:prstGeom prst="roundRect">
@@ -7178,35 +7225,19 @@
           <a:p>
             <a:pPr algn="ctr"/>
             <a:r>
-              <a:rPr lang="en-US" altLang="zh-CN" sz="1000">
+              <a:rPr lang="en-US" altLang="zh-CN" sz="800">
                 <a:solidFill>
                   <a:srgbClr val="FF0000"/>
                 </a:solidFill>
               </a:rPr>
               <a:t>PCN</a:t>
             </a:r>
-            <a:endParaRPr lang="en-US" altLang="zh-CN" sz="1000">
+            <a:endParaRPr lang="en-US" altLang="zh-CN" sz="800">
               <a:solidFill>
                 <a:srgbClr val="FF0000"/>
               </a:solidFill>
             </a:endParaRPr>
           </a:p>
-          <a:p>
-            <a:pPr algn="ctr"/>
-            <a:r>
-              <a:rPr lang="en-US" altLang="zh-CN" sz="1000">
-                <a:solidFill>
-                  <a:srgbClr val="FF0000"/>
-                </a:solidFill>
-              </a:rPr>
-              <a:t>filebeat</a:t>
-            </a:r>
-            <a:endParaRPr lang="en-US" altLang="zh-CN" sz="1000">
-              <a:solidFill>
-                <a:srgbClr val="FF0000"/>
-              </a:solidFill>
-            </a:endParaRPr>
-          </a:p>
         </p:txBody>
       </p:sp>
       <p:sp>
@@ -7217,8 +7248,8 @@
         </p:nvSpPr>
         <p:spPr>
           <a:xfrm>
-            <a:off x="6546850" y="2486660"/>
-            <a:ext cx="1647825" cy="1745615"/>
+            <a:off x="6929755" y="1873885"/>
+            <a:ext cx="1647825" cy="1429385"/>
           </a:xfrm>
           <a:prstGeom prst="rect">
             <a:avLst/>
@@ -7266,7 +7297,7 @@
         </p:nvSpPr>
         <p:spPr>
           <a:xfrm rot="16200000">
-            <a:off x="7196455" y="2559685"/>
+            <a:off x="7550785" y="2018030"/>
             <a:ext cx="318135" cy="561340"/>
           </a:xfrm>
           <a:prstGeom prst="can">
@@ -7305,7 +7336,7 @@
         </p:nvSpPr>
         <p:spPr>
           <a:xfrm rot="16200000">
-            <a:off x="7196455" y="3142615"/>
+            <a:off x="7150100" y="2584450"/>
             <a:ext cx="318135" cy="561340"/>
           </a:xfrm>
           <a:prstGeom prst="can">
@@ -7344,7 +7375,7 @@
         </p:nvSpPr>
         <p:spPr>
           <a:xfrm rot="16200000">
-            <a:off x="7196455" y="3674745"/>
+            <a:off x="8018145" y="2584450"/>
             <a:ext cx="318135" cy="561340"/>
           </a:xfrm>
           <a:prstGeom prst="can">
@@ -7383,8 +7414,8 @@
         </p:nvSpPr>
         <p:spPr>
           <a:xfrm>
-            <a:off x="6668135" y="1995170"/>
-            <a:ext cx="1375410" cy="245110"/>
+            <a:off x="7029450" y="1457325"/>
+            <a:ext cx="1396365" cy="245110"/>
           </a:xfrm>
           <a:prstGeom prst="rect">
             <a:avLst/>
@@ -7402,7 +7433,7 @@
                   <a:srgbClr val="FF0000"/>
                 </a:solidFill>
               </a:rPr>
-              <a:t>redis</a:t>
+              <a:t>kafka</a:t>
             </a:r>
             <a:r>
               <a:rPr lang="zh-CN" altLang="en-US" sz="1000" b="1">
@@ -7428,7 +7459,7 @@
         </p:nvSpPr>
         <p:spPr>
           <a:xfrm>
-            <a:off x="11515725" y="2798445"/>
+            <a:off x="10344150" y="2798445"/>
             <a:ext cx="335280" cy="1014730"/>
           </a:xfrm>
           <a:prstGeom prst="rect">
@@ -7489,20 +7520,23 @@
       </p:sp>
       <p:sp>
         <p:nvSpPr>
-          <p:cNvPr id="38" name="左箭头 37"/>
+          <p:cNvPr id="32" name="矩形 31"/>
           <p:cNvSpPr/>
           <p:nvPr/>
         </p:nvSpPr>
         <p:spPr>
           <a:xfrm>
-            <a:off x="8279130" y="3251835"/>
-            <a:ext cx="523240" cy="196215"/>
-          </a:xfrm>
-          <a:prstGeom prst="leftArrow">
+            <a:off x="6930390" y="3749675"/>
+            <a:ext cx="1646555" cy="1233170"/>
+          </a:xfrm>
+          <a:prstGeom prst="rect">
             <a:avLst/>
           </a:prstGeom>
           <a:solidFill>
-            <a:srgbClr val="00B0F0"/>
+            <a:schemeClr val="accent1">
+              <a:lumMod val="40000"/>
+              <a:lumOff val="60000"/>
+            </a:schemeClr>
           </a:solidFill>
         </p:spPr>
         <p:style>
@@ -7525,27 +7559,28 @@
           <a:bodyPr rtlCol="0" anchor="ctr"/>
           <a:p>
             <a:pPr algn="ctr"/>
-            <a:endParaRPr lang="zh-CN" altLang="en-US"/>
-          </a:p>
-        </p:txBody>
-      </p:sp>
-      <p:sp>
-        <p:nvSpPr>
-          <p:cNvPr id="40" name="左箭头 39"/>
+            <a:r>
+              <a:rPr lang="en-US" altLang="zh-CN"/>
+              <a:t>      </a:t>
+            </a:r>
+            <a:endParaRPr lang="en-US" altLang="zh-CN"/>
+          </a:p>
+        </p:txBody>
+      </p:sp>
+      <p:sp>
+        <p:nvSpPr>
+          <p:cNvPr id="33" name="折角形 32"/>
           <p:cNvSpPr/>
           <p:nvPr/>
         </p:nvSpPr>
         <p:spPr>
           <a:xfrm>
-            <a:off x="5948680" y="3251835"/>
-            <a:ext cx="523240" cy="196215"/>
-          </a:xfrm>
-          <a:prstGeom prst="leftArrow">
-            <a:avLst/>
-          </a:prstGeom>
-          <a:solidFill>
-            <a:srgbClr val="00B0F0"/>
-          </a:solidFill>
+            <a:off x="7600315" y="3916680"/>
+            <a:ext cx="306705" cy="331470"/>
+          </a:xfrm>
+          <a:prstGeom prst="foldedCorner">
+            <a:avLst/>
+          </a:prstGeom>
         </p:spPr>
         <p:style>
           <a:lnRef idx="2">
@@ -7573,24 +7608,18 @@
       </p:sp>
       <p:sp>
         <p:nvSpPr>
-          <p:cNvPr id="41" name="圆角矩形 40"/>
+          <p:cNvPr id="34" name="折角形 33"/>
           <p:cNvSpPr/>
           <p:nvPr/>
         </p:nvSpPr>
         <p:spPr>
           <a:xfrm>
-            <a:off x="4951730" y="2526665"/>
-            <a:ext cx="996950" cy="1630045"/>
-          </a:xfrm>
-          <a:prstGeom prst="roundRect">
-            <a:avLst/>
-          </a:prstGeom>
-          <a:solidFill>
-            <a:schemeClr val="accent1">
-              <a:lumMod val="40000"/>
-              <a:lumOff val="60000"/>
-            </a:schemeClr>
-          </a:solidFill>
+            <a:off x="7155815" y="4469765"/>
+            <a:ext cx="306705" cy="331470"/>
+          </a:xfrm>
+          <a:prstGeom prst="foldedCorner">
+            <a:avLst/>
+          </a:prstGeom>
         </p:spPr>
         <p:style>
           <a:lnRef idx="2">
@@ -7618,16 +7647,16 @@
       </p:sp>
       <p:sp>
         <p:nvSpPr>
-          <p:cNvPr id="42" name="流程图: 决策 41"/>
+          <p:cNvPr id="35" name="折角形 34"/>
           <p:cNvSpPr/>
           <p:nvPr/>
         </p:nvSpPr>
         <p:spPr>
           <a:xfrm>
-            <a:off x="5156200" y="2722245"/>
-            <a:ext cx="588010" cy="298450"/>
-          </a:xfrm>
-          <a:prstGeom prst="flowChartDecision">
+            <a:off x="8024495" y="4469765"/>
+            <a:ext cx="306705" cy="331470"/>
+          </a:xfrm>
+          <a:prstGeom prst="foldedCorner">
             <a:avLst/>
           </a:prstGeom>
         </p:spPr>
@@ -7657,92 +7686,14 @@
       </p:sp>
       <p:sp>
         <p:nvSpPr>
-          <p:cNvPr id="43" name="流程图: 决策 42"/>
-          <p:cNvSpPr/>
-          <p:nvPr/>
-        </p:nvSpPr>
-        <p:spPr>
-          <a:xfrm>
-            <a:off x="5156200" y="3225800"/>
-            <a:ext cx="588010" cy="298450"/>
-          </a:xfrm>
-          <a:prstGeom prst="flowChartDecision">
-            <a:avLst/>
-          </a:prstGeom>
-        </p:spPr>
-        <p:style>
-          <a:lnRef idx="2">
-            <a:schemeClr val="accent1">
-              <a:shade val="50000"/>
-            </a:schemeClr>
-          </a:lnRef>
-          <a:fillRef idx="1">
-            <a:schemeClr val="accent1"/>
-          </a:fillRef>
-          <a:effectRef idx="0">
-            <a:schemeClr val="accent1"/>
-          </a:effectRef>
-          <a:fontRef idx="minor">
-            <a:schemeClr val="lt1"/>
-          </a:fontRef>
-        </p:style>
-        <p:txBody>
-          <a:bodyPr rtlCol="0" anchor="ctr"/>
-          <a:p>
-            <a:pPr algn="ctr"/>
-            <a:endParaRPr lang="zh-CN" altLang="en-US"/>
-          </a:p>
-        </p:txBody>
-      </p:sp>
-      <p:sp>
-        <p:nvSpPr>
-          <p:cNvPr id="44" name="流程图: 决策 43"/>
-          <p:cNvSpPr/>
-          <p:nvPr/>
-        </p:nvSpPr>
-        <p:spPr>
-          <a:xfrm>
-            <a:off x="5156200" y="3751580"/>
-            <a:ext cx="588010" cy="298450"/>
-          </a:xfrm>
-          <a:prstGeom prst="flowChartDecision">
-            <a:avLst/>
-          </a:prstGeom>
-        </p:spPr>
-        <p:style>
-          <a:lnRef idx="2">
-            <a:schemeClr val="accent1">
-              <a:shade val="50000"/>
-            </a:schemeClr>
-          </a:lnRef>
-          <a:fillRef idx="1">
-            <a:schemeClr val="accent1"/>
-          </a:fillRef>
-          <a:effectRef idx="0">
-            <a:schemeClr val="accent1"/>
-          </a:effectRef>
-          <a:fontRef idx="minor">
-            <a:schemeClr val="lt1"/>
-          </a:fontRef>
-        </p:style>
-        <p:txBody>
-          <a:bodyPr rtlCol="0" anchor="ctr"/>
-          <a:p>
-            <a:pPr algn="ctr"/>
-            <a:endParaRPr lang="zh-CN" altLang="en-US"/>
-          </a:p>
-        </p:txBody>
-      </p:sp>
-      <p:sp>
-        <p:nvSpPr>
-          <p:cNvPr id="45" name="文本框 44"/>
+          <p:cNvPr id="36" name="文本框 35"/>
           <p:cNvSpPr txBox="1"/>
           <p:nvPr/>
         </p:nvSpPr>
         <p:spPr>
           <a:xfrm>
-            <a:off x="4531995" y="2221230"/>
-            <a:ext cx="1974850" cy="245110"/>
+            <a:off x="6892925" y="4982845"/>
+            <a:ext cx="1699260" cy="245110"/>
           </a:xfrm>
           <a:prstGeom prst="rect">
             <a:avLst/>
@@ -7760,7 +7711,7 @@
                   <a:srgbClr val="FF0000"/>
                 </a:solidFill>
               </a:rPr>
-              <a:t>logstash</a:t>
+              <a:t>zookeeper</a:t>
             </a:r>
             <a:r>
               <a:rPr lang="zh-CN" altLang="en-US" sz="1000" b="1">
@@ -7768,7 +7719,7 @@
                   <a:srgbClr val="FF0000"/>
                 </a:solidFill>
               </a:rPr>
-              <a:t>集群：处理，转发消息</a:t>
+              <a:t>集群：管理配置</a:t>
             </a:r>
             <a:endParaRPr lang="zh-CN" altLang="en-US" sz="1000" b="1">
               <a:solidFill>
@@ -7780,65 +7731,20 @@
       </p:sp>
       <p:sp>
         <p:nvSpPr>
-          <p:cNvPr id="46" name="左箭头 45"/>
+          <p:cNvPr id="37" name="上箭头 36"/>
           <p:cNvSpPr/>
           <p:nvPr/>
         </p:nvSpPr>
         <p:spPr>
           <a:xfrm>
-            <a:off x="4428490" y="3243580"/>
-            <a:ext cx="523240" cy="196215"/>
-          </a:xfrm>
-          <a:prstGeom prst="leftArrow">
+            <a:off x="7634605" y="3302635"/>
+            <a:ext cx="228600" cy="447040"/>
+          </a:xfrm>
+          <a:prstGeom prst="upArrow">
             <a:avLst/>
           </a:prstGeom>
           <a:solidFill>
             <a:srgbClr val="00B0F0"/>
-          </a:solidFill>
-        </p:spPr>
-        <p:style>
-          <a:lnRef idx="2">
-            <a:schemeClr val="accent1">
-              <a:shade val="50000"/>
-            </a:schemeClr>
-          </a:lnRef>
-          <a:fillRef idx="1">
-            <a:schemeClr val="accent1"/>
-          </a:fillRef>
-          <a:effectRef idx="0">
-            <a:schemeClr val="accent1"/>
-          </a:effectRef>
-          <a:fontRef idx="minor">
-            <a:schemeClr val="lt1"/>
-          </a:fontRef>
-        </p:style>
-        <p:txBody>
-          <a:bodyPr rtlCol="0" anchor="ctr"/>
-          <a:p>
-            <a:pPr algn="ctr"/>
-            <a:endParaRPr lang="zh-CN" altLang="en-US"/>
-          </a:p>
-        </p:txBody>
-      </p:sp>
-      <p:sp>
-        <p:nvSpPr>
-          <p:cNvPr id="47" name="圆角矩形 46"/>
-          <p:cNvSpPr/>
-          <p:nvPr/>
-        </p:nvSpPr>
-        <p:spPr>
-          <a:xfrm>
-            <a:off x="3347085" y="2493645"/>
-            <a:ext cx="1082040" cy="1695450"/>
-          </a:xfrm>
-          <a:prstGeom prst="roundRect">
-            <a:avLst/>
-          </a:prstGeom>
-          <a:solidFill>
-            <a:schemeClr val="accent1">
-              <a:lumMod val="40000"/>
-              <a:lumOff val="60000"/>
-            </a:schemeClr>
           </a:solidFill>
           <a:ln>
             <a:solidFill>
@@ -7875,18 +7781,21 @@
       </p:sp>
       <p:sp>
         <p:nvSpPr>
-          <p:cNvPr id="48" name="立方体 47"/>
+          <p:cNvPr id="38" name="左箭头 37"/>
           <p:cNvSpPr/>
           <p:nvPr/>
         </p:nvSpPr>
         <p:spPr>
           <a:xfrm>
-            <a:off x="3529965" y="2689225"/>
-            <a:ext cx="715645" cy="314960"/>
-          </a:xfrm>
-          <a:prstGeom prst="cube">
-            <a:avLst/>
-          </a:prstGeom>
+            <a:off x="8641080" y="3251835"/>
+            <a:ext cx="523240" cy="196215"/>
+          </a:xfrm>
+          <a:prstGeom prst="leftArrow">
+            <a:avLst/>
+          </a:prstGeom>
+          <a:solidFill>
+            <a:srgbClr val="00B0F0"/>
+          </a:solidFill>
         </p:spPr>
         <p:style>
           <a:lnRef idx="2">
@@ -7914,18 +7823,21 @@
       </p:sp>
       <p:sp>
         <p:nvSpPr>
-          <p:cNvPr id="49" name="立方体 48"/>
+          <p:cNvPr id="40" name="左箭头 39"/>
           <p:cNvSpPr/>
           <p:nvPr/>
         </p:nvSpPr>
         <p:spPr>
           <a:xfrm>
-            <a:off x="3529965" y="3242310"/>
-            <a:ext cx="715645" cy="314960"/>
-          </a:xfrm>
-          <a:prstGeom prst="cube">
-            <a:avLst/>
-          </a:prstGeom>
+            <a:off x="6320155" y="3251835"/>
+            <a:ext cx="523240" cy="196215"/>
+          </a:xfrm>
+          <a:prstGeom prst="leftArrow">
+            <a:avLst/>
+          </a:prstGeom>
+          <a:solidFill>
+            <a:srgbClr val="00B0F0"/>
+          </a:solidFill>
         </p:spPr>
         <p:style>
           <a:lnRef idx="2">
@@ -7953,18 +7865,24 @@
       </p:sp>
       <p:sp>
         <p:nvSpPr>
-          <p:cNvPr id="50" name="立方体 49"/>
+          <p:cNvPr id="41" name="圆角矩形 40"/>
           <p:cNvSpPr/>
           <p:nvPr/>
         </p:nvSpPr>
         <p:spPr>
           <a:xfrm>
-            <a:off x="3529965" y="3775710"/>
-            <a:ext cx="715645" cy="314960"/>
-          </a:xfrm>
-          <a:prstGeom prst="cube">
-            <a:avLst/>
-          </a:prstGeom>
+            <a:off x="5323205" y="2526665"/>
+            <a:ext cx="996950" cy="1630045"/>
+          </a:xfrm>
+          <a:prstGeom prst="roundRect">
+            <a:avLst/>
+          </a:prstGeom>
+          <a:solidFill>
+            <a:schemeClr val="accent1">
+              <a:lumMod val="40000"/>
+              <a:lumOff val="60000"/>
+            </a:schemeClr>
+          </a:solidFill>
         </p:spPr>
         <p:style>
           <a:lnRef idx="2">
@@ -7992,14 +7910,218 @@
       </p:sp>
       <p:sp>
         <p:nvSpPr>
-          <p:cNvPr id="51" name="圆角矩形 50"/>
+          <p:cNvPr id="42" name="流程图: 决策 41"/>
           <p:cNvSpPr/>
           <p:nvPr/>
         </p:nvSpPr>
         <p:spPr>
           <a:xfrm>
-            <a:off x="1753235" y="2510790"/>
-            <a:ext cx="972185" cy="1695450"/>
+            <a:off x="5527675" y="2722245"/>
+            <a:ext cx="588010" cy="298450"/>
+          </a:xfrm>
+          <a:prstGeom prst="flowChartDecision">
+            <a:avLst/>
+          </a:prstGeom>
+        </p:spPr>
+        <p:style>
+          <a:lnRef idx="2">
+            <a:schemeClr val="accent1">
+              <a:shade val="50000"/>
+            </a:schemeClr>
+          </a:lnRef>
+          <a:fillRef idx="1">
+            <a:schemeClr val="accent1"/>
+          </a:fillRef>
+          <a:effectRef idx="0">
+            <a:schemeClr val="accent1"/>
+          </a:effectRef>
+          <a:fontRef idx="minor">
+            <a:schemeClr val="lt1"/>
+          </a:fontRef>
+        </p:style>
+        <p:txBody>
+          <a:bodyPr rtlCol="0" anchor="ctr"/>
+          <a:p>
+            <a:pPr algn="ctr"/>
+            <a:endParaRPr lang="zh-CN" altLang="en-US"/>
+          </a:p>
+        </p:txBody>
+      </p:sp>
+      <p:sp>
+        <p:nvSpPr>
+          <p:cNvPr id="43" name="流程图: 决策 42"/>
+          <p:cNvSpPr/>
+          <p:nvPr/>
+        </p:nvSpPr>
+        <p:spPr>
+          <a:xfrm>
+            <a:off x="5527675" y="3225800"/>
+            <a:ext cx="588010" cy="298450"/>
+          </a:xfrm>
+          <a:prstGeom prst="flowChartDecision">
+            <a:avLst/>
+          </a:prstGeom>
+        </p:spPr>
+        <p:style>
+          <a:lnRef idx="2">
+            <a:schemeClr val="accent1">
+              <a:shade val="50000"/>
+            </a:schemeClr>
+          </a:lnRef>
+          <a:fillRef idx="1">
+            <a:schemeClr val="accent1"/>
+          </a:fillRef>
+          <a:effectRef idx="0">
+            <a:schemeClr val="accent1"/>
+          </a:effectRef>
+          <a:fontRef idx="minor">
+            <a:schemeClr val="lt1"/>
+          </a:fontRef>
+        </p:style>
+        <p:txBody>
+          <a:bodyPr rtlCol="0" anchor="ctr"/>
+          <a:p>
+            <a:pPr algn="ctr"/>
+            <a:endParaRPr lang="zh-CN" altLang="en-US"/>
+          </a:p>
+        </p:txBody>
+      </p:sp>
+      <p:sp>
+        <p:nvSpPr>
+          <p:cNvPr id="44" name="流程图: 决策 43"/>
+          <p:cNvSpPr/>
+          <p:nvPr/>
+        </p:nvSpPr>
+        <p:spPr>
+          <a:xfrm>
+            <a:off x="5527675" y="3751580"/>
+            <a:ext cx="588010" cy="298450"/>
+          </a:xfrm>
+          <a:prstGeom prst="flowChartDecision">
+            <a:avLst/>
+          </a:prstGeom>
+        </p:spPr>
+        <p:style>
+          <a:lnRef idx="2">
+            <a:schemeClr val="accent1">
+              <a:shade val="50000"/>
+            </a:schemeClr>
+          </a:lnRef>
+          <a:fillRef idx="1">
+            <a:schemeClr val="accent1"/>
+          </a:fillRef>
+          <a:effectRef idx="0">
+            <a:schemeClr val="accent1"/>
+          </a:effectRef>
+          <a:fontRef idx="minor">
+            <a:schemeClr val="lt1"/>
+          </a:fontRef>
+        </p:style>
+        <p:txBody>
+          <a:bodyPr rtlCol="0" anchor="ctr"/>
+          <a:p>
+            <a:pPr algn="ctr"/>
+            <a:endParaRPr lang="zh-CN" altLang="en-US"/>
+          </a:p>
+        </p:txBody>
+      </p:sp>
+      <p:sp>
+        <p:nvSpPr>
+          <p:cNvPr id="45" name="文本框 44"/>
+          <p:cNvSpPr txBox="1"/>
+          <p:nvPr/>
+        </p:nvSpPr>
+        <p:spPr>
+          <a:xfrm>
+            <a:off x="4903470" y="2221230"/>
+            <a:ext cx="1974850" cy="245110"/>
+          </a:xfrm>
+          <a:prstGeom prst="rect">
+            <a:avLst/>
+          </a:prstGeom>
+          <a:noFill/>
+        </p:spPr>
+        <p:txBody>
+          <a:bodyPr wrap="none" rtlCol="0">
+            <a:spAutoFit/>
+          </a:bodyPr>
+          <a:p>
+            <a:r>
+              <a:rPr lang="en-US" altLang="zh-CN" sz="1000" b="1">
+                <a:solidFill>
+                  <a:srgbClr val="FF0000"/>
+                </a:solidFill>
+              </a:rPr>
+              <a:t>logstash</a:t>
+            </a:r>
+            <a:r>
+              <a:rPr lang="zh-CN" altLang="en-US" sz="1000" b="1">
+                <a:solidFill>
+                  <a:srgbClr val="FF0000"/>
+                </a:solidFill>
+              </a:rPr>
+              <a:t>集群：处理，转发消息</a:t>
+            </a:r>
+            <a:endParaRPr lang="zh-CN" altLang="en-US" sz="1000" b="1">
+              <a:solidFill>
+                <a:srgbClr val="FF0000"/>
+              </a:solidFill>
+            </a:endParaRPr>
+          </a:p>
+        </p:txBody>
+      </p:sp>
+      <p:sp>
+        <p:nvSpPr>
+          <p:cNvPr id="46" name="左箭头 45"/>
+          <p:cNvSpPr/>
+          <p:nvPr/>
+        </p:nvSpPr>
+        <p:spPr>
+          <a:xfrm>
+            <a:off x="4799965" y="3243580"/>
+            <a:ext cx="523240" cy="196215"/>
+          </a:xfrm>
+          <a:prstGeom prst="leftArrow">
+            <a:avLst/>
+          </a:prstGeom>
+          <a:solidFill>
+            <a:srgbClr val="00B0F0"/>
+          </a:solidFill>
+        </p:spPr>
+        <p:style>
+          <a:lnRef idx="2">
+            <a:schemeClr val="accent1">
+              <a:shade val="50000"/>
+            </a:schemeClr>
+          </a:lnRef>
+          <a:fillRef idx="1">
+            <a:schemeClr val="accent1"/>
+          </a:fillRef>
+          <a:effectRef idx="0">
+            <a:schemeClr val="accent1"/>
+          </a:effectRef>
+          <a:fontRef idx="minor">
+            <a:schemeClr val="lt1"/>
+          </a:fontRef>
+        </p:style>
+        <p:txBody>
+          <a:bodyPr rtlCol="0" anchor="ctr"/>
+          <a:p>
+            <a:pPr algn="ctr"/>
+            <a:endParaRPr lang="zh-CN" altLang="en-US"/>
+          </a:p>
+        </p:txBody>
+      </p:sp>
+      <p:sp>
+        <p:nvSpPr>
+          <p:cNvPr id="47" name="圆角矩形 46"/>
+          <p:cNvSpPr/>
+          <p:nvPr/>
+        </p:nvSpPr>
+        <p:spPr>
+          <a:xfrm>
+            <a:off x="3718560" y="2493645"/>
+            <a:ext cx="1082040" cy="1695450"/>
           </a:xfrm>
           <a:prstGeom prst="roundRect">
             <a:avLst/>
@@ -8045,16 +8167,16 @@
       </p:sp>
       <p:sp>
         <p:nvSpPr>
-          <p:cNvPr id="52" name="笑脸 51"/>
+          <p:cNvPr id="48" name="立方体 47"/>
           <p:cNvSpPr/>
           <p:nvPr/>
         </p:nvSpPr>
         <p:spPr>
           <a:xfrm>
-            <a:off x="1982470" y="2696845"/>
-            <a:ext cx="519430" cy="511175"/>
-          </a:xfrm>
-          <a:prstGeom prst="smileyFace">
+            <a:off x="3901440" y="2689225"/>
+            <a:ext cx="715645" cy="314960"/>
+          </a:xfrm>
+          <a:prstGeom prst="cube">
             <a:avLst/>
           </a:prstGeom>
         </p:spPr>
@@ -8084,16 +8206,16 @@
       </p:sp>
       <p:sp>
         <p:nvSpPr>
-          <p:cNvPr id="53" name="笑脸 52"/>
+          <p:cNvPr id="49" name="立方体 48"/>
           <p:cNvSpPr/>
           <p:nvPr/>
         </p:nvSpPr>
         <p:spPr>
           <a:xfrm>
-            <a:off x="1982470" y="3423285"/>
-            <a:ext cx="519430" cy="511175"/>
-          </a:xfrm>
-          <a:prstGeom prst="smileyFace">
+            <a:off x="3901440" y="3242310"/>
+            <a:ext cx="715645" cy="314960"/>
+          </a:xfrm>
+          <a:prstGeom prst="cube">
             <a:avLst/>
           </a:prstGeom>
         </p:spPr>
@@ -8123,21 +8245,18 @@
       </p:sp>
       <p:sp>
         <p:nvSpPr>
-          <p:cNvPr id="54" name="左箭头 53"/>
+          <p:cNvPr id="50" name="立方体 49"/>
           <p:cNvSpPr/>
           <p:nvPr/>
         </p:nvSpPr>
         <p:spPr>
           <a:xfrm>
-            <a:off x="2725420" y="3242945"/>
-            <a:ext cx="621030" cy="196215"/>
-          </a:xfrm>
-          <a:prstGeom prst="leftArrow">
-            <a:avLst/>
-          </a:prstGeom>
-          <a:solidFill>
-            <a:srgbClr val="00B0F0"/>
-          </a:solidFill>
+            <a:off x="3901440" y="3775710"/>
+            <a:ext cx="715645" cy="314960"/>
+          </a:xfrm>
+          <a:prstGeom prst="cube">
+            <a:avLst/>
+          </a:prstGeom>
         </p:spPr>
         <p:style>
           <a:lnRef idx="2">
@@ -8165,14 +8284,187 @@
       </p:sp>
       <p:sp>
         <p:nvSpPr>
+          <p:cNvPr id="51" name="圆角矩形 50"/>
+          <p:cNvSpPr/>
+          <p:nvPr/>
+        </p:nvSpPr>
+        <p:spPr>
+          <a:xfrm>
+            <a:off x="2124710" y="2510790"/>
+            <a:ext cx="972185" cy="1695450"/>
+          </a:xfrm>
+          <a:prstGeom prst="roundRect">
+            <a:avLst/>
+          </a:prstGeom>
+          <a:solidFill>
+            <a:schemeClr val="accent1">
+              <a:lumMod val="40000"/>
+              <a:lumOff val="60000"/>
+            </a:schemeClr>
+          </a:solidFill>
+          <a:ln>
+            <a:solidFill>
+              <a:schemeClr val="tx2">
+                <a:lumMod val="60000"/>
+                <a:lumOff val="40000"/>
+              </a:schemeClr>
+            </a:solidFill>
+          </a:ln>
+        </p:spPr>
+        <p:style>
+          <a:lnRef idx="2">
+            <a:schemeClr val="accent1">
+              <a:shade val="50000"/>
+            </a:schemeClr>
+          </a:lnRef>
+          <a:fillRef idx="1">
+            <a:schemeClr val="accent1"/>
+          </a:fillRef>
+          <a:effectRef idx="0">
+            <a:schemeClr val="accent1"/>
+          </a:effectRef>
+          <a:fontRef idx="minor">
+            <a:schemeClr val="lt1"/>
+          </a:fontRef>
+        </p:style>
+        <p:txBody>
+          <a:bodyPr rtlCol="0" anchor="ctr"/>
+          <a:p>
+            <a:pPr algn="ctr"/>
+            <a:endParaRPr lang="zh-CN" altLang="en-US"/>
+          </a:p>
+        </p:txBody>
+      </p:sp>
+      <p:sp>
+        <p:nvSpPr>
+          <p:cNvPr id="52" name="笑脸 51"/>
+          <p:cNvSpPr/>
+          <p:nvPr/>
+        </p:nvSpPr>
+        <p:spPr>
+          <a:xfrm>
+            <a:off x="2353945" y="2696845"/>
+            <a:ext cx="519430" cy="511175"/>
+          </a:xfrm>
+          <a:prstGeom prst="smileyFace">
+            <a:avLst/>
+          </a:prstGeom>
+        </p:spPr>
+        <p:style>
+          <a:lnRef idx="2">
+            <a:schemeClr val="accent1">
+              <a:shade val="50000"/>
+            </a:schemeClr>
+          </a:lnRef>
+          <a:fillRef idx="1">
+            <a:schemeClr val="accent1"/>
+          </a:fillRef>
+          <a:effectRef idx="0">
+            <a:schemeClr val="accent1"/>
+          </a:effectRef>
+          <a:fontRef idx="minor">
+            <a:schemeClr val="lt1"/>
+          </a:fontRef>
+        </p:style>
+        <p:txBody>
+          <a:bodyPr rtlCol="0" anchor="ctr"/>
+          <a:p>
+            <a:pPr algn="ctr"/>
+            <a:endParaRPr lang="zh-CN" altLang="en-US"/>
+          </a:p>
+        </p:txBody>
+      </p:sp>
+      <p:sp>
+        <p:nvSpPr>
+          <p:cNvPr id="53" name="笑脸 52"/>
+          <p:cNvSpPr/>
+          <p:nvPr/>
+        </p:nvSpPr>
+        <p:spPr>
+          <a:xfrm>
+            <a:off x="2353945" y="3423285"/>
+            <a:ext cx="519430" cy="511175"/>
+          </a:xfrm>
+          <a:prstGeom prst="smileyFace">
+            <a:avLst/>
+          </a:prstGeom>
+        </p:spPr>
+        <p:style>
+          <a:lnRef idx="2">
+            <a:schemeClr val="accent1">
+              <a:shade val="50000"/>
+            </a:schemeClr>
+          </a:lnRef>
+          <a:fillRef idx="1">
+            <a:schemeClr val="accent1"/>
+          </a:fillRef>
+          <a:effectRef idx="0">
+            <a:schemeClr val="accent1"/>
+          </a:effectRef>
+          <a:fontRef idx="minor">
+            <a:schemeClr val="lt1"/>
+          </a:fontRef>
+        </p:style>
+        <p:txBody>
+          <a:bodyPr rtlCol="0" anchor="ctr"/>
+          <a:p>
+            <a:pPr algn="ctr"/>
+            <a:endParaRPr lang="zh-CN" altLang="en-US"/>
+          </a:p>
+        </p:txBody>
+      </p:sp>
+      <p:sp>
+        <p:nvSpPr>
+          <p:cNvPr id="54" name="左箭头 53"/>
+          <p:cNvSpPr/>
+          <p:nvPr/>
+        </p:nvSpPr>
+        <p:spPr>
+          <a:xfrm>
+            <a:off x="3096895" y="3242945"/>
+            <a:ext cx="621030" cy="196215"/>
+          </a:xfrm>
+          <a:prstGeom prst="leftArrow">
+            <a:avLst/>
+          </a:prstGeom>
+          <a:solidFill>
+            <a:srgbClr val="00B0F0"/>
+          </a:solidFill>
+        </p:spPr>
+        <p:style>
+          <a:lnRef idx="2">
+            <a:schemeClr val="accent1">
+              <a:shade val="50000"/>
+            </a:schemeClr>
+          </a:lnRef>
+          <a:fillRef idx="1">
+            <a:schemeClr val="accent1"/>
+          </a:fillRef>
+          <a:effectRef idx="0">
+            <a:schemeClr val="accent1"/>
+          </a:effectRef>
+          <a:fontRef idx="minor">
+            <a:schemeClr val="lt1"/>
+          </a:fontRef>
+        </p:style>
+        <p:txBody>
+          <a:bodyPr rtlCol="0" anchor="ctr"/>
+          <a:p>
+            <a:pPr algn="ctr"/>
+            <a:endParaRPr lang="zh-CN" altLang="en-US"/>
+          </a:p>
+        </p:txBody>
+      </p:sp>
+      <p:sp>
+        <p:nvSpPr>
           <p:cNvPr id="55" name="文本框 54"/>
           <p:cNvSpPr txBox="1"/>
           <p:nvPr/>
         </p:nvSpPr>
         <p:spPr>
           <a:xfrm>
-            <a:off x="3154045" y="2190750"/>
-            <a:ext cx="1519555" cy="275590"/>
+            <a:off x="3575050" y="2190750"/>
+            <a:ext cx="1367155" cy="275590"/>
           </a:xfrm>
           <a:prstGeom prst="rect">
             <a:avLst/>
@@ -8191,14 +8483,6 @@
                 </a:solidFill>
               </a:rPr>
               <a:t>elsticsearch</a:t>
-            </a:r>
-            <a:r>
-              <a:rPr lang="zh-CN" altLang="en-US" sz="1200" b="1">
-                <a:solidFill>
-                  <a:srgbClr val="FF0000"/>
-                </a:solidFill>
-              </a:rPr>
-              <a:t>：</a:t>
             </a:r>
             <a:r>
               <a:rPr lang="zh-CN" altLang="en-US" sz="1200" b="1">
@@ -8224,7 +8508,7 @@
         </p:nvSpPr>
         <p:spPr>
           <a:xfrm>
-            <a:off x="1558925" y="2120265"/>
+            <a:off x="1930400" y="2120265"/>
             <a:ext cx="1427480" cy="275590"/>
           </a:xfrm>
           <a:prstGeom prst="rect">
@@ -8263,13 +8547,71 @@
       </p:sp>
       <p:sp>
         <p:nvSpPr>
+          <p:cNvPr id="2" name="文本框 1"/>
+          <p:cNvSpPr txBox="1"/>
+          <p:nvPr/>
+        </p:nvSpPr>
+        <p:spPr>
+          <a:xfrm>
+            <a:off x="9486265" y="1751965"/>
+            <a:ext cx="1490980" cy="368300"/>
+          </a:xfrm>
+          <a:prstGeom prst="rect">
+            <a:avLst/>
+          </a:prstGeom>
+          <a:noFill/>
+        </p:spPr>
+        <p:txBody>
+          <a:bodyPr wrap="square" rtlCol="0">
+            <a:spAutoFit/>
+          </a:bodyPr>
+          <a:p>
+            <a:r>
+              <a:rPr lang="zh-CN" altLang="zh-CN"/>
+              <a:t>生产者</a:t>
+            </a:r>
+            <a:endParaRPr lang="zh-CN" altLang="zh-CN"/>
+          </a:p>
+        </p:txBody>
+      </p:sp>
+      <p:sp>
+        <p:nvSpPr>
+          <p:cNvPr id="3" name="文本框 2"/>
+          <p:cNvSpPr txBox="1"/>
+          <p:nvPr/>
+        </p:nvSpPr>
+        <p:spPr>
+          <a:xfrm>
+            <a:off x="3901440" y="1457325"/>
+            <a:ext cx="1490980" cy="368300"/>
+          </a:xfrm>
+          <a:prstGeom prst="rect">
+            <a:avLst/>
+          </a:prstGeom>
+          <a:noFill/>
+        </p:spPr>
+        <p:txBody>
+          <a:bodyPr wrap="square" rtlCol="0">
+            <a:spAutoFit/>
+          </a:bodyPr>
+          <a:p>
+            <a:r>
+              <a:rPr lang="zh-CN" altLang="zh-CN"/>
+              <a:t>消费者</a:t>
+            </a:r>
+            <a:endParaRPr lang="zh-CN" altLang="zh-CN"/>
+          </a:p>
+        </p:txBody>
+      </p:sp>
+      <p:sp>
+        <p:nvSpPr>
           <p:cNvPr id="4" name="笑脸 3"/>
           <p:cNvSpPr/>
           <p:nvPr/>
         </p:nvSpPr>
         <p:spPr>
           <a:xfrm>
-            <a:off x="544195" y="3012440"/>
+            <a:off x="915670" y="3012440"/>
             <a:ext cx="588010" cy="588010"/>
           </a:xfrm>
           <a:prstGeom prst="smileyFace">
@@ -8308,7 +8650,7 @@
         </p:nvSpPr>
         <p:spPr>
           <a:xfrm>
-            <a:off x="1132205" y="3208020"/>
+            <a:off x="1503680" y="3208020"/>
             <a:ext cx="621030" cy="196215"/>
           </a:xfrm>
           <a:prstGeom prst="leftArrow">
@@ -8350,7 +8692,7 @@
         </p:nvSpPr>
         <p:spPr>
           <a:xfrm>
-            <a:off x="153670" y="2658745"/>
+            <a:off x="525145" y="2658745"/>
             <a:ext cx="1368425" cy="275590"/>
           </a:xfrm>
           <a:prstGeom prst="rect">
@@ -8377,227 +8719,9 @@
                   <a:srgbClr val="FF0000"/>
                 </a:solidFill>
               </a:rPr>
-              <a:t>：负载均衡</a:t>
+              <a:t>：反向代理</a:t>
             </a:r>
             <a:endParaRPr lang="zh-CN" altLang="en-US" sz="1200" b="1">
-              <a:solidFill>
-                <a:srgbClr val="FF0000"/>
-              </a:solidFill>
-            </a:endParaRPr>
-          </a:p>
-        </p:txBody>
-      </p:sp>
-      <p:sp>
-        <p:nvSpPr>
-          <p:cNvPr id="2" name="圆角矩形 1"/>
-          <p:cNvSpPr/>
-          <p:nvPr/>
-        </p:nvSpPr>
-        <p:spPr>
-          <a:xfrm>
-            <a:off x="8822055" y="2520315"/>
-            <a:ext cx="996950" cy="1630045"/>
-          </a:xfrm>
-          <a:prstGeom prst="roundRect">
-            <a:avLst/>
-          </a:prstGeom>
-          <a:solidFill>
-            <a:schemeClr val="accent1">
-              <a:lumMod val="40000"/>
-              <a:lumOff val="60000"/>
-            </a:schemeClr>
-          </a:solidFill>
-        </p:spPr>
-        <p:style>
-          <a:lnRef idx="2">
-            <a:schemeClr val="accent1">
-              <a:shade val="50000"/>
-            </a:schemeClr>
-          </a:lnRef>
-          <a:fillRef idx="1">
-            <a:schemeClr val="accent1"/>
-          </a:fillRef>
-          <a:effectRef idx="0">
-            <a:schemeClr val="accent1"/>
-          </a:effectRef>
-          <a:fontRef idx="minor">
-            <a:schemeClr val="lt1"/>
-          </a:fontRef>
-        </p:style>
-        <p:txBody>
-          <a:bodyPr rtlCol="0" anchor="ctr"/>
-          <a:p>
-            <a:pPr algn="ctr"/>
-            <a:endParaRPr lang="zh-CN" altLang="en-US"/>
-          </a:p>
-        </p:txBody>
-      </p:sp>
-      <p:sp>
-        <p:nvSpPr>
-          <p:cNvPr id="3" name="流程图: 决策 2"/>
-          <p:cNvSpPr/>
-          <p:nvPr/>
-        </p:nvSpPr>
-        <p:spPr>
-          <a:xfrm>
-            <a:off x="9026525" y="2909570"/>
-            <a:ext cx="588010" cy="298450"/>
-          </a:xfrm>
-          <a:prstGeom prst="flowChartDecision">
-            <a:avLst/>
-          </a:prstGeom>
-        </p:spPr>
-        <p:style>
-          <a:lnRef idx="2">
-            <a:schemeClr val="accent1">
-              <a:shade val="50000"/>
-            </a:schemeClr>
-          </a:lnRef>
-          <a:fillRef idx="1">
-            <a:schemeClr val="accent1"/>
-          </a:fillRef>
-          <a:effectRef idx="0">
-            <a:schemeClr val="accent1"/>
-          </a:effectRef>
-          <a:fontRef idx="minor">
-            <a:schemeClr val="lt1"/>
-          </a:fontRef>
-        </p:style>
-        <p:txBody>
-          <a:bodyPr rtlCol="0" anchor="ctr"/>
-          <a:p>
-            <a:pPr algn="ctr"/>
-            <a:endParaRPr lang="zh-CN" altLang="en-US"/>
-          </a:p>
-        </p:txBody>
-      </p:sp>
-      <p:sp>
-        <p:nvSpPr>
-          <p:cNvPr id="11" name="流程图: 决策 10"/>
-          <p:cNvSpPr/>
-          <p:nvPr/>
-        </p:nvSpPr>
-        <p:spPr>
-          <a:xfrm>
-            <a:off x="9026525" y="3582670"/>
-            <a:ext cx="588010" cy="298450"/>
-          </a:xfrm>
-          <a:prstGeom prst="flowChartDecision">
-            <a:avLst/>
-          </a:prstGeom>
-        </p:spPr>
-        <p:style>
-          <a:lnRef idx="2">
-            <a:schemeClr val="accent1">
-              <a:shade val="50000"/>
-            </a:schemeClr>
-          </a:lnRef>
-          <a:fillRef idx="1">
-            <a:schemeClr val="accent1"/>
-          </a:fillRef>
-          <a:effectRef idx="0">
-            <a:schemeClr val="accent1"/>
-          </a:effectRef>
-          <a:fontRef idx="minor">
-            <a:schemeClr val="lt1"/>
-          </a:fontRef>
-        </p:style>
-        <p:txBody>
-          <a:bodyPr rtlCol="0" anchor="ctr"/>
-          <a:p>
-            <a:pPr algn="ctr"/>
-            <a:endParaRPr lang="zh-CN" altLang="en-US"/>
-          </a:p>
-        </p:txBody>
-      </p:sp>
-      <p:sp>
-        <p:nvSpPr>
-          <p:cNvPr id="13" name="左箭头 12"/>
-          <p:cNvSpPr/>
-          <p:nvPr/>
-        </p:nvSpPr>
-        <p:spPr>
-          <a:xfrm>
-            <a:off x="9825355" y="3255010"/>
-            <a:ext cx="523240" cy="196215"/>
-          </a:xfrm>
-          <a:prstGeom prst="leftArrow">
-            <a:avLst/>
-          </a:prstGeom>
-          <a:solidFill>
-            <a:srgbClr val="00B0F0"/>
-          </a:solidFill>
-        </p:spPr>
-        <p:style>
-          <a:lnRef idx="2">
-            <a:schemeClr val="accent1">
-              <a:shade val="50000"/>
-            </a:schemeClr>
-          </a:lnRef>
-          <a:fillRef idx="1">
-            <a:schemeClr val="accent1"/>
-          </a:fillRef>
-          <a:effectRef idx="0">
-            <a:schemeClr val="accent1"/>
-          </a:effectRef>
-          <a:fontRef idx="minor">
-            <a:schemeClr val="lt1"/>
-          </a:fontRef>
-        </p:style>
-        <p:txBody>
-          <a:bodyPr rtlCol="0" anchor="ctr"/>
-          <a:p>
-            <a:pPr algn="ctr"/>
-            <a:endParaRPr lang="zh-CN" altLang="en-US"/>
-          </a:p>
-        </p:txBody>
-      </p:sp>
-      <p:sp>
-        <p:nvSpPr>
-          <p:cNvPr id="14" name="文本框 13"/>
-          <p:cNvSpPr txBox="1"/>
-          <p:nvPr/>
-        </p:nvSpPr>
-        <p:spPr>
-          <a:xfrm>
-            <a:off x="8333105" y="2221230"/>
-            <a:ext cx="1897380" cy="245110"/>
-          </a:xfrm>
-          <a:prstGeom prst="rect">
-            <a:avLst/>
-          </a:prstGeom>
-          <a:noFill/>
-        </p:spPr>
-        <p:txBody>
-          <a:bodyPr wrap="none" rtlCol="0">
-            <a:spAutoFit/>
-          </a:bodyPr>
-          <a:p>
-            <a:r>
-              <a:rPr lang="en-US" altLang="zh-CN" sz="1000" b="1">
-                <a:solidFill>
-                  <a:srgbClr val="FF0000"/>
-                </a:solidFill>
-              </a:rPr>
-              <a:t>logstash</a:t>
-            </a:r>
-            <a:r>
-              <a:rPr lang="zh-CN" altLang="en-US" sz="1000" b="1">
-                <a:solidFill>
-                  <a:srgbClr val="FF0000"/>
-                </a:solidFill>
-              </a:rPr>
-              <a:t>：收集日志写入</a:t>
-            </a:r>
-            <a:r>
-              <a:rPr lang="en-US" altLang="zh-CN" sz="1000" b="1">
-                <a:solidFill>
-                  <a:srgbClr val="FF0000"/>
-                </a:solidFill>
-              </a:rPr>
-              <a:t>redis</a:t>
-            </a:r>
-            <a:endParaRPr lang="en-US" altLang="zh-CN" sz="1000" b="1">
               <a:solidFill>
                 <a:srgbClr val="FF0000"/>
               </a:solidFill>
@@ -8617,6 +8741,1832 @@
 </file>
 
 <file path=ppt/slides/slide3.xml><?xml version="1.0" encoding="utf-8"?>
+<p:sld xmlns:a="http://schemas.openxmlformats.org/drawingml/2006/main" xmlns:r="http://schemas.openxmlformats.org/officeDocument/2006/relationships" xmlns:p="http://schemas.openxmlformats.org/presentationml/2006/main">
+  <p:cSld>
+    <p:spTree>
+      <p:nvGrpSpPr>
+        <p:cNvPr id="1" name=""/>
+        <p:cNvGrpSpPr/>
+        <p:nvPr/>
+      </p:nvGrpSpPr>
+      <p:grpSpPr>
+        <a:xfrm>
+          <a:off x="0" y="0"/>
+          <a:ext cx="0" cy="0"/>
+          <a:chOff x="0" y="0"/>
+          <a:chExt cx="0" cy="0"/>
+        </a:xfrm>
+      </p:grpSpPr>
+      <p:sp>
+        <p:nvSpPr>
+          <p:cNvPr id="39" name="圆角矩形 38"/>
+          <p:cNvSpPr/>
+          <p:nvPr/>
+        </p:nvSpPr>
+        <p:spPr>
+          <a:xfrm>
+            <a:off x="6471920" y="2329180"/>
+            <a:ext cx="1797685" cy="2057400"/>
+          </a:xfrm>
+          <a:prstGeom prst="roundRect">
+            <a:avLst/>
+          </a:prstGeom>
+        </p:spPr>
+        <p:style>
+          <a:lnRef idx="2">
+            <a:schemeClr val="accent1">
+              <a:shade val="50000"/>
+            </a:schemeClr>
+          </a:lnRef>
+          <a:fillRef idx="1">
+            <a:schemeClr val="accent1"/>
+          </a:fillRef>
+          <a:effectRef idx="0">
+            <a:schemeClr val="accent1"/>
+          </a:effectRef>
+          <a:fontRef idx="minor">
+            <a:schemeClr val="lt1"/>
+          </a:fontRef>
+        </p:style>
+        <p:txBody>
+          <a:bodyPr rtlCol="0" anchor="ctr"/>
+          <a:p>
+            <a:pPr algn="ctr"/>
+            <a:endParaRPr lang="zh-CN" altLang="en-US"/>
+          </a:p>
+        </p:txBody>
+      </p:sp>
+      <p:sp>
+        <p:nvSpPr>
+          <p:cNvPr id="20" name="矩形 19"/>
+          <p:cNvSpPr/>
+          <p:nvPr/>
+        </p:nvSpPr>
+        <p:spPr>
+          <a:xfrm>
+            <a:off x="10350500" y="2207260"/>
+            <a:ext cx="1500505" cy="2280920"/>
+          </a:xfrm>
+          <a:prstGeom prst="rect">
+            <a:avLst/>
+          </a:prstGeom>
+          <a:solidFill>
+            <a:schemeClr val="accent1">
+              <a:lumMod val="40000"/>
+              <a:lumOff val="60000"/>
+            </a:schemeClr>
+          </a:solidFill>
+        </p:spPr>
+        <p:style>
+          <a:lnRef idx="2">
+            <a:schemeClr val="accent1">
+              <a:shade val="50000"/>
+            </a:schemeClr>
+          </a:lnRef>
+          <a:fillRef idx="1">
+            <a:schemeClr val="accent1"/>
+          </a:fillRef>
+          <a:effectRef idx="0">
+            <a:schemeClr val="accent1"/>
+          </a:effectRef>
+          <a:fontRef idx="minor">
+            <a:schemeClr val="lt1"/>
+          </a:fontRef>
+        </p:style>
+        <p:txBody>
+          <a:bodyPr rtlCol="0" anchor="ctr"/>
+          <a:p>
+            <a:pPr algn="ctr"/>
+            <a:endParaRPr lang="zh-CN" altLang="en-US"/>
+          </a:p>
+        </p:txBody>
+      </p:sp>
+      <p:sp>
+        <p:nvSpPr>
+          <p:cNvPr id="7" name="丁字箭头 6"/>
+          <p:cNvSpPr/>
+          <p:nvPr/>
+        </p:nvSpPr>
+        <p:spPr>
+          <a:xfrm>
+            <a:off x="10834370" y="2653665"/>
+            <a:ext cx="502285" cy="187325"/>
+          </a:xfrm>
+          <a:prstGeom prst="leftRightUpArrow">
+            <a:avLst/>
+          </a:prstGeom>
+        </p:spPr>
+        <p:style>
+          <a:lnRef idx="2">
+            <a:schemeClr val="accent1">
+              <a:shade val="50000"/>
+            </a:schemeClr>
+          </a:lnRef>
+          <a:fillRef idx="1">
+            <a:schemeClr val="accent1"/>
+          </a:fillRef>
+          <a:effectRef idx="0">
+            <a:schemeClr val="accent1"/>
+          </a:effectRef>
+          <a:fontRef idx="minor">
+            <a:schemeClr val="lt1"/>
+          </a:fontRef>
+        </p:style>
+        <p:txBody>
+          <a:bodyPr rtlCol="0" anchor="ctr"/>
+          <a:p>
+            <a:pPr algn="ctr"/>
+            <a:endParaRPr lang="zh-CN" altLang="en-US"/>
+          </a:p>
+        </p:txBody>
+      </p:sp>
+      <p:sp>
+        <p:nvSpPr>
+          <p:cNvPr id="6" name="圆角矩形 5"/>
+          <p:cNvSpPr/>
+          <p:nvPr/>
+        </p:nvSpPr>
+        <p:spPr>
+          <a:xfrm>
+            <a:off x="10766425" y="2329815"/>
+            <a:ext cx="638810" cy="382905"/>
+          </a:xfrm>
+          <a:prstGeom prst="roundRect">
+            <a:avLst/>
+          </a:prstGeom>
+        </p:spPr>
+        <p:style>
+          <a:lnRef idx="2">
+            <a:schemeClr val="accent1">
+              <a:shade val="50000"/>
+            </a:schemeClr>
+          </a:lnRef>
+          <a:fillRef idx="1">
+            <a:schemeClr val="accent1"/>
+          </a:fillRef>
+          <a:effectRef idx="0">
+            <a:schemeClr val="accent1"/>
+          </a:effectRef>
+          <a:fontRef idx="minor">
+            <a:schemeClr val="lt1"/>
+          </a:fontRef>
+        </p:style>
+        <p:txBody>
+          <a:bodyPr rtlCol="0" anchor="ctr"/>
+          <a:p>
+            <a:pPr algn="ctr"/>
+            <a:r>
+              <a:rPr lang="en-US" altLang="zh-CN" sz="1000">
+                <a:solidFill>
+                  <a:srgbClr val="FF0000"/>
+                </a:solidFill>
+              </a:rPr>
+              <a:t>PC1</a:t>
+            </a:r>
+            <a:endParaRPr lang="en-US" altLang="zh-CN" sz="1000">
+              <a:solidFill>
+                <a:srgbClr val="FF0000"/>
+              </a:solidFill>
+            </a:endParaRPr>
+          </a:p>
+          <a:p>
+            <a:pPr algn="ctr"/>
+            <a:r>
+              <a:rPr lang="en-US" altLang="zh-CN" sz="1000">
+                <a:solidFill>
+                  <a:srgbClr val="FF0000"/>
+                </a:solidFill>
+              </a:rPr>
+              <a:t>filebeat</a:t>
+            </a:r>
+            <a:endParaRPr lang="en-US" altLang="zh-CN" sz="1000">
+              <a:solidFill>
+                <a:srgbClr val="FF0000"/>
+              </a:solidFill>
+            </a:endParaRPr>
+          </a:p>
+        </p:txBody>
+      </p:sp>
+      <p:sp>
+        <p:nvSpPr>
+          <p:cNvPr id="8" name="丁字箭头 7"/>
+          <p:cNvSpPr/>
+          <p:nvPr/>
+        </p:nvSpPr>
+        <p:spPr>
+          <a:xfrm>
+            <a:off x="10833735" y="3415030"/>
+            <a:ext cx="502285" cy="187325"/>
+          </a:xfrm>
+          <a:prstGeom prst="leftRightUpArrow">
+            <a:avLst/>
+          </a:prstGeom>
+        </p:spPr>
+        <p:style>
+          <a:lnRef idx="2">
+            <a:schemeClr val="accent1">
+              <a:shade val="50000"/>
+            </a:schemeClr>
+          </a:lnRef>
+          <a:fillRef idx="1">
+            <a:schemeClr val="accent1"/>
+          </a:fillRef>
+          <a:effectRef idx="0">
+            <a:schemeClr val="accent1"/>
+          </a:effectRef>
+          <a:fontRef idx="minor">
+            <a:schemeClr val="lt1"/>
+          </a:fontRef>
+        </p:style>
+        <p:txBody>
+          <a:bodyPr rtlCol="0" anchor="ctr"/>
+          <a:p>
+            <a:pPr algn="ctr"/>
+            <a:endParaRPr lang="zh-CN" altLang="en-US"/>
+          </a:p>
+        </p:txBody>
+      </p:sp>
+      <p:sp>
+        <p:nvSpPr>
+          <p:cNvPr id="9" name="圆角矩形 8"/>
+          <p:cNvSpPr/>
+          <p:nvPr/>
+        </p:nvSpPr>
+        <p:spPr>
+          <a:xfrm>
+            <a:off x="10765790" y="3091180"/>
+            <a:ext cx="638810" cy="382905"/>
+          </a:xfrm>
+          <a:prstGeom prst="roundRect">
+            <a:avLst/>
+          </a:prstGeom>
+        </p:spPr>
+        <p:style>
+          <a:lnRef idx="2">
+            <a:schemeClr val="accent1">
+              <a:shade val="50000"/>
+            </a:schemeClr>
+          </a:lnRef>
+          <a:fillRef idx="1">
+            <a:schemeClr val="accent1"/>
+          </a:fillRef>
+          <a:effectRef idx="0">
+            <a:schemeClr val="accent1"/>
+          </a:effectRef>
+          <a:fontRef idx="minor">
+            <a:schemeClr val="lt1"/>
+          </a:fontRef>
+        </p:style>
+        <p:txBody>
+          <a:bodyPr rtlCol="0" anchor="ctr"/>
+          <a:p>
+            <a:pPr algn="ctr"/>
+            <a:r>
+              <a:rPr lang="en-US" altLang="zh-CN" sz="1000">
+                <a:solidFill>
+                  <a:srgbClr val="FF0000"/>
+                </a:solidFill>
+              </a:rPr>
+              <a:t>PC2</a:t>
+            </a:r>
+            <a:endParaRPr lang="en-US" altLang="zh-CN" sz="1000">
+              <a:solidFill>
+                <a:srgbClr val="FF0000"/>
+              </a:solidFill>
+            </a:endParaRPr>
+          </a:p>
+          <a:p>
+            <a:pPr algn="ctr"/>
+            <a:r>
+              <a:rPr lang="en-US" altLang="zh-CN" sz="1000">
+                <a:solidFill>
+                  <a:srgbClr val="FF0000"/>
+                </a:solidFill>
+              </a:rPr>
+              <a:t>filebeat</a:t>
+            </a:r>
+            <a:endParaRPr lang="en-US" altLang="zh-CN" sz="1000">
+              <a:solidFill>
+                <a:srgbClr val="FF0000"/>
+              </a:solidFill>
+            </a:endParaRPr>
+          </a:p>
+        </p:txBody>
+      </p:sp>
+      <p:sp>
+        <p:nvSpPr>
+          <p:cNvPr id="16" name="丁字箭头 15"/>
+          <p:cNvSpPr/>
+          <p:nvPr/>
+        </p:nvSpPr>
+        <p:spPr>
+          <a:xfrm>
+            <a:off x="10832465" y="4154805"/>
+            <a:ext cx="502285" cy="187325"/>
+          </a:xfrm>
+          <a:prstGeom prst="leftRightUpArrow">
+            <a:avLst/>
+          </a:prstGeom>
+        </p:spPr>
+        <p:style>
+          <a:lnRef idx="2">
+            <a:schemeClr val="accent1">
+              <a:shade val="50000"/>
+            </a:schemeClr>
+          </a:lnRef>
+          <a:fillRef idx="1">
+            <a:schemeClr val="accent1"/>
+          </a:fillRef>
+          <a:effectRef idx="0">
+            <a:schemeClr val="accent1"/>
+          </a:effectRef>
+          <a:fontRef idx="minor">
+            <a:schemeClr val="lt1"/>
+          </a:fontRef>
+        </p:style>
+        <p:txBody>
+          <a:bodyPr rtlCol="0" anchor="ctr"/>
+          <a:p>
+            <a:pPr algn="ctr"/>
+            <a:endParaRPr lang="zh-CN" altLang="en-US"/>
+          </a:p>
+        </p:txBody>
+      </p:sp>
+      <p:sp>
+        <p:nvSpPr>
+          <p:cNvPr id="17" name="圆角矩形 16"/>
+          <p:cNvSpPr/>
+          <p:nvPr/>
+        </p:nvSpPr>
+        <p:spPr>
+          <a:xfrm>
+            <a:off x="10764520" y="3830955"/>
+            <a:ext cx="638810" cy="382905"/>
+          </a:xfrm>
+          <a:prstGeom prst="roundRect">
+            <a:avLst/>
+          </a:prstGeom>
+        </p:spPr>
+        <p:style>
+          <a:lnRef idx="2">
+            <a:schemeClr val="accent1">
+              <a:shade val="50000"/>
+            </a:schemeClr>
+          </a:lnRef>
+          <a:fillRef idx="1">
+            <a:schemeClr val="accent1"/>
+          </a:fillRef>
+          <a:effectRef idx="0">
+            <a:schemeClr val="accent1"/>
+          </a:effectRef>
+          <a:fontRef idx="minor">
+            <a:schemeClr val="lt1"/>
+          </a:fontRef>
+        </p:style>
+        <p:txBody>
+          <a:bodyPr rtlCol="0" anchor="ctr"/>
+          <a:p>
+            <a:pPr algn="ctr"/>
+            <a:r>
+              <a:rPr lang="en-US" altLang="zh-CN" sz="1000">
+                <a:solidFill>
+                  <a:srgbClr val="FF0000"/>
+                </a:solidFill>
+              </a:rPr>
+              <a:t>PCN</a:t>
+            </a:r>
+            <a:endParaRPr lang="en-US" altLang="zh-CN" sz="1000">
+              <a:solidFill>
+                <a:srgbClr val="FF0000"/>
+              </a:solidFill>
+            </a:endParaRPr>
+          </a:p>
+          <a:p>
+            <a:pPr algn="ctr"/>
+            <a:r>
+              <a:rPr lang="en-US" altLang="zh-CN" sz="1000">
+                <a:solidFill>
+                  <a:srgbClr val="FF0000"/>
+                </a:solidFill>
+              </a:rPr>
+              <a:t>filebeat</a:t>
+            </a:r>
+            <a:endParaRPr lang="en-US" altLang="zh-CN" sz="1000">
+              <a:solidFill>
+                <a:srgbClr val="FF0000"/>
+              </a:solidFill>
+            </a:endParaRPr>
+          </a:p>
+        </p:txBody>
+      </p:sp>
+      <p:sp>
+        <p:nvSpPr>
+          <p:cNvPr id="21" name="矩形 20"/>
+          <p:cNvSpPr/>
+          <p:nvPr/>
+        </p:nvSpPr>
+        <p:spPr>
+          <a:xfrm>
+            <a:off x="6546850" y="2486660"/>
+            <a:ext cx="1647825" cy="1745615"/>
+          </a:xfrm>
+          <a:prstGeom prst="rect">
+            <a:avLst/>
+          </a:prstGeom>
+          <a:solidFill>
+            <a:schemeClr val="accent1">
+              <a:lumMod val="40000"/>
+              <a:lumOff val="60000"/>
+            </a:schemeClr>
+          </a:solidFill>
+        </p:spPr>
+        <p:style>
+          <a:lnRef idx="2">
+            <a:schemeClr val="accent1">
+              <a:shade val="50000"/>
+            </a:schemeClr>
+          </a:lnRef>
+          <a:fillRef idx="1">
+            <a:schemeClr val="accent1"/>
+          </a:fillRef>
+          <a:effectRef idx="0">
+            <a:schemeClr val="accent1"/>
+          </a:effectRef>
+          <a:fontRef idx="minor">
+            <a:schemeClr val="lt1"/>
+          </a:fontRef>
+        </p:style>
+        <p:txBody>
+          <a:bodyPr rtlCol="0" anchor="ctr"/>
+          <a:p>
+            <a:pPr algn="ctr"/>
+            <a:r>
+              <a:rPr lang="en-US" altLang="zh-CN"/>
+              <a:t>      </a:t>
+            </a:r>
+            <a:endParaRPr lang="en-US" altLang="zh-CN"/>
+          </a:p>
+        </p:txBody>
+      </p:sp>
+      <p:sp>
+        <p:nvSpPr>
+          <p:cNvPr id="22" name="圆柱形 21"/>
+          <p:cNvSpPr/>
+          <p:nvPr/>
+        </p:nvSpPr>
+        <p:spPr>
+          <a:xfrm rot="16200000">
+            <a:off x="7196455" y="2559685"/>
+            <a:ext cx="318135" cy="561340"/>
+          </a:xfrm>
+          <a:prstGeom prst="can">
+            <a:avLst/>
+          </a:prstGeom>
+        </p:spPr>
+        <p:style>
+          <a:lnRef idx="2">
+            <a:schemeClr val="accent1">
+              <a:shade val="50000"/>
+            </a:schemeClr>
+          </a:lnRef>
+          <a:fillRef idx="1">
+            <a:schemeClr val="accent1"/>
+          </a:fillRef>
+          <a:effectRef idx="0">
+            <a:schemeClr val="accent1"/>
+          </a:effectRef>
+          <a:fontRef idx="minor">
+            <a:schemeClr val="lt1"/>
+          </a:fontRef>
+        </p:style>
+        <p:txBody>
+          <a:bodyPr rtlCol="0" anchor="ctr"/>
+          <a:p>
+            <a:pPr algn="ctr"/>
+            <a:endParaRPr lang="zh-CN" altLang="en-US"/>
+          </a:p>
+        </p:txBody>
+      </p:sp>
+      <p:sp>
+        <p:nvSpPr>
+          <p:cNvPr id="25" name="圆柱形 24"/>
+          <p:cNvSpPr/>
+          <p:nvPr/>
+        </p:nvSpPr>
+        <p:spPr>
+          <a:xfrm rot="16200000">
+            <a:off x="7196455" y="3142615"/>
+            <a:ext cx="318135" cy="561340"/>
+          </a:xfrm>
+          <a:prstGeom prst="can">
+            <a:avLst/>
+          </a:prstGeom>
+        </p:spPr>
+        <p:style>
+          <a:lnRef idx="2">
+            <a:schemeClr val="accent1">
+              <a:shade val="50000"/>
+            </a:schemeClr>
+          </a:lnRef>
+          <a:fillRef idx="1">
+            <a:schemeClr val="accent1"/>
+          </a:fillRef>
+          <a:effectRef idx="0">
+            <a:schemeClr val="accent1"/>
+          </a:effectRef>
+          <a:fontRef idx="minor">
+            <a:schemeClr val="lt1"/>
+          </a:fontRef>
+        </p:style>
+        <p:txBody>
+          <a:bodyPr rtlCol="0" anchor="ctr"/>
+          <a:p>
+            <a:pPr algn="ctr"/>
+            <a:endParaRPr lang="zh-CN" altLang="en-US"/>
+          </a:p>
+        </p:txBody>
+      </p:sp>
+      <p:sp>
+        <p:nvSpPr>
+          <p:cNvPr id="26" name="圆柱形 25"/>
+          <p:cNvSpPr/>
+          <p:nvPr/>
+        </p:nvSpPr>
+        <p:spPr>
+          <a:xfrm rot="16200000">
+            <a:off x="7196455" y="3674745"/>
+            <a:ext cx="318135" cy="561340"/>
+          </a:xfrm>
+          <a:prstGeom prst="can">
+            <a:avLst/>
+          </a:prstGeom>
+        </p:spPr>
+        <p:style>
+          <a:lnRef idx="2">
+            <a:schemeClr val="accent1">
+              <a:shade val="50000"/>
+            </a:schemeClr>
+          </a:lnRef>
+          <a:fillRef idx="1">
+            <a:schemeClr val="accent1"/>
+          </a:fillRef>
+          <a:effectRef idx="0">
+            <a:schemeClr val="accent1"/>
+          </a:effectRef>
+          <a:fontRef idx="minor">
+            <a:schemeClr val="lt1"/>
+          </a:fontRef>
+        </p:style>
+        <p:txBody>
+          <a:bodyPr rtlCol="0" anchor="ctr"/>
+          <a:p>
+            <a:pPr algn="ctr"/>
+            <a:endParaRPr lang="zh-CN" altLang="en-US"/>
+          </a:p>
+        </p:txBody>
+      </p:sp>
+      <p:sp>
+        <p:nvSpPr>
+          <p:cNvPr id="28" name="文本框 27"/>
+          <p:cNvSpPr txBox="1"/>
+          <p:nvPr/>
+        </p:nvSpPr>
+        <p:spPr>
+          <a:xfrm>
+            <a:off x="6668135" y="1995170"/>
+            <a:ext cx="1375410" cy="245110"/>
+          </a:xfrm>
+          <a:prstGeom prst="rect">
+            <a:avLst/>
+          </a:prstGeom>
+          <a:noFill/>
+        </p:spPr>
+        <p:txBody>
+          <a:bodyPr wrap="none" rtlCol="0">
+            <a:spAutoFit/>
+          </a:bodyPr>
+          <a:p>
+            <a:r>
+              <a:rPr lang="en-US" altLang="zh-CN" sz="1000" b="1">
+                <a:solidFill>
+                  <a:srgbClr val="FF0000"/>
+                </a:solidFill>
+              </a:rPr>
+              <a:t>redis</a:t>
+            </a:r>
+            <a:r>
+              <a:rPr lang="zh-CN" altLang="en-US" sz="1000" b="1">
+                <a:solidFill>
+                  <a:srgbClr val="FF0000"/>
+                </a:solidFill>
+              </a:rPr>
+              <a:t>集群：收集日志</a:t>
+            </a:r>
+            <a:endParaRPr lang="zh-CN" altLang="en-US" sz="1000" b="1">
+              <a:solidFill>
+                <a:srgbClr val="FF0000"/>
+              </a:solidFill>
+            </a:endParaRPr>
+          </a:p>
+        </p:txBody>
+      </p:sp>
+      <p:sp>
+        <p:nvSpPr>
+          <p:cNvPr id="30" name="文本框 29"/>
+          <p:cNvSpPr txBox="1"/>
+          <p:nvPr/>
+        </p:nvSpPr>
+        <p:spPr>
+          <a:xfrm>
+            <a:off x="11515725" y="2798445"/>
+            <a:ext cx="335280" cy="1014730"/>
+          </a:xfrm>
+          <a:prstGeom prst="rect">
+            <a:avLst/>
+          </a:prstGeom>
+          <a:noFill/>
+        </p:spPr>
+        <p:txBody>
+          <a:bodyPr wrap="square" rtlCol="0">
+            <a:spAutoFit/>
+          </a:bodyPr>
+          <a:p>
+            <a:r>
+              <a:rPr lang="zh-CN" altLang="en-US" sz="1200" b="1">
+                <a:solidFill>
+                  <a:srgbClr val="FF0000"/>
+                </a:solidFill>
+              </a:rPr>
+              <a:t>生</a:t>
+            </a:r>
+            <a:endParaRPr lang="zh-CN" altLang="en-US" sz="1200" b="1">
+              <a:solidFill>
+                <a:srgbClr val="FF0000"/>
+              </a:solidFill>
+            </a:endParaRPr>
+          </a:p>
+          <a:p>
+            <a:r>
+              <a:rPr lang="zh-CN" altLang="en-US" sz="1200" b="1">
+                <a:solidFill>
+                  <a:srgbClr val="FF0000"/>
+                </a:solidFill>
+              </a:rPr>
+              <a:t>产</a:t>
+            </a:r>
+            <a:endParaRPr lang="zh-CN" altLang="en-US" sz="1200" b="1">
+              <a:solidFill>
+                <a:srgbClr val="FF0000"/>
+              </a:solidFill>
+            </a:endParaRPr>
+          </a:p>
+          <a:p>
+            <a:r>
+              <a:rPr lang="zh-CN" altLang="en-US" sz="1200" b="1">
+                <a:solidFill>
+                  <a:srgbClr val="FF0000"/>
+                </a:solidFill>
+              </a:rPr>
+              <a:t>服务器</a:t>
+            </a:r>
+            <a:endParaRPr lang="zh-CN" altLang="en-US" sz="1200" b="1">
+              <a:solidFill>
+                <a:srgbClr val="FF0000"/>
+              </a:solidFill>
+            </a:endParaRPr>
+          </a:p>
+        </p:txBody>
+      </p:sp>
+      <p:sp>
+        <p:nvSpPr>
+          <p:cNvPr id="38" name="左箭头 37"/>
+          <p:cNvSpPr/>
+          <p:nvPr/>
+        </p:nvSpPr>
+        <p:spPr>
+          <a:xfrm>
+            <a:off x="8279130" y="3251835"/>
+            <a:ext cx="523240" cy="196215"/>
+          </a:xfrm>
+          <a:prstGeom prst="leftArrow">
+            <a:avLst/>
+          </a:prstGeom>
+          <a:solidFill>
+            <a:srgbClr val="00B0F0"/>
+          </a:solidFill>
+        </p:spPr>
+        <p:style>
+          <a:lnRef idx="2">
+            <a:schemeClr val="accent1">
+              <a:shade val="50000"/>
+            </a:schemeClr>
+          </a:lnRef>
+          <a:fillRef idx="1">
+            <a:schemeClr val="accent1"/>
+          </a:fillRef>
+          <a:effectRef idx="0">
+            <a:schemeClr val="accent1"/>
+          </a:effectRef>
+          <a:fontRef idx="minor">
+            <a:schemeClr val="lt1"/>
+          </a:fontRef>
+        </p:style>
+        <p:txBody>
+          <a:bodyPr rtlCol="0" anchor="ctr"/>
+          <a:p>
+            <a:pPr algn="ctr"/>
+            <a:endParaRPr lang="zh-CN" altLang="en-US"/>
+          </a:p>
+        </p:txBody>
+      </p:sp>
+      <p:sp>
+        <p:nvSpPr>
+          <p:cNvPr id="40" name="左箭头 39"/>
+          <p:cNvSpPr/>
+          <p:nvPr/>
+        </p:nvSpPr>
+        <p:spPr>
+          <a:xfrm>
+            <a:off x="5948680" y="3251835"/>
+            <a:ext cx="523240" cy="196215"/>
+          </a:xfrm>
+          <a:prstGeom prst="leftArrow">
+            <a:avLst/>
+          </a:prstGeom>
+          <a:solidFill>
+            <a:srgbClr val="00B0F0"/>
+          </a:solidFill>
+        </p:spPr>
+        <p:style>
+          <a:lnRef idx="2">
+            <a:schemeClr val="accent1">
+              <a:shade val="50000"/>
+            </a:schemeClr>
+          </a:lnRef>
+          <a:fillRef idx="1">
+            <a:schemeClr val="accent1"/>
+          </a:fillRef>
+          <a:effectRef idx="0">
+            <a:schemeClr val="accent1"/>
+          </a:effectRef>
+          <a:fontRef idx="minor">
+            <a:schemeClr val="lt1"/>
+          </a:fontRef>
+        </p:style>
+        <p:txBody>
+          <a:bodyPr rtlCol="0" anchor="ctr"/>
+          <a:p>
+            <a:pPr algn="ctr"/>
+            <a:endParaRPr lang="zh-CN" altLang="en-US"/>
+          </a:p>
+        </p:txBody>
+      </p:sp>
+      <p:sp>
+        <p:nvSpPr>
+          <p:cNvPr id="41" name="圆角矩形 40"/>
+          <p:cNvSpPr/>
+          <p:nvPr/>
+        </p:nvSpPr>
+        <p:spPr>
+          <a:xfrm>
+            <a:off x="4951730" y="2526665"/>
+            <a:ext cx="996950" cy="1630045"/>
+          </a:xfrm>
+          <a:prstGeom prst="roundRect">
+            <a:avLst/>
+          </a:prstGeom>
+          <a:solidFill>
+            <a:schemeClr val="accent1">
+              <a:lumMod val="40000"/>
+              <a:lumOff val="60000"/>
+            </a:schemeClr>
+          </a:solidFill>
+        </p:spPr>
+        <p:style>
+          <a:lnRef idx="2">
+            <a:schemeClr val="accent1">
+              <a:shade val="50000"/>
+            </a:schemeClr>
+          </a:lnRef>
+          <a:fillRef idx="1">
+            <a:schemeClr val="accent1"/>
+          </a:fillRef>
+          <a:effectRef idx="0">
+            <a:schemeClr val="accent1"/>
+          </a:effectRef>
+          <a:fontRef idx="minor">
+            <a:schemeClr val="lt1"/>
+          </a:fontRef>
+        </p:style>
+        <p:txBody>
+          <a:bodyPr rtlCol="0" anchor="ctr"/>
+          <a:p>
+            <a:pPr algn="ctr"/>
+            <a:endParaRPr lang="zh-CN" altLang="en-US"/>
+          </a:p>
+        </p:txBody>
+      </p:sp>
+      <p:sp>
+        <p:nvSpPr>
+          <p:cNvPr id="42" name="流程图: 决策 41"/>
+          <p:cNvSpPr/>
+          <p:nvPr/>
+        </p:nvSpPr>
+        <p:spPr>
+          <a:xfrm>
+            <a:off x="5156200" y="2722245"/>
+            <a:ext cx="588010" cy="298450"/>
+          </a:xfrm>
+          <a:prstGeom prst="flowChartDecision">
+            <a:avLst/>
+          </a:prstGeom>
+        </p:spPr>
+        <p:style>
+          <a:lnRef idx="2">
+            <a:schemeClr val="accent1">
+              <a:shade val="50000"/>
+            </a:schemeClr>
+          </a:lnRef>
+          <a:fillRef idx="1">
+            <a:schemeClr val="accent1"/>
+          </a:fillRef>
+          <a:effectRef idx="0">
+            <a:schemeClr val="accent1"/>
+          </a:effectRef>
+          <a:fontRef idx="minor">
+            <a:schemeClr val="lt1"/>
+          </a:fontRef>
+        </p:style>
+        <p:txBody>
+          <a:bodyPr rtlCol="0" anchor="ctr"/>
+          <a:p>
+            <a:pPr algn="ctr"/>
+            <a:endParaRPr lang="zh-CN" altLang="en-US"/>
+          </a:p>
+        </p:txBody>
+      </p:sp>
+      <p:sp>
+        <p:nvSpPr>
+          <p:cNvPr id="43" name="流程图: 决策 42"/>
+          <p:cNvSpPr/>
+          <p:nvPr/>
+        </p:nvSpPr>
+        <p:spPr>
+          <a:xfrm>
+            <a:off x="5156200" y="3225800"/>
+            <a:ext cx="588010" cy="298450"/>
+          </a:xfrm>
+          <a:prstGeom prst="flowChartDecision">
+            <a:avLst/>
+          </a:prstGeom>
+        </p:spPr>
+        <p:style>
+          <a:lnRef idx="2">
+            <a:schemeClr val="accent1">
+              <a:shade val="50000"/>
+            </a:schemeClr>
+          </a:lnRef>
+          <a:fillRef idx="1">
+            <a:schemeClr val="accent1"/>
+          </a:fillRef>
+          <a:effectRef idx="0">
+            <a:schemeClr val="accent1"/>
+          </a:effectRef>
+          <a:fontRef idx="minor">
+            <a:schemeClr val="lt1"/>
+          </a:fontRef>
+        </p:style>
+        <p:txBody>
+          <a:bodyPr rtlCol="0" anchor="ctr"/>
+          <a:p>
+            <a:pPr algn="ctr"/>
+            <a:endParaRPr lang="zh-CN" altLang="en-US"/>
+          </a:p>
+        </p:txBody>
+      </p:sp>
+      <p:sp>
+        <p:nvSpPr>
+          <p:cNvPr id="44" name="流程图: 决策 43"/>
+          <p:cNvSpPr/>
+          <p:nvPr/>
+        </p:nvSpPr>
+        <p:spPr>
+          <a:xfrm>
+            <a:off x="5156200" y="3751580"/>
+            <a:ext cx="588010" cy="298450"/>
+          </a:xfrm>
+          <a:prstGeom prst="flowChartDecision">
+            <a:avLst/>
+          </a:prstGeom>
+        </p:spPr>
+        <p:style>
+          <a:lnRef idx="2">
+            <a:schemeClr val="accent1">
+              <a:shade val="50000"/>
+            </a:schemeClr>
+          </a:lnRef>
+          <a:fillRef idx="1">
+            <a:schemeClr val="accent1"/>
+          </a:fillRef>
+          <a:effectRef idx="0">
+            <a:schemeClr val="accent1"/>
+          </a:effectRef>
+          <a:fontRef idx="minor">
+            <a:schemeClr val="lt1"/>
+          </a:fontRef>
+        </p:style>
+        <p:txBody>
+          <a:bodyPr rtlCol="0" anchor="ctr"/>
+          <a:p>
+            <a:pPr algn="ctr"/>
+            <a:endParaRPr lang="zh-CN" altLang="en-US"/>
+          </a:p>
+        </p:txBody>
+      </p:sp>
+      <p:sp>
+        <p:nvSpPr>
+          <p:cNvPr id="45" name="文本框 44"/>
+          <p:cNvSpPr txBox="1"/>
+          <p:nvPr/>
+        </p:nvSpPr>
+        <p:spPr>
+          <a:xfrm>
+            <a:off x="4531995" y="2221230"/>
+            <a:ext cx="1974850" cy="245110"/>
+          </a:xfrm>
+          <a:prstGeom prst="rect">
+            <a:avLst/>
+          </a:prstGeom>
+          <a:noFill/>
+        </p:spPr>
+        <p:txBody>
+          <a:bodyPr wrap="none" rtlCol="0">
+            <a:spAutoFit/>
+          </a:bodyPr>
+          <a:p>
+            <a:r>
+              <a:rPr lang="en-US" altLang="zh-CN" sz="1000" b="1">
+                <a:solidFill>
+                  <a:srgbClr val="FF0000"/>
+                </a:solidFill>
+              </a:rPr>
+              <a:t>logstash</a:t>
+            </a:r>
+            <a:r>
+              <a:rPr lang="zh-CN" altLang="en-US" sz="1000" b="1">
+                <a:solidFill>
+                  <a:srgbClr val="FF0000"/>
+                </a:solidFill>
+              </a:rPr>
+              <a:t>集群：处理，转发消息</a:t>
+            </a:r>
+            <a:endParaRPr lang="zh-CN" altLang="en-US" sz="1000" b="1">
+              <a:solidFill>
+                <a:srgbClr val="FF0000"/>
+              </a:solidFill>
+            </a:endParaRPr>
+          </a:p>
+        </p:txBody>
+      </p:sp>
+      <p:sp>
+        <p:nvSpPr>
+          <p:cNvPr id="46" name="左箭头 45"/>
+          <p:cNvSpPr/>
+          <p:nvPr/>
+        </p:nvSpPr>
+        <p:spPr>
+          <a:xfrm>
+            <a:off x="4428490" y="3243580"/>
+            <a:ext cx="523240" cy="196215"/>
+          </a:xfrm>
+          <a:prstGeom prst="leftArrow">
+            <a:avLst/>
+          </a:prstGeom>
+          <a:solidFill>
+            <a:srgbClr val="00B0F0"/>
+          </a:solidFill>
+        </p:spPr>
+        <p:style>
+          <a:lnRef idx="2">
+            <a:schemeClr val="accent1">
+              <a:shade val="50000"/>
+            </a:schemeClr>
+          </a:lnRef>
+          <a:fillRef idx="1">
+            <a:schemeClr val="accent1"/>
+          </a:fillRef>
+          <a:effectRef idx="0">
+            <a:schemeClr val="accent1"/>
+          </a:effectRef>
+          <a:fontRef idx="minor">
+            <a:schemeClr val="lt1"/>
+          </a:fontRef>
+        </p:style>
+        <p:txBody>
+          <a:bodyPr rtlCol="0" anchor="ctr"/>
+          <a:p>
+            <a:pPr algn="ctr"/>
+            <a:endParaRPr lang="zh-CN" altLang="en-US"/>
+          </a:p>
+        </p:txBody>
+      </p:sp>
+      <p:sp>
+        <p:nvSpPr>
+          <p:cNvPr id="47" name="圆角矩形 46"/>
+          <p:cNvSpPr/>
+          <p:nvPr/>
+        </p:nvSpPr>
+        <p:spPr>
+          <a:xfrm>
+            <a:off x="3347085" y="2493645"/>
+            <a:ext cx="1082040" cy="1695450"/>
+          </a:xfrm>
+          <a:prstGeom prst="roundRect">
+            <a:avLst/>
+          </a:prstGeom>
+          <a:solidFill>
+            <a:schemeClr val="accent1">
+              <a:lumMod val="40000"/>
+              <a:lumOff val="60000"/>
+            </a:schemeClr>
+          </a:solidFill>
+          <a:ln>
+            <a:solidFill>
+              <a:schemeClr val="tx2">
+                <a:lumMod val="60000"/>
+                <a:lumOff val="40000"/>
+              </a:schemeClr>
+            </a:solidFill>
+          </a:ln>
+        </p:spPr>
+        <p:style>
+          <a:lnRef idx="2">
+            <a:schemeClr val="accent1">
+              <a:shade val="50000"/>
+            </a:schemeClr>
+          </a:lnRef>
+          <a:fillRef idx="1">
+            <a:schemeClr val="accent1"/>
+          </a:fillRef>
+          <a:effectRef idx="0">
+            <a:schemeClr val="accent1"/>
+          </a:effectRef>
+          <a:fontRef idx="minor">
+            <a:schemeClr val="lt1"/>
+          </a:fontRef>
+        </p:style>
+        <p:txBody>
+          <a:bodyPr rtlCol="0" anchor="ctr"/>
+          <a:p>
+            <a:pPr algn="ctr"/>
+            <a:endParaRPr lang="zh-CN" altLang="en-US"/>
+          </a:p>
+        </p:txBody>
+      </p:sp>
+      <p:sp>
+        <p:nvSpPr>
+          <p:cNvPr id="48" name="立方体 47"/>
+          <p:cNvSpPr/>
+          <p:nvPr/>
+        </p:nvSpPr>
+        <p:spPr>
+          <a:xfrm>
+            <a:off x="3529965" y="2689225"/>
+            <a:ext cx="715645" cy="314960"/>
+          </a:xfrm>
+          <a:prstGeom prst="cube">
+            <a:avLst/>
+          </a:prstGeom>
+        </p:spPr>
+        <p:style>
+          <a:lnRef idx="2">
+            <a:schemeClr val="accent1">
+              <a:shade val="50000"/>
+            </a:schemeClr>
+          </a:lnRef>
+          <a:fillRef idx="1">
+            <a:schemeClr val="accent1"/>
+          </a:fillRef>
+          <a:effectRef idx="0">
+            <a:schemeClr val="accent1"/>
+          </a:effectRef>
+          <a:fontRef idx="minor">
+            <a:schemeClr val="lt1"/>
+          </a:fontRef>
+        </p:style>
+        <p:txBody>
+          <a:bodyPr rtlCol="0" anchor="ctr"/>
+          <a:p>
+            <a:pPr algn="ctr"/>
+            <a:endParaRPr lang="zh-CN" altLang="en-US"/>
+          </a:p>
+        </p:txBody>
+      </p:sp>
+      <p:sp>
+        <p:nvSpPr>
+          <p:cNvPr id="49" name="立方体 48"/>
+          <p:cNvSpPr/>
+          <p:nvPr/>
+        </p:nvSpPr>
+        <p:spPr>
+          <a:xfrm>
+            <a:off x="3529965" y="3242310"/>
+            <a:ext cx="715645" cy="314960"/>
+          </a:xfrm>
+          <a:prstGeom prst="cube">
+            <a:avLst/>
+          </a:prstGeom>
+        </p:spPr>
+        <p:style>
+          <a:lnRef idx="2">
+            <a:schemeClr val="accent1">
+              <a:shade val="50000"/>
+            </a:schemeClr>
+          </a:lnRef>
+          <a:fillRef idx="1">
+            <a:schemeClr val="accent1"/>
+          </a:fillRef>
+          <a:effectRef idx="0">
+            <a:schemeClr val="accent1"/>
+          </a:effectRef>
+          <a:fontRef idx="minor">
+            <a:schemeClr val="lt1"/>
+          </a:fontRef>
+        </p:style>
+        <p:txBody>
+          <a:bodyPr rtlCol="0" anchor="ctr"/>
+          <a:p>
+            <a:pPr algn="ctr"/>
+            <a:endParaRPr lang="zh-CN" altLang="en-US"/>
+          </a:p>
+        </p:txBody>
+      </p:sp>
+      <p:sp>
+        <p:nvSpPr>
+          <p:cNvPr id="50" name="立方体 49"/>
+          <p:cNvSpPr/>
+          <p:nvPr/>
+        </p:nvSpPr>
+        <p:spPr>
+          <a:xfrm>
+            <a:off x="3529965" y="3775710"/>
+            <a:ext cx="715645" cy="314960"/>
+          </a:xfrm>
+          <a:prstGeom prst="cube">
+            <a:avLst/>
+          </a:prstGeom>
+        </p:spPr>
+        <p:style>
+          <a:lnRef idx="2">
+            <a:schemeClr val="accent1">
+              <a:shade val="50000"/>
+            </a:schemeClr>
+          </a:lnRef>
+          <a:fillRef idx="1">
+            <a:schemeClr val="accent1"/>
+          </a:fillRef>
+          <a:effectRef idx="0">
+            <a:schemeClr val="accent1"/>
+          </a:effectRef>
+          <a:fontRef idx="minor">
+            <a:schemeClr val="lt1"/>
+          </a:fontRef>
+        </p:style>
+        <p:txBody>
+          <a:bodyPr rtlCol="0" anchor="ctr"/>
+          <a:p>
+            <a:pPr algn="ctr"/>
+            <a:endParaRPr lang="zh-CN" altLang="en-US"/>
+          </a:p>
+        </p:txBody>
+      </p:sp>
+      <p:sp>
+        <p:nvSpPr>
+          <p:cNvPr id="51" name="圆角矩形 50"/>
+          <p:cNvSpPr/>
+          <p:nvPr/>
+        </p:nvSpPr>
+        <p:spPr>
+          <a:xfrm>
+            <a:off x="1753235" y="2510790"/>
+            <a:ext cx="972185" cy="1695450"/>
+          </a:xfrm>
+          <a:prstGeom prst="roundRect">
+            <a:avLst/>
+          </a:prstGeom>
+          <a:solidFill>
+            <a:schemeClr val="accent1">
+              <a:lumMod val="40000"/>
+              <a:lumOff val="60000"/>
+            </a:schemeClr>
+          </a:solidFill>
+          <a:ln>
+            <a:solidFill>
+              <a:schemeClr val="tx2">
+                <a:lumMod val="60000"/>
+                <a:lumOff val="40000"/>
+              </a:schemeClr>
+            </a:solidFill>
+          </a:ln>
+        </p:spPr>
+        <p:style>
+          <a:lnRef idx="2">
+            <a:schemeClr val="accent1">
+              <a:shade val="50000"/>
+            </a:schemeClr>
+          </a:lnRef>
+          <a:fillRef idx="1">
+            <a:schemeClr val="accent1"/>
+          </a:fillRef>
+          <a:effectRef idx="0">
+            <a:schemeClr val="accent1"/>
+          </a:effectRef>
+          <a:fontRef idx="minor">
+            <a:schemeClr val="lt1"/>
+          </a:fontRef>
+        </p:style>
+        <p:txBody>
+          <a:bodyPr rtlCol="0" anchor="ctr"/>
+          <a:p>
+            <a:pPr algn="ctr"/>
+            <a:endParaRPr lang="zh-CN" altLang="en-US"/>
+          </a:p>
+        </p:txBody>
+      </p:sp>
+      <p:sp>
+        <p:nvSpPr>
+          <p:cNvPr id="52" name="笑脸 51"/>
+          <p:cNvSpPr/>
+          <p:nvPr/>
+        </p:nvSpPr>
+        <p:spPr>
+          <a:xfrm>
+            <a:off x="1982470" y="2696845"/>
+            <a:ext cx="519430" cy="511175"/>
+          </a:xfrm>
+          <a:prstGeom prst="smileyFace">
+            <a:avLst/>
+          </a:prstGeom>
+        </p:spPr>
+        <p:style>
+          <a:lnRef idx="2">
+            <a:schemeClr val="accent1">
+              <a:shade val="50000"/>
+            </a:schemeClr>
+          </a:lnRef>
+          <a:fillRef idx="1">
+            <a:schemeClr val="accent1"/>
+          </a:fillRef>
+          <a:effectRef idx="0">
+            <a:schemeClr val="accent1"/>
+          </a:effectRef>
+          <a:fontRef idx="minor">
+            <a:schemeClr val="lt1"/>
+          </a:fontRef>
+        </p:style>
+        <p:txBody>
+          <a:bodyPr rtlCol="0" anchor="ctr"/>
+          <a:p>
+            <a:pPr algn="ctr"/>
+            <a:endParaRPr lang="zh-CN" altLang="en-US"/>
+          </a:p>
+        </p:txBody>
+      </p:sp>
+      <p:sp>
+        <p:nvSpPr>
+          <p:cNvPr id="53" name="笑脸 52"/>
+          <p:cNvSpPr/>
+          <p:nvPr/>
+        </p:nvSpPr>
+        <p:spPr>
+          <a:xfrm>
+            <a:off x="1982470" y="3423285"/>
+            <a:ext cx="519430" cy="511175"/>
+          </a:xfrm>
+          <a:prstGeom prst="smileyFace">
+            <a:avLst/>
+          </a:prstGeom>
+        </p:spPr>
+        <p:style>
+          <a:lnRef idx="2">
+            <a:schemeClr val="accent1">
+              <a:shade val="50000"/>
+            </a:schemeClr>
+          </a:lnRef>
+          <a:fillRef idx="1">
+            <a:schemeClr val="accent1"/>
+          </a:fillRef>
+          <a:effectRef idx="0">
+            <a:schemeClr val="accent1"/>
+          </a:effectRef>
+          <a:fontRef idx="minor">
+            <a:schemeClr val="lt1"/>
+          </a:fontRef>
+        </p:style>
+        <p:txBody>
+          <a:bodyPr rtlCol="0" anchor="ctr"/>
+          <a:p>
+            <a:pPr algn="ctr"/>
+            <a:endParaRPr lang="zh-CN" altLang="en-US"/>
+          </a:p>
+        </p:txBody>
+      </p:sp>
+      <p:sp>
+        <p:nvSpPr>
+          <p:cNvPr id="54" name="左箭头 53"/>
+          <p:cNvSpPr/>
+          <p:nvPr/>
+        </p:nvSpPr>
+        <p:spPr>
+          <a:xfrm>
+            <a:off x="2725420" y="3242945"/>
+            <a:ext cx="621030" cy="196215"/>
+          </a:xfrm>
+          <a:prstGeom prst="leftArrow">
+            <a:avLst/>
+          </a:prstGeom>
+          <a:solidFill>
+            <a:srgbClr val="00B0F0"/>
+          </a:solidFill>
+        </p:spPr>
+        <p:style>
+          <a:lnRef idx="2">
+            <a:schemeClr val="accent1">
+              <a:shade val="50000"/>
+            </a:schemeClr>
+          </a:lnRef>
+          <a:fillRef idx="1">
+            <a:schemeClr val="accent1"/>
+          </a:fillRef>
+          <a:effectRef idx="0">
+            <a:schemeClr val="accent1"/>
+          </a:effectRef>
+          <a:fontRef idx="minor">
+            <a:schemeClr val="lt1"/>
+          </a:fontRef>
+        </p:style>
+        <p:txBody>
+          <a:bodyPr rtlCol="0" anchor="ctr"/>
+          <a:p>
+            <a:pPr algn="ctr"/>
+            <a:endParaRPr lang="zh-CN" altLang="en-US"/>
+          </a:p>
+        </p:txBody>
+      </p:sp>
+      <p:sp>
+        <p:nvSpPr>
+          <p:cNvPr id="55" name="文本框 54"/>
+          <p:cNvSpPr txBox="1"/>
+          <p:nvPr/>
+        </p:nvSpPr>
+        <p:spPr>
+          <a:xfrm>
+            <a:off x="3154045" y="2190750"/>
+            <a:ext cx="1519555" cy="275590"/>
+          </a:xfrm>
+          <a:prstGeom prst="rect">
+            <a:avLst/>
+          </a:prstGeom>
+          <a:noFill/>
+        </p:spPr>
+        <p:txBody>
+          <a:bodyPr wrap="none" rtlCol="0">
+            <a:spAutoFit/>
+          </a:bodyPr>
+          <a:p>
+            <a:r>
+              <a:rPr lang="en-US" altLang="zh-CN" sz="1200" b="1">
+                <a:solidFill>
+                  <a:srgbClr val="FF0000"/>
+                </a:solidFill>
+              </a:rPr>
+              <a:t>elsticsearch</a:t>
+            </a:r>
+            <a:r>
+              <a:rPr lang="zh-CN" altLang="en-US" sz="1200" b="1">
+                <a:solidFill>
+                  <a:srgbClr val="FF0000"/>
+                </a:solidFill>
+              </a:rPr>
+              <a:t>：</a:t>
+            </a:r>
+            <a:r>
+              <a:rPr lang="zh-CN" altLang="en-US" sz="1200" b="1">
+                <a:solidFill>
+                  <a:srgbClr val="FF0000"/>
+                </a:solidFill>
+              </a:rPr>
+              <a:t>集群</a:t>
+            </a:r>
+            <a:endParaRPr lang="zh-CN" altLang="en-US" sz="1200" b="1">
+              <a:solidFill>
+                <a:srgbClr val="FF0000"/>
+              </a:solidFill>
+            </a:endParaRPr>
+          </a:p>
+        </p:txBody>
+      </p:sp>
+      <p:sp>
+        <p:nvSpPr>
+          <p:cNvPr id="56" name="文本框 55"/>
+          <p:cNvSpPr txBox="1"/>
+          <p:nvPr/>
+        </p:nvSpPr>
+        <p:spPr>
+          <a:xfrm>
+            <a:off x="1558925" y="2120265"/>
+            <a:ext cx="1427480" cy="275590"/>
+          </a:xfrm>
+          <a:prstGeom prst="rect">
+            <a:avLst/>
+          </a:prstGeom>
+          <a:noFill/>
+        </p:spPr>
+        <p:txBody>
+          <a:bodyPr wrap="none" rtlCol="0">
+            <a:spAutoFit/>
+          </a:bodyPr>
+          <a:p>
+            <a:r>
+              <a:rPr lang="en-US" altLang="zh-CN" sz="1200" b="1">
+                <a:solidFill>
+                  <a:srgbClr val="FF0000"/>
+                </a:solidFill>
+              </a:rPr>
+              <a:t>kibana</a:t>
+            </a:r>
+            <a:r>
+              <a:rPr lang="zh-CN" altLang="en-US" sz="1200" b="1">
+                <a:solidFill>
+                  <a:srgbClr val="FF0000"/>
+                </a:solidFill>
+              </a:rPr>
+              <a:t>：页面展示</a:t>
+            </a:r>
+            <a:endParaRPr lang="zh-CN" altLang="en-US" sz="1200" b="1">
+              <a:solidFill>
+                <a:srgbClr val="FF0000"/>
+              </a:solidFill>
+            </a:endParaRPr>
+          </a:p>
+        </p:txBody>
+      </p:sp>
+      <p:sp>
+        <p:nvSpPr>
+          <p:cNvPr id="4" name="笑脸 3"/>
+          <p:cNvSpPr/>
+          <p:nvPr/>
+        </p:nvSpPr>
+        <p:spPr>
+          <a:xfrm>
+            <a:off x="544195" y="3012440"/>
+            <a:ext cx="588010" cy="588010"/>
+          </a:xfrm>
+          <a:prstGeom prst="smileyFace">
+            <a:avLst/>
+          </a:prstGeom>
+        </p:spPr>
+        <p:style>
+          <a:lnRef idx="2">
+            <a:schemeClr val="accent1">
+              <a:shade val="50000"/>
+            </a:schemeClr>
+          </a:lnRef>
+          <a:fillRef idx="1">
+            <a:schemeClr val="accent1"/>
+          </a:fillRef>
+          <a:effectRef idx="0">
+            <a:schemeClr val="accent1"/>
+          </a:effectRef>
+          <a:fontRef idx="minor">
+            <a:schemeClr val="lt1"/>
+          </a:fontRef>
+        </p:style>
+        <p:txBody>
+          <a:bodyPr rtlCol="0" anchor="ctr"/>
+          <a:p>
+            <a:pPr algn="ctr"/>
+            <a:endParaRPr lang="zh-CN" altLang="en-US"/>
+          </a:p>
+        </p:txBody>
+      </p:sp>
+      <p:sp>
+        <p:nvSpPr>
+          <p:cNvPr id="5" name="左箭头 4"/>
+          <p:cNvSpPr/>
+          <p:nvPr/>
+        </p:nvSpPr>
+        <p:spPr>
+          <a:xfrm>
+            <a:off x="1132205" y="3208020"/>
+            <a:ext cx="621030" cy="196215"/>
+          </a:xfrm>
+          <a:prstGeom prst="leftArrow">
+            <a:avLst/>
+          </a:prstGeom>
+          <a:solidFill>
+            <a:srgbClr val="00B0F0"/>
+          </a:solidFill>
+        </p:spPr>
+        <p:style>
+          <a:lnRef idx="2">
+            <a:schemeClr val="accent1">
+              <a:shade val="50000"/>
+            </a:schemeClr>
+          </a:lnRef>
+          <a:fillRef idx="1">
+            <a:schemeClr val="accent1"/>
+          </a:fillRef>
+          <a:effectRef idx="0">
+            <a:schemeClr val="accent1"/>
+          </a:effectRef>
+          <a:fontRef idx="minor">
+            <a:schemeClr val="lt1"/>
+          </a:fontRef>
+        </p:style>
+        <p:txBody>
+          <a:bodyPr rtlCol="0" anchor="ctr"/>
+          <a:p>
+            <a:pPr algn="ctr"/>
+            <a:endParaRPr lang="zh-CN" altLang="en-US"/>
+          </a:p>
+        </p:txBody>
+      </p:sp>
+      <p:sp>
+        <p:nvSpPr>
+          <p:cNvPr id="12" name="文本框 11"/>
+          <p:cNvSpPr txBox="1"/>
+          <p:nvPr/>
+        </p:nvSpPr>
+        <p:spPr>
+          <a:xfrm>
+            <a:off x="153670" y="2658745"/>
+            <a:ext cx="1368425" cy="275590"/>
+          </a:xfrm>
+          <a:prstGeom prst="rect">
+            <a:avLst/>
+          </a:prstGeom>
+          <a:noFill/>
+        </p:spPr>
+        <p:txBody>
+          <a:bodyPr wrap="none" rtlCol="0">
+            <a:spAutoFit/>
+          </a:bodyPr>
+          <a:p>
+            <a:r>
+              <a:rPr lang="en-US" altLang="zh-CN" sz="1200" b="1">
+                <a:solidFill>
+                  <a:srgbClr val="FF0000"/>
+                </a:solidFill>
+              </a:rPr>
+              <a:t>Nginx</a:t>
+            </a:r>
+            <a:r>
+              <a:rPr lang="zh-CN" altLang="en-US" sz="1200" b="1">
+                <a:solidFill>
+                  <a:srgbClr val="FF0000"/>
+                </a:solidFill>
+              </a:rPr>
+              <a:t>：负载均衡</a:t>
+            </a:r>
+            <a:endParaRPr lang="zh-CN" altLang="en-US" sz="1200" b="1">
+              <a:solidFill>
+                <a:srgbClr val="FF0000"/>
+              </a:solidFill>
+            </a:endParaRPr>
+          </a:p>
+        </p:txBody>
+      </p:sp>
+      <p:sp>
+        <p:nvSpPr>
+          <p:cNvPr id="2" name="圆角矩形 1"/>
+          <p:cNvSpPr/>
+          <p:nvPr/>
+        </p:nvSpPr>
+        <p:spPr>
+          <a:xfrm>
+            <a:off x="8822055" y="2520315"/>
+            <a:ext cx="996950" cy="1630045"/>
+          </a:xfrm>
+          <a:prstGeom prst="roundRect">
+            <a:avLst/>
+          </a:prstGeom>
+          <a:solidFill>
+            <a:schemeClr val="accent1">
+              <a:lumMod val="40000"/>
+              <a:lumOff val="60000"/>
+            </a:schemeClr>
+          </a:solidFill>
+        </p:spPr>
+        <p:style>
+          <a:lnRef idx="2">
+            <a:schemeClr val="accent1">
+              <a:shade val="50000"/>
+            </a:schemeClr>
+          </a:lnRef>
+          <a:fillRef idx="1">
+            <a:schemeClr val="accent1"/>
+          </a:fillRef>
+          <a:effectRef idx="0">
+            <a:schemeClr val="accent1"/>
+          </a:effectRef>
+          <a:fontRef idx="minor">
+            <a:schemeClr val="lt1"/>
+          </a:fontRef>
+        </p:style>
+        <p:txBody>
+          <a:bodyPr rtlCol="0" anchor="ctr"/>
+          <a:p>
+            <a:pPr algn="ctr"/>
+            <a:endParaRPr lang="zh-CN" altLang="en-US"/>
+          </a:p>
+        </p:txBody>
+      </p:sp>
+      <p:sp>
+        <p:nvSpPr>
+          <p:cNvPr id="3" name="流程图: 决策 2"/>
+          <p:cNvSpPr/>
+          <p:nvPr/>
+        </p:nvSpPr>
+        <p:spPr>
+          <a:xfrm>
+            <a:off x="9026525" y="2909570"/>
+            <a:ext cx="588010" cy="298450"/>
+          </a:xfrm>
+          <a:prstGeom prst="flowChartDecision">
+            <a:avLst/>
+          </a:prstGeom>
+        </p:spPr>
+        <p:style>
+          <a:lnRef idx="2">
+            <a:schemeClr val="accent1">
+              <a:shade val="50000"/>
+            </a:schemeClr>
+          </a:lnRef>
+          <a:fillRef idx="1">
+            <a:schemeClr val="accent1"/>
+          </a:fillRef>
+          <a:effectRef idx="0">
+            <a:schemeClr val="accent1"/>
+          </a:effectRef>
+          <a:fontRef idx="minor">
+            <a:schemeClr val="lt1"/>
+          </a:fontRef>
+        </p:style>
+        <p:txBody>
+          <a:bodyPr rtlCol="0" anchor="ctr"/>
+          <a:p>
+            <a:pPr algn="ctr"/>
+            <a:endParaRPr lang="zh-CN" altLang="en-US"/>
+          </a:p>
+        </p:txBody>
+      </p:sp>
+      <p:sp>
+        <p:nvSpPr>
+          <p:cNvPr id="11" name="流程图: 决策 10"/>
+          <p:cNvSpPr/>
+          <p:nvPr/>
+        </p:nvSpPr>
+        <p:spPr>
+          <a:xfrm>
+            <a:off x="9026525" y="3582670"/>
+            <a:ext cx="588010" cy="298450"/>
+          </a:xfrm>
+          <a:prstGeom prst="flowChartDecision">
+            <a:avLst/>
+          </a:prstGeom>
+        </p:spPr>
+        <p:style>
+          <a:lnRef idx="2">
+            <a:schemeClr val="accent1">
+              <a:shade val="50000"/>
+            </a:schemeClr>
+          </a:lnRef>
+          <a:fillRef idx="1">
+            <a:schemeClr val="accent1"/>
+          </a:fillRef>
+          <a:effectRef idx="0">
+            <a:schemeClr val="accent1"/>
+          </a:effectRef>
+          <a:fontRef idx="minor">
+            <a:schemeClr val="lt1"/>
+          </a:fontRef>
+        </p:style>
+        <p:txBody>
+          <a:bodyPr rtlCol="0" anchor="ctr"/>
+          <a:p>
+            <a:pPr algn="ctr"/>
+            <a:endParaRPr lang="zh-CN" altLang="en-US"/>
+          </a:p>
+        </p:txBody>
+      </p:sp>
+      <p:sp>
+        <p:nvSpPr>
+          <p:cNvPr id="13" name="左箭头 12"/>
+          <p:cNvSpPr/>
+          <p:nvPr/>
+        </p:nvSpPr>
+        <p:spPr>
+          <a:xfrm>
+            <a:off x="9825355" y="3255010"/>
+            <a:ext cx="523240" cy="196215"/>
+          </a:xfrm>
+          <a:prstGeom prst="leftArrow">
+            <a:avLst/>
+          </a:prstGeom>
+          <a:solidFill>
+            <a:srgbClr val="00B0F0"/>
+          </a:solidFill>
+        </p:spPr>
+        <p:style>
+          <a:lnRef idx="2">
+            <a:schemeClr val="accent1">
+              <a:shade val="50000"/>
+            </a:schemeClr>
+          </a:lnRef>
+          <a:fillRef idx="1">
+            <a:schemeClr val="accent1"/>
+          </a:fillRef>
+          <a:effectRef idx="0">
+            <a:schemeClr val="accent1"/>
+          </a:effectRef>
+          <a:fontRef idx="minor">
+            <a:schemeClr val="lt1"/>
+          </a:fontRef>
+        </p:style>
+        <p:txBody>
+          <a:bodyPr rtlCol="0" anchor="ctr"/>
+          <a:p>
+            <a:pPr algn="ctr"/>
+            <a:endParaRPr lang="zh-CN" altLang="en-US"/>
+          </a:p>
+        </p:txBody>
+      </p:sp>
+      <p:sp>
+        <p:nvSpPr>
+          <p:cNvPr id="14" name="文本框 13"/>
+          <p:cNvSpPr txBox="1"/>
+          <p:nvPr/>
+        </p:nvSpPr>
+        <p:spPr>
+          <a:xfrm>
+            <a:off x="8333105" y="2221230"/>
+            <a:ext cx="1897380" cy="245110"/>
+          </a:xfrm>
+          <a:prstGeom prst="rect">
+            <a:avLst/>
+          </a:prstGeom>
+          <a:noFill/>
+        </p:spPr>
+        <p:txBody>
+          <a:bodyPr wrap="none" rtlCol="0">
+            <a:spAutoFit/>
+          </a:bodyPr>
+          <a:p>
+            <a:r>
+              <a:rPr lang="en-US" altLang="zh-CN" sz="1000" b="1">
+                <a:solidFill>
+                  <a:srgbClr val="FF0000"/>
+                </a:solidFill>
+              </a:rPr>
+              <a:t>logstash</a:t>
+            </a:r>
+            <a:r>
+              <a:rPr lang="zh-CN" altLang="en-US" sz="1000" b="1">
+                <a:solidFill>
+                  <a:srgbClr val="FF0000"/>
+                </a:solidFill>
+              </a:rPr>
+              <a:t>：收集日志写入</a:t>
+            </a:r>
+            <a:r>
+              <a:rPr lang="en-US" altLang="zh-CN" sz="1000" b="1">
+                <a:solidFill>
+                  <a:srgbClr val="FF0000"/>
+                </a:solidFill>
+              </a:rPr>
+              <a:t>redis</a:t>
+            </a:r>
+            <a:endParaRPr lang="en-US" altLang="zh-CN" sz="1000" b="1">
+              <a:solidFill>
+                <a:srgbClr val="FF0000"/>
+              </a:solidFill>
+            </a:endParaRPr>
+          </a:p>
+        </p:txBody>
+      </p:sp>
+    </p:spTree>
+    <p:custDataLst>
+      <p:tags r:id="rId1"/>
+    </p:custDataLst>
+  </p:cSld>
+  <p:clrMapOvr>
+    <a:masterClrMapping/>
+  </p:clrMapOvr>
+</p:sld>
+</file>
+
+<file path=ppt/slides/slide4.xml><?xml version="1.0" encoding="utf-8"?>
 <p:sld xmlns:a="http://schemas.openxmlformats.org/drawingml/2006/main" xmlns:r="http://schemas.openxmlformats.org/officeDocument/2006/relationships" xmlns:p="http://schemas.openxmlformats.org/presentationml/2006/main">
   <p:cSld>
     <p:spTree>
@@ -11268,6 +13218,24 @@
 </p:tagLst>
 </file>
 
+<file path=ppt/tags/tag65.xml><?xml version="1.0" encoding="utf-8"?>
+<p:tagLst xmlns:p="http://schemas.openxmlformats.org/presentationml/2006/main">
+  <p:tag name="KSO_WM_TEMPLATE_THUMBS_INDEX" val="1、2、3、6、8、10、11、12、15"/>
+  <p:tag name="KSO_WM_SLIDE_ID" val="custom20187308_1"/>
+  <p:tag name="KSO_WM_TEMPLATE_SUBCATEGORY" val="0"/>
+  <p:tag name="KSO_WM_SLIDE_TYPE" val="title"/>
+  <p:tag name="KSO_WM_SLIDE_SUBTYPE" val="pureTxt"/>
+  <p:tag name="KSO_WM_SLIDE_ITEM_CNT" val="0"/>
+  <p:tag name="KSO_WM_SLIDE_INDEX" val="1"/>
+  <p:tag name="KSO_WM_TAG_VERSION" val="1.0"/>
+  <p:tag name="KSO_WM_BEAUTIFY_FLAG" val="#wm#"/>
+  <p:tag name="KSO_WM_TEMPLATE_CATEGORY" val="custom"/>
+  <p:tag name="KSO_WM_TEMPLATE_INDEX" val="20187308"/>
+  <p:tag name="KSO_WM_SLIDE_LAYOUT" val="a_b"/>
+  <p:tag name="KSO_WM_SLIDE_LAYOUT_CNT" val="1_1"/>
+</p:tagLst>
+</file>
+
 <file path=ppt/tags/tag7.xml><?xml version="1.0" encoding="utf-8"?>
 <p:tagLst xmlns:p="http://schemas.openxmlformats.org/presentationml/2006/main">
   <p:tag name="KSO_WM_UNIT_HIGHLIGHT" val="0"/>

--- a/ELK Stack/ELK+kafka日志收集框架.pptx
+++ b/ELK Stack/ELK+kafka日志收集框架.pptx
@@ -11,8 +11,8 @@
     <p:handoutMasterId r:id="rId8"/>
   </p:handoutMasterIdLst>
   <p:sldIdLst>
-    <p:sldId id="256" r:id="rId3"/>
-    <p:sldId id="261" r:id="rId5"/>
+    <p:sldId id="261" r:id="rId3"/>
+    <p:sldId id="256" r:id="rId5"/>
     <p:sldId id="257" r:id="rId6"/>
     <p:sldId id="259" r:id="rId7"/>
   </p:sldIdLst>
@@ -5139,6 +5139,80 @@
               </a:solidFill>
             </a:endParaRPr>
           </a:p>
+        </p:txBody>
+      </p:sp>
+      <p:sp>
+        <p:nvSpPr>
+          <p:cNvPr id="8" name="丁字箭头 7"/>
+          <p:cNvSpPr/>
+          <p:nvPr/>
+        </p:nvSpPr>
+        <p:spPr>
+          <a:xfrm>
+            <a:off x="9662160" y="3415030"/>
+            <a:ext cx="502285" cy="187325"/>
+          </a:xfrm>
+          <a:prstGeom prst="leftRightUpArrow">
+            <a:avLst/>
+          </a:prstGeom>
+        </p:spPr>
+        <p:style>
+          <a:lnRef idx="2">
+            <a:schemeClr val="accent1">
+              <a:shade val="50000"/>
+            </a:schemeClr>
+          </a:lnRef>
+          <a:fillRef idx="1">
+            <a:schemeClr val="accent1"/>
+          </a:fillRef>
+          <a:effectRef idx="0">
+            <a:schemeClr val="accent1"/>
+          </a:effectRef>
+          <a:fontRef idx="minor">
+            <a:schemeClr val="lt1"/>
+          </a:fontRef>
+        </p:style>
+        <p:txBody>
+          <a:bodyPr rtlCol="0" anchor="ctr"/>
+          <a:p>
+            <a:pPr algn="ctr"/>
+            <a:endParaRPr lang="zh-CN" altLang="en-US"/>
+          </a:p>
+        </p:txBody>
+      </p:sp>
+      <p:sp>
+        <p:nvSpPr>
+          <p:cNvPr id="9" name="圆角矩形 8"/>
+          <p:cNvSpPr/>
+          <p:nvPr/>
+        </p:nvSpPr>
+        <p:spPr>
+          <a:xfrm>
+            <a:off x="9594215" y="3091180"/>
+            <a:ext cx="638810" cy="382905"/>
+          </a:xfrm>
+          <a:prstGeom prst="roundRect">
+            <a:avLst/>
+          </a:prstGeom>
+        </p:spPr>
+        <p:style>
+          <a:lnRef idx="2">
+            <a:schemeClr val="accent1">
+              <a:shade val="50000"/>
+            </a:schemeClr>
+          </a:lnRef>
+          <a:fillRef idx="1">
+            <a:schemeClr val="accent1"/>
+          </a:fillRef>
+          <a:effectRef idx="0">
+            <a:schemeClr val="accent1"/>
+          </a:effectRef>
+          <a:fontRef idx="minor">
+            <a:schemeClr val="lt1"/>
+          </a:fontRef>
+        </p:style>
+        <p:txBody>
+          <a:bodyPr rtlCol="0" anchor="ctr"/>
           <a:p>
             <a:pPr algn="ctr"/>
             <a:r>
@@ -5147,7 +5221,7 @@
                   <a:srgbClr val="FF0000"/>
                 </a:solidFill>
               </a:rPr>
-              <a:t>logstash</a:t>
+              <a:t>PC2</a:t>
             </a:r>
             <a:endParaRPr lang="en-US" altLang="zh-CN" sz="800">
               <a:solidFill>
@@ -5159,13 +5233,13 @@
       </p:sp>
       <p:sp>
         <p:nvSpPr>
-          <p:cNvPr id="8" name="丁字箭头 7"/>
+          <p:cNvPr id="16" name="丁字箭头 15"/>
           <p:cNvSpPr/>
           <p:nvPr/>
         </p:nvSpPr>
         <p:spPr>
           <a:xfrm>
-            <a:off x="9662160" y="3415030"/>
+            <a:off x="9660890" y="4154805"/>
             <a:ext cx="502285" cy="187325"/>
           </a:xfrm>
           <a:prstGeom prst="leftRightUpArrow">
@@ -5198,13 +5272,13 @@
       </p:sp>
       <p:sp>
         <p:nvSpPr>
-          <p:cNvPr id="9" name="圆角矩形 8"/>
+          <p:cNvPr id="17" name="圆角矩形 16"/>
           <p:cNvSpPr/>
           <p:nvPr/>
         </p:nvSpPr>
         <p:spPr>
           <a:xfrm>
-            <a:off x="9594215" y="3091180"/>
+            <a:off x="9592945" y="3830955"/>
             <a:ext cx="638810" cy="382905"/>
           </a:xfrm>
           <a:prstGeom prst="roundRect">
@@ -5237,129 +5311,7 @@
                   <a:srgbClr val="FF0000"/>
                 </a:solidFill>
               </a:rPr>
-              <a:t>PC2</a:t>
-            </a:r>
-            <a:endParaRPr lang="en-US" altLang="zh-CN" sz="800">
-              <a:solidFill>
-                <a:srgbClr val="FF0000"/>
-              </a:solidFill>
-            </a:endParaRPr>
-          </a:p>
-          <a:p>
-            <a:pPr algn="ctr"/>
-            <a:r>
-              <a:rPr lang="en-US" altLang="zh-CN" sz="800">
-                <a:solidFill>
-                  <a:srgbClr val="FF0000"/>
-                </a:solidFill>
-              </a:rPr>
-              <a:t>logstash</a:t>
-            </a:r>
-            <a:endParaRPr lang="en-US" altLang="zh-CN" sz="800">
-              <a:solidFill>
-                <a:srgbClr val="FF0000"/>
-              </a:solidFill>
-            </a:endParaRPr>
-          </a:p>
-        </p:txBody>
-      </p:sp>
-      <p:sp>
-        <p:nvSpPr>
-          <p:cNvPr id="16" name="丁字箭头 15"/>
-          <p:cNvSpPr/>
-          <p:nvPr/>
-        </p:nvSpPr>
-        <p:spPr>
-          <a:xfrm>
-            <a:off x="9660890" y="4154805"/>
-            <a:ext cx="502285" cy="187325"/>
-          </a:xfrm>
-          <a:prstGeom prst="leftRightUpArrow">
-            <a:avLst/>
-          </a:prstGeom>
-        </p:spPr>
-        <p:style>
-          <a:lnRef idx="2">
-            <a:schemeClr val="accent1">
-              <a:shade val="50000"/>
-            </a:schemeClr>
-          </a:lnRef>
-          <a:fillRef idx="1">
-            <a:schemeClr val="accent1"/>
-          </a:fillRef>
-          <a:effectRef idx="0">
-            <a:schemeClr val="accent1"/>
-          </a:effectRef>
-          <a:fontRef idx="minor">
-            <a:schemeClr val="lt1"/>
-          </a:fontRef>
-        </p:style>
-        <p:txBody>
-          <a:bodyPr rtlCol="0" anchor="ctr"/>
-          <a:p>
-            <a:pPr algn="ctr"/>
-            <a:endParaRPr lang="zh-CN" altLang="en-US"/>
-          </a:p>
-        </p:txBody>
-      </p:sp>
-      <p:sp>
-        <p:nvSpPr>
-          <p:cNvPr id="17" name="圆角矩形 16"/>
-          <p:cNvSpPr/>
-          <p:nvPr/>
-        </p:nvSpPr>
-        <p:spPr>
-          <a:xfrm>
-            <a:off x="9592945" y="3830955"/>
-            <a:ext cx="638810" cy="382905"/>
-          </a:xfrm>
-          <a:prstGeom prst="roundRect">
-            <a:avLst/>
-          </a:prstGeom>
-        </p:spPr>
-        <p:style>
-          <a:lnRef idx="2">
-            <a:schemeClr val="accent1">
-              <a:shade val="50000"/>
-            </a:schemeClr>
-          </a:lnRef>
-          <a:fillRef idx="1">
-            <a:schemeClr val="accent1"/>
-          </a:fillRef>
-          <a:effectRef idx="0">
-            <a:schemeClr val="accent1"/>
-          </a:effectRef>
-          <a:fontRef idx="minor">
-            <a:schemeClr val="lt1"/>
-          </a:fontRef>
-        </p:style>
-        <p:txBody>
-          <a:bodyPr rtlCol="0" anchor="ctr"/>
-          <a:p>
-            <a:pPr algn="ctr"/>
-            <a:r>
-              <a:rPr lang="en-US" altLang="zh-CN" sz="800">
-                <a:solidFill>
-                  <a:srgbClr val="FF0000"/>
-                </a:solidFill>
-              </a:rPr>
               <a:t>PCN</a:t>
-            </a:r>
-            <a:endParaRPr lang="en-US" altLang="zh-CN" sz="800">
-              <a:solidFill>
-                <a:srgbClr val="FF0000"/>
-              </a:solidFill>
-            </a:endParaRPr>
-          </a:p>
-          <a:p>
-            <a:pPr algn="ctr"/>
-            <a:r>
-              <a:rPr lang="en-US" altLang="zh-CN" sz="800">
-                <a:solidFill>
-                  <a:srgbClr val="FF0000"/>
-                </a:solidFill>
-              </a:rPr>
-              <a:t>logstash</a:t>
             </a:r>
             <a:endParaRPr lang="en-US" altLang="zh-CN" sz="800">
               <a:solidFill>
@@ -6848,13 +6800,46 @@
                   <a:srgbClr val="FF0000"/>
                 </a:solidFill>
               </a:rPr>
-              <a:t>：负载均衡</a:t>
+              <a:t>：反向代理</a:t>
             </a:r>
             <a:endParaRPr lang="zh-CN" altLang="en-US" sz="1200" b="1">
               <a:solidFill>
                 <a:srgbClr val="FF0000"/>
               </a:solidFill>
             </a:endParaRPr>
+          </a:p>
+        </p:txBody>
+      </p:sp>
+      <p:sp>
+        <p:nvSpPr>
+          <p:cNvPr id="10" name="文本框 9"/>
+          <p:cNvSpPr txBox="1"/>
+          <p:nvPr/>
+        </p:nvSpPr>
+        <p:spPr>
+          <a:xfrm>
+            <a:off x="4617085" y="525780"/>
+            <a:ext cx="9454515" cy="368300"/>
+          </a:xfrm>
+          <a:prstGeom prst="rect">
+            <a:avLst/>
+          </a:prstGeom>
+          <a:noFill/>
+        </p:spPr>
+        <p:txBody>
+          <a:bodyPr wrap="square" rtlCol="0">
+            <a:spAutoFit/>
+          </a:bodyPr>
+          <a:p>
+            <a:r>
+              <a:rPr lang="zh-CN" altLang="en-US"/>
+              <a:t>当前架构：代码控制日志输出到 </a:t>
+            </a:r>
+            <a:r>
+              <a:rPr lang="en-US" altLang="zh-CN"/>
+              <a:t>kafka</a:t>
+            </a:r>
+            <a:endParaRPr lang="en-US" altLang="zh-CN"/>
           </a:p>
         </p:txBody>
       </p:sp>
@@ -7058,6 +7043,22 @@
               </a:solidFill>
             </a:endParaRPr>
           </a:p>
+          <a:p>
+            <a:pPr algn="ctr"/>
+            <a:r>
+              <a:rPr lang="en-US" altLang="zh-CN" sz="800">
+                <a:solidFill>
+                  <a:srgbClr val="FF0000"/>
+                </a:solidFill>
+              </a:rPr>
+              <a:t>logstash</a:t>
+            </a:r>
+            <a:endParaRPr lang="en-US" altLang="zh-CN" sz="800">
+              <a:solidFill>
+                <a:srgbClr val="FF0000"/>
+              </a:solidFill>
+            </a:endParaRPr>
+          </a:p>
         </p:txBody>
       </p:sp>
       <p:sp>
@@ -7148,6 +7149,22 @@
               </a:solidFill>
             </a:endParaRPr>
           </a:p>
+          <a:p>
+            <a:pPr algn="ctr"/>
+            <a:r>
+              <a:rPr lang="en-US" altLang="zh-CN" sz="800">
+                <a:solidFill>
+                  <a:srgbClr val="FF0000"/>
+                </a:solidFill>
+              </a:rPr>
+              <a:t>logstash</a:t>
+            </a:r>
+            <a:endParaRPr lang="en-US" altLang="zh-CN" sz="800">
+              <a:solidFill>
+                <a:srgbClr val="FF0000"/>
+              </a:solidFill>
+            </a:endParaRPr>
+          </a:p>
         </p:txBody>
       </p:sp>
       <p:sp>
@@ -7231,6 +7248,22 @@
                 </a:solidFill>
               </a:rPr>
               <a:t>PCN</a:t>
+            </a:r>
+            <a:endParaRPr lang="en-US" altLang="zh-CN" sz="800">
+              <a:solidFill>
+                <a:srgbClr val="FF0000"/>
+              </a:solidFill>
+            </a:endParaRPr>
+          </a:p>
+          <a:p>
+            <a:pPr algn="ctr"/>
+            <a:r>
+              <a:rPr lang="en-US" altLang="zh-CN" sz="800">
+                <a:solidFill>
+                  <a:srgbClr val="FF0000"/>
+                </a:solidFill>
+              </a:rPr>
+              <a:t>logstash</a:t>
             </a:r>
             <a:endParaRPr lang="en-US" altLang="zh-CN" sz="800">
               <a:solidFill>
@@ -8719,7 +8752,7 @@
                   <a:srgbClr val="FF0000"/>
                 </a:solidFill>
               </a:rPr>
-              <a:t>：反向代理</a:t>
+              <a:t>：负载均衡</a:t>
             </a:r>
             <a:endParaRPr lang="zh-CN" altLang="en-US" sz="1200" b="1">
               <a:solidFill>

--- a/ELK Stack/ELK+kafka日志收集框架.pptx
+++ b/ELK Stack/ELK+kafka日志收集框架.pptx
@@ -8,13 +8,12 @@
     <p:notesMasterId r:id="rId4"/>
   </p:notesMasterIdLst>
   <p:handoutMasterIdLst>
-    <p:handoutMasterId r:id="rId8"/>
+    <p:handoutMasterId r:id="rId7"/>
   </p:handoutMasterIdLst>
   <p:sldIdLst>
     <p:sldId id="261" r:id="rId3"/>
     <p:sldId id="256" r:id="rId5"/>
     <p:sldId id="257" r:id="rId6"/>
-    <p:sldId id="259" r:id="rId7"/>
   </p:sldIdLst>
   <p:sldSz cx="12192000" cy="6858000"/>
   <p:notesSz cx="6858000" cy="9144000"/>
@@ -808,84 +807,6 @@
 </file>
 
 <file path=ppt/notesSlides/notesSlide3.xml><?xml version="1.0" encoding="utf-8"?>
-<p:notes xmlns:a="http://schemas.openxmlformats.org/drawingml/2006/main" xmlns:r="http://schemas.openxmlformats.org/officeDocument/2006/relationships" xmlns:p="http://schemas.openxmlformats.org/presentationml/2006/main">
-  <p:cSld>
-    <p:spTree>
-      <p:nvGrpSpPr>
-        <p:cNvPr id="1" name=""/>
-        <p:cNvGrpSpPr/>
-        <p:nvPr/>
-      </p:nvGrpSpPr>
-      <p:grpSpPr>
-        <a:xfrm>
-          <a:off x="0" y="0"/>
-          <a:ext cx="0" cy="0"/>
-          <a:chOff x="0" y="0"/>
-          <a:chExt cx="0" cy="0"/>
-        </a:xfrm>
-      </p:grpSpPr>
-      <p:sp>
-        <p:nvSpPr>
-          <p:cNvPr id="2" name="幻灯片图像占位符 1"/>
-          <p:cNvSpPr>
-            <a:spLocks noGrp="1" noRot="1" noChangeAspect="1"/>
-          </p:cNvSpPr>
-          <p:nvPr>
-            <p:ph type="sldImg"/>
-          </p:nvPr>
-        </p:nvSpPr>
-        <p:spPr/>
-      </p:sp>
-      <p:sp>
-        <p:nvSpPr>
-          <p:cNvPr id="3" name="备注占位符 2"/>
-          <p:cNvSpPr>
-            <a:spLocks noGrp="1"/>
-          </p:cNvSpPr>
-          <p:nvPr>
-            <p:ph type="body" idx="1"/>
-          </p:nvPr>
-        </p:nvSpPr>
-        <p:spPr/>
-        <p:txBody>
-          <a:bodyPr/>
-          <a:lstStyle/>
-          <a:p>
-            <a:endParaRPr lang="zh-CN" altLang="en-US"/>
-          </a:p>
-        </p:txBody>
-      </p:sp>
-      <p:sp>
-        <p:nvSpPr>
-          <p:cNvPr id="4" name="灯片编号占位符 3"/>
-          <p:cNvSpPr>
-            <a:spLocks noGrp="1"/>
-          </p:cNvSpPr>
-          <p:nvPr>
-            <p:ph type="sldNum" sz="quarter" idx="10"/>
-          </p:nvPr>
-        </p:nvSpPr>
-        <p:spPr/>
-        <p:txBody>
-          <a:bodyPr/>
-          <a:lstStyle/>
-          <a:p>
-            <a:fld id="{85D0DACE-38E0-42D2-9336-2B707D34BC6D}" type="slidenum">
-              <a:rPr lang="zh-CN" altLang="en-US" smtClean="0"/>
-            </a:fld>
-            <a:endParaRPr lang="zh-CN" altLang="en-US"/>
-          </a:p>
-        </p:txBody>
-      </p:sp>
-    </p:spTree>
-  </p:cSld>
-  <p:clrMapOvr>
-    <a:masterClrMapping/>
-  </p:clrMapOvr>
-</p:notes>
-</file>
-
-<file path=ppt/notesSlides/notesSlide4.xml><?xml version="1.0" encoding="utf-8"?>
 <p:notes xmlns:a="http://schemas.openxmlformats.org/drawingml/2006/main" xmlns:r="http://schemas.openxmlformats.org/officeDocument/2006/relationships" xmlns:p="http://schemas.openxmlformats.org/presentationml/2006/main">
   <p:cSld>
     <p:spTree>
@@ -6843,6 +6764,41 @@
           </a:p>
         </p:txBody>
       </p:sp>
+      <p:sp>
+        <p:nvSpPr>
+          <p:cNvPr id="11" name="文本框 10"/>
+          <p:cNvSpPr txBox="1"/>
+          <p:nvPr/>
+        </p:nvSpPr>
+        <p:spPr>
+          <a:xfrm>
+            <a:off x="911860" y="5419725"/>
+            <a:ext cx="6522720" cy="368300"/>
+          </a:xfrm>
+          <a:prstGeom prst="rect">
+            <a:avLst/>
+          </a:prstGeom>
+          <a:noFill/>
+        </p:spPr>
+        <p:txBody>
+          <a:bodyPr wrap="square" rtlCol="0">
+            <a:spAutoFit/>
+          </a:bodyPr>
+          <a:p>
+            <a:r>
+              <a:rPr lang="en-US" altLang="zh-CN">
+                <a:sym typeface="+mn-ea"/>
+              </a:rPr>
+              <a:t>kibana</a:t>
+            </a:r>
+            <a:r>
+              <a:rPr lang="en-US" altLang="zh-CN"/>
+              <a:t>+elasticsearch+logstash+kafka</a:t>
+            </a:r>
+            <a:endParaRPr lang="en-US" altLang="zh-CN"/>
+          </a:p>
+        </p:txBody>
+      </p:sp>
     </p:spTree>
     <p:custDataLst>
       <p:tags r:id="rId1"/>
@@ -6918,7 +6874,7 @@
         </p:nvSpPr>
         <p:spPr>
           <a:xfrm>
-            <a:off x="9178925" y="2207260"/>
+            <a:off x="10502900" y="2207260"/>
             <a:ext cx="1500505" cy="2280920"/>
           </a:xfrm>
           <a:prstGeom prst="rect">
@@ -6963,7 +6919,7 @@
         </p:nvSpPr>
         <p:spPr>
           <a:xfrm>
-            <a:off x="9662795" y="2653665"/>
+            <a:off x="10986770" y="2653665"/>
             <a:ext cx="502285" cy="187325"/>
           </a:xfrm>
           <a:prstGeom prst="leftRightUpArrow">
@@ -7002,7 +6958,7 @@
         </p:nvSpPr>
         <p:spPr>
           <a:xfrm>
-            <a:off x="9594850" y="2329815"/>
+            <a:off x="10918825" y="2329815"/>
             <a:ext cx="638810" cy="382905"/>
           </a:xfrm>
           <a:prstGeom prst="roundRect">
@@ -7051,7 +7007,7 @@
                   <a:srgbClr val="FF0000"/>
                 </a:solidFill>
               </a:rPr>
-              <a:t>logstash</a:t>
+              <a:t>filebeat</a:t>
             </a:r>
             <a:endParaRPr lang="en-US" altLang="zh-CN" sz="800">
               <a:solidFill>
@@ -7069,7 +7025,7 @@
         </p:nvSpPr>
         <p:spPr>
           <a:xfrm>
-            <a:off x="9662160" y="3415030"/>
+            <a:off x="10986135" y="3415030"/>
             <a:ext cx="502285" cy="187325"/>
           </a:xfrm>
           <a:prstGeom prst="leftRightUpArrow">
@@ -7108,7 +7064,7 @@
         </p:nvSpPr>
         <p:spPr>
           <a:xfrm>
-            <a:off x="9594215" y="3091180"/>
+            <a:off x="10918190" y="3091180"/>
             <a:ext cx="638810" cy="382905"/>
           </a:xfrm>
           <a:prstGeom prst="roundRect">
@@ -7157,7 +7113,7 @@
                   <a:srgbClr val="FF0000"/>
                 </a:solidFill>
               </a:rPr>
-              <a:t>logstash</a:t>
+              <a:t>filebeat</a:t>
             </a:r>
             <a:endParaRPr lang="en-US" altLang="zh-CN" sz="800">
               <a:solidFill>
@@ -7175,7 +7131,7 @@
         </p:nvSpPr>
         <p:spPr>
           <a:xfrm>
-            <a:off x="9660890" y="4154805"/>
+            <a:off x="10984865" y="4154805"/>
             <a:ext cx="502285" cy="187325"/>
           </a:xfrm>
           <a:prstGeom prst="leftRightUpArrow">
@@ -7214,7 +7170,7 @@
         </p:nvSpPr>
         <p:spPr>
           <a:xfrm>
-            <a:off x="9592945" y="3830955"/>
+            <a:off x="10916920" y="3830955"/>
             <a:ext cx="638810" cy="382905"/>
           </a:xfrm>
           <a:prstGeom prst="roundRect">
@@ -7263,7 +7219,7 @@
                   <a:srgbClr val="FF0000"/>
                 </a:solidFill>
               </a:rPr>
-              <a:t>logstash</a:t>
+              <a:t>filebeat</a:t>
             </a:r>
             <a:endParaRPr lang="en-US" altLang="zh-CN" sz="800">
               <a:solidFill>
@@ -7492,7 +7448,7 @@
         </p:nvSpPr>
         <p:spPr>
           <a:xfrm>
-            <a:off x="10344150" y="2798445"/>
+            <a:off x="11668125" y="2798445"/>
             <a:ext cx="335280" cy="1014730"/>
           </a:xfrm>
           <a:prstGeom prst="rect">
@@ -7949,8 +7905,8 @@
         </p:nvSpPr>
         <p:spPr>
           <a:xfrm>
-            <a:off x="5527675" y="2722245"/>
-            <a:ext cx="588010" cy="298450"/>
+            <a:off x="9164320" y="3080385"/>
+            <a:ext cx="1058545" cy="556260"/>
           </a:xfrm>
           <a:prstGeom prst="flowChartDecision">
             <a:avLst/>
@@ -7976,7 +7932,11 @@
           <a:bodyPr rtlCol="0" anchor="ctr"/>
           <a:p>
             <a:pPr algn="ctr"/>
-            <a:endParaRPr lang="zh-CN" altLang="en-US"/>
+            <a:r>
+              <a:rPr lang="en-US" altLang="zh-CN" sz="700"/>
+              <a:t>logstash</a:t>
+            </a:r>
+            <a:endParaRPr lang="en-US" altLang="zh-CN" sz="700"/>
           </a:p>
         </p:txBody>
       </p:sp>
@@ -8586,7 +8546,7 @@
         </p:nvSpPr>
         <p:spPr>
           <a:xfrm>
-            <a:off x="9486265" y="1751965"/>
+            <a:off x="10810240" y="1751965"/>
             <a:ext cx="1490980" cy="368300"/>
           </a:xfrm>
           <a:prstGeom prst="rect">
@@ -8755,6 +8715,193 @@
               <a:t>：负载均衡</a:t>
             </a:r>
             <a:endParaRPr lang="zh-CN" altLang="en-US" sz="1200" b="1">
+              <a:solidFill>
+                <a:srgbClr val="FF0000"/>
+              </a:solidFill>
+            </a:endParaRPr>
+          </a:p>
+        </p:txBody>
+      </p:sp>
+      <p:sp>
+        <p:nvSpPr>
+          <p:cNvPr id="10" name="文本框 9"/>
+          <p:cNvSpPr txBox="1"/>
+          <p:nvPr/>
+        </p:nvSpPr>
+        <p:spPr>
+          <a:xfrm>
+            <a:off x="2034540" y="545465"/>
+            <a:ext cx="9454515" cy="368300"/>
+          </a:xfrm>
+          <a:prstGeom prst="rect">
+            <a:avLst/>
+          </a:prstGeom>
+          <a:noFill/>
+        </p:spPr>
+        <p:txBody>
+          <a:bodyPr wrap="square" rtlCol="0">
+            <a:spAutoFit/>
+          </a:bodyPr>
+          <a:p>
+            <a:r>
+              <a:rPr lang="zh-CN" altLang="en-US"/>
+              <a:t>日志输出到本地统一目录文件，通过配置</a:t>
+            </a:r>
+            <a:r>
+              <a:rPr lang="en-US" altLang="zh-CN"/>
+              <a:t>filebeat</a:t>
+            </a:r>
+            <a:r>
+              <a:rPr lang="zh-CN" altLang="en-US"/>
+              <a:t>输出到</a:t>
+            </a:r>
+            <a:r>
+              <a:rPr lang="en-US" altLang="zh-CN"/>
+              <a:t>logstash</a:t>
+            </a:r>
+            <a:r>
+              <a:rPr lang="zh-CN" altLang="en-US"/>
+              <a:t>，</a:t>
+            </a:r>
+            <a:r>
+              <a:rPr lang="en-US" altLang="zh-CN"/>
+              <a:t>logstash</a:t>
+            </a:r>
+            <a:r>
+              <a:rPr lang="zh-CN" altLang="en-US"/>
+              <a:t>到</a:t>
+            </a:r>
+            <a:r>
+              <a:rPr lang="en-US" altLang="zh-CN"/>
+              <a:t>kafka</a:t>
+            </a:r>
+            <a:endParaRPr lang="en-US" altLang="zh-CN"/>
+          </a:p>
+        </p:txBody>
+      </p:sp>
+      <p:sp>
+        <p:nvSpPr>
+          <p:cNvPr id="11" name="左箭头 10"/>
+          <p:cNvSpPr/>
+          <p:nvPr/>
+        </p:nvSpPr>
+        <p:spPr>
+          <a:xfrm>
+            <a:off x="10222865" y="3251835"/>
+            <a:ext cx="280670" cy="196215"/>
+          </a:xfrm>
+          <a:prstGeom prst="leftArrow">
+            <a:avLst/>
+          </a:prstGeom>
+          <a:solidFill>
+            <a:srgbClr val="00B0F0"/>
+          </a:solidFill>
+        </p:spPr>
+        <p:style>
+          <a:lnRef idx="2">
+            <a:schemeClr val="accent1">
+              <a:shade val="50000"/>
+            </a:schemeClr>
+          </a:lnRef>
+          <a:fillRef idx="1">
+            <a:schemeClr val="accent1"/>
+          </a:fillRef>
+          <a:effectRef idx="0">
+            <a:schemeClr val="accent1"/>
+          </a:effectRef>
+          <a:fontRef idx="minor">
+            <a:schemeClr val="lt1"/>
+          </a:fontRef>
+        </p:style>
+        <p:txBody>
+          <a:bodyPr rtlCol="0" anchor="ctr"/>
+          <a:p>
+            <a:pPr algn="ctr"/>
+            <a:endParaRPr lang="zh-CN" altLang="en-US"/>
+          </a:p>
+        </p:txBody>
+      </p:sp>
+      <p:sp>
+        <p:nvSpPr>
+          <p:cNvPr id="13" name="文本框 12"/>
+          <p:cNvSpPr txBox="1"/>
+          <p:nvPr/>
+        </p:nvSpPr>
+        <p:spPr>
+          <a:xfrm>
+            <a:off x="939800" y="5645150"/>
+            <a:ext cx="6522720" cy="368300"/>
+          </a:xfrm>
+          <a:prstGeom prst="rect">
+            <a:avLst/>
+          </a:prstGeom>
+          <a:noFill/>
+        </p:spPr>
+        <p:txBody>
+          <a:bodyPr wrap="square" rtlCol="0">
+            <a:spAutoFit/>
+          </a:bodyPr>
+          <a:p>
+            <a:r>
+              <a:rPr lang="en-US" altLang="zh-CN">
+                <a:sym typeface="+mn-ea"/>
+              </a:rPr>
+              <a:t>kibana</a:t>
+            </a:r>
+            <a:r>
+              <a:rPr lang="en-US" altLang="zh-CN"/>
+              <a:t>+elasticsearch+logstash+kafka+filebeat</a:t>
+            </a:r>
+            <a:endParaRPr lang="en-US" altLang="zh-CN"/>
+          </a:p>
+        </p:txBody>
+      </p:sp>
+      <p:sp>
+        <p:nvSpPr>
+          <p:cNvPr id="14" name="文本框 13"/>
+          <p:cNvSpPr txBox="1"/>
+          <p:nvPr/>
+        </p:nvSpPr>
+        <p:spPr>
+          <a:xfrm>
+            <a:off x="8641080" y="2712720"/>
+            <a:ext cx="1918335" cy="245110"/>
+          </a:xfrm>
+          <a:prstGeom prst="rect">
+            <a:avLst/>
+          </a:prstGeom>
+          <a:noFill/>
+        </p:spPr>
+        <p:txBody>
+          <a:bodyPr wrap="none" rtlCol="0">
+            <a:spAutoFit/>
+          </a:bodyPr>
+          <a:p>
+            <a:r>
+              <a:rPr lang="en-US" altLang="zh-CN" sz="1000" b="1">
+                <a:solidFill>
+                  <a:srgbClr val="FF0000"/>
+                </a:solidFill>
+              </a:rPr>
+              <a:t>logstash</a:t>
+            </a:r>
+            <a:r>
+              <a:rPr lang="zh-CN" altLang="en-US" sz="1000" b="1">
+                <a:solidFill>
+                  <a:srgbClr val="FF0000"/>
+                </a:solidFill>
+              </a:rPr>
+              <a:t>：收集日志写入</a:t>
+            </a:r>
+            <a:r>
+              <a:rPr lang="en-US" altLang="zh-CN" sz="1000" b="1">
+                <a:solidFill>
+                  <a:srgbClr val="FF0000"/>
+                </a:solidFill>
+              </a:rPr>
+              <a:t>kafka</a:t>
+            </a:r>
+            <a:endParaRPr lang="en-US" altLang="zh-CN" sz="1000" b="1">
               <a:solidFill>
                 <a:srgbClr val="FF0000"/>
               </a:solidFill>
@@ -10588,657 +10735,16 @@
           </a:p>
         </p:txBody>
       </p:sp>
-    </p:spTree>
-    <p:custDataLst>
-      <p:tags r:id="rId1"/>
-    </p:custDataLst>
-  </p:cSld>
-  <p:clrMapOvr>
-    <a:masterClrMapping/>
-  </p:clrMapOvr>
-</p:sld>
-</file>
-
-<file path=ppt/slides/slide4.xml><?xml version="1.0" encoding="utf-8"?>
-<p:sld xmlns:a="http://schemas.openxmlformats.org/drawingml/2006/main" xmlns:r="http://schemas.openxmlformats.org/officeDocument/2006/relationships" xmlns:p="http://schemas.openxmlformats.org/presentationml/2006/main">
-  <p:cSld>
-    <p:spTree>
-      <p:nvGrpSpPr>
-        <p:cNvPr id="1" name=""/>
-        <p:cNvGrpSpPr/>
-        <p:nvPr/>
-      </p:nvGrpSpPr>
-      <p:grpSpPr>
-        <a:xfrm>
-          <a:off x="0" y="0"/>
-          <a:ext cx="0" cy="0"/>
-          <a:chOff x="0" y="0"/>
-          <a:chExt cx="0" cy="0"/>
-        </a:xfrm>
-      </p:grpSpPr>
-      <p:sp>
-        <p:nvSpPr>
-          <p:cNvPr id="39" name="圆角矩形 38"/>
-          <p:cNvSpPr/>
-          <p:nvPr/>
-        </p:nvSpPr>
-        <p:spPr>
-          <a:xfrm>
-            <a:off x="6471920" y="2186305"/>
-            <a:ext cx="1797685" cy="2366010"/>
-          </a:xfrm>
-          <a:prstGeom prst="roundRect">
-            <a:avLst/>
-          </a:prstGeom>
-        </p:spPr>
-        <p:style>
-          <a:lnRef idx="2">
-            <a:schemeClr val="accent1">
-              <a:shade val="50000"/>
-            </a:schemeClr>
-          </a:lnRef>
-          <a:fillRef idx="1">
-            <a:schemeClr val="accent1"/>
-          </a:fillRef>
-          <a:effectRef idx="0">
-            <a:schemeClr val="accent1"/>
-          </a:effectRef>
-          <a:fontRef idx="minor">
-            <a:schemeClr val="lt1"/>
-          </a:fontRef>
-        </p:style>
-        <p:txBody>
-          <a:bodyPr rtlCol="0" anchor="ctr"/>
-          <a:p>
-            <a:pPr algn="ctr"/>
-            <a:endParaRPr lang="zh-CN" altLang="en-US"/>
-          </a:p>
-        </p:txBody>
-      </p:sp>
-      <p:sp>
-        <p:nvSpPr>
-          <p:cNvPr id="20" name="矩形 19"/>
-          <p:cNvSpPr/>
-          <p:nvPr/>
-        </p:nvSpPr>
-        <p:spPr>
-          <a:xfrm>
-            <a:off x="10350500" y="2207260"/>
-            <a:ext cx="1500505" cy="2280920"/>
-          </a:xfrm>
-          <a:prstGeom prst="rect">
-            <a:avLst/>
-          </a:prstGeom>
-          <a:solidFill>
-            <a:schemeClr val="accent1">
-              <a:lumMod val="40000"/>
-              <a:lumOff val="60000"/>
-            </a:schemeClr>
-          </a:solidFill>
-        </p:spPr>
-        <p:style>
-          <a:lnRef idx="2">
-            <a:schemeClr val="accent1">
-              <a:shade val="50000"/>
-            </a:schemeClr>
-          </a:lnRef>
-          <a:fillRef idx="1">
-            <a:schemeClr val="accent1"/>
-          </a:fillRef>
-          <a:effectRef idx="0">
-            <a:schemeClr val="accent1"/>
-          </a:effectRef>
-          <a:fontRef idx="minor">
-            <a:schemeClr val="lt1"/>
-          </a:fontRef>
-        </p:style>
-        <p:txBody>
-          <a:bodyPr rtlCol="0" anchor="ctr"/>
-          <a:p>
-            <a:pPr algn="ctr"/>
-            <a:endParaRPr lang="zh-CN" altLang="en-US"/>
-          </a:p>
-        </p:txBody>
-      </p:sp>
-      <p:sp>
-        <p:nvSpPr>
-          <p:cNvPr id="7" name="丁字箭头 6"/>
-          <p:cNvSpPr/>
-          <p:nvPr/>
-        </p:nvSpPr>
-        <p:spPr>
-          <a:xfrm>
-            <a:off x="10834370" y="2653665"/>
-            <a:ext cx="502285" cy="187325"/>
-          </a:xfrm>
-          <a:prstGeom prst="leftRightUpArrow">
-            <a:avLst/>
-          </a:prstGeom>
-        </p:spPr>
-        <p:style>
-          <a:lnRef idx="2">
-            <a:schemeClr val="accent1">
-              <a:shade val="50000"/>
-            </a:schemeClr>
-          </a:lnRef>
-          <a:fillRef idx="1">
-            <a:schemeClr val="accent1"/>
-          </a:fillRef>
-          <a:effectRef idx="0">
-            <a:schemeClr val="accent1"/>
-          </a:effectRef>
-          <a:fontRef idx="minor">
-            <a:schemeClr val="lt1"/>
-          </a:fontRef>
-        </p:style>
-        <p:txBody>
-          <a:bodyPr rtlCol="0" anchor="ctr"/>
-          <a:p>
-            <a:pPr algn="ctr"/>
-            <a:endParaRPr lang="zh-CN" altLang="en-US"/>
-          </a:p>
-        </p:txBody>
-      </p:sp>
-      <p:sp>
-        <p:nvSpPr>
-          <p:cNvPr id="6" name="圆角矩形 5"/>
-          <p:cNvSpPr/>
-          <p:nvPr/>
-        </p:nvSpPr>
-        <p:spPr>
-          <a:xfrm>
-            <a:off x="10766425" y="2329815"/>
-            <a:ext cx="638810" cy="382905"/>
-          </a:xfrm>
-          <a:prstGeom prst="roundRect">
-            <a:avLst/>
-          </a:prstGeom>
-        </p:spPr>
-        <p:style>
-          <a:lnRef idx="2">
-            <a:schemeClr val="accent1">
-              <a:shade val="50000"/>
-            </a:schemeClr>
-          </a:lnRef>
-          <a:fillRef idx="1">
-            <a:schemeClr val="accent1"/>
-          </a:fillRef>
-          <a:effectRef idx="0">
-            <a:schemeClr val="accent1"/>
-          </a:effectRef>
-          <a:fontRef idx="minor">
-            <a:schemeClr val="lt1"/>
-          </a:fontRef>
-        </p:style>
-        <p:txBody>
-          <a:bodyPr rtlCol="0" anchor="ctr"/>
-          <a:p>
-            <a:pPr algn="ctr"/>
-            <a:r>
-              <a:rPr lang="en-US" altLang="zh-CN" sz="1000">
-                <a:solidFill>
-                  <a:srgbClr val="FF0000"/>
-                </a:solidFill>
-              </a:rPr>
-              <a:t>PC1</a:t>
-            </a:r>
-            <a:endParaRPr lang="en-US" altLang="zh-CN" sz="1000">
-              <a:solidFill>
-                <a:srgbClr val="FF0000"/>
-              </a:solidFill>
-            </a:endParaRPr>
-          </a:p>
-          <a:p>
-            <a:pPr algn="ctr"/>
-            <a:r>
-              <a:rPr lang="en-US" altLang="zh-CN" sz="1000">
-                <a:solidFill>
-                  <a:srgbClr val="FF0000"/>
-                </a:solidFill>
-              </a:rPr>
-              <a:t>filebeat</a:t>
-            </a:r>
-            <a:endParaRPr lang="en-US" altLang="zh-CN" sz="1000">
-              <a:solidFill>
-                <a:srgbClr val="FF0000"/>
-              </a:solidFill>
-            </a:endParaRPr>
-          </a:p>
-        </p:txBody>
-      </p:sp>
-      <p:sp>
-        <p:nvSpPr>
-          <p:cNvPr id="8" name="丁字箭头 7"/>
-          <p:cNvSpPr/>
-          <p:nvPr/>
-        </p:nvSpPr>
-        <p:spPr>
-          <a:xfrm>
-            <a:off x="10833735" y="3415030"/>
-            <a:ext cx="502285" cy="187325"/>
-          </a:xfrm>
-          <a:prstGeom prst="leftRightUpArrow">
-            <a:avLst/>
-          </a:prstGeom>
-        </p:spPr>
-        <p:style>
-          <a:lnRef idx="2">
-            <a:schemeClr val="accent1">
-              <a:shade val="50000"/>
-            </a:schemeClr>
-          </a:lnRef>
-          <a:fillRef idx="1">
-            <a:schemeClr val="accent1"/>
-          </a:fillRef>
-          <a:effectRef idx="0">
-            <a:schemeClr val="accent1"/>
-          </a:effectRef>
-          <a:fontRef idx="minor">
-            <a:schemeClr val="lt1"/>
-          </a:fontRef>
-        </p:style>
-        <p:txBody>
-          <a:bodyPr rtlCol="0" anchor="ctr"/>
-          <a:p>
-            <a:pPr algn="ctr"/>
-            <a:endParaRPr lang="zh-CN" altLang="en-US"/>
-          </a:p>
-        </p:txBody>
-      </p:sp>
-      <p:sp>
-        <p:nvSpPr>
-          <p:cNvPr id="9" name="圆角矩形 8"/>
-          <p:cNvSpPr/>
-          <p:nvPr/>
-        </p:nvSpPr>
-        <p:spPr>
-          <a:xfrm>
-            <a:off x="10765790" y="3091180"/>
-            <a:ext cx="638810" cy="382905"/>
-          </a:xfrm>
-          <a:prstGeom prst="roundRect">
-            <a:avLst/>
-          </a:prstGeom>
-        </p:spPr>
-        <p:style>
-          <a:lnRef idx="2">
-            <a:schemeClr val="accent1">
-              <a:shade val="50000"/>
-            </a:schemeClr>
-          </a:lnRef>
-          <a:fillRef idx="1">
-            <a:schemeClr val="accent1"/>
-          </a:fillRef>
-          <a:effectRef idx="0">
-            <a:schemeClr val="accent1"/>
-          </a:effectRef>
-          <a:fontRef idx="minor">
-            <a:schemeClr val="lt1"/>
-          </a:fontRef>
-        </p:style>
-        <p:txBody>
-          <a:bodyPr rtlCol="0" anchor="ctr"/>
-          <a:p>
-            <a:pPr algn="ctr"/>
-            <a:r>
-              <a:rPr lang="en-US" altLang="zh-CN" sz="1000">
-                <a:solidFill>
-                  <a:srgbClr val="FF0000"/>
-                </a:solidFill>
-              </a:rPr>
-              <a:t>PC2</a:t>
-            </a:r>
-            <a:endParaRPr lang="en-US" altLang="zh-CN" sz="1000">
-              <a:solidFill>
-                <a:srgbClr val="FF0000"/>
-              </a:solidFill>
-            </a:endParaRPr>
-          </a:p>
-          <a:p>
-            <a:pPr algn="ctr"/>
-            <a:r>
-              <a:rPr lang="en-US" altLang="zh-CN" sz="1000">
-                <a:solidFill>
-                  <a:srgbClr val="FF0000"/>
-                </a:solidFill>
-              </a:rPr>
-              <a:t>filebeat</a:t>
-            </a:r>
-            <a:endParaRPr lang="en-US" altLang="zh-CN" sz="1000">
-              <a:solidFill>
-                <a:srgbClr val="FF0000"/>
-              </a:solidFill>
-            </a:endParaRPr>
-          </a:p>
-        </p:txBody>
-      </p:sp>
-      <p:sp>
-        <p:nvSpPr>
-          <p:cNvPr id="16" name="丁字箭头 15"/>
-          <p:cNvSpPr/>
-          <p:nvPr/>
-        </p:nvSpPr>
-        <p:spPr>
-          <a:xfrm>
-            <a:off x="10832465" y="4154805"/>
-            <a:ext cx="502285" cy="187325"/>
-          </a:xfrm>
-          <a:prstGeom prst="leftRightUpArrow">
-            <a:avLst/>
-          </a:prstGeom>
-        </p:spPr>
-        <p:style>
-          <a:lnRef idx="2">
-            <a:schemeClr val="accent1">
-              <a:shade val="50000"/>
-            </a:schemeClr>
-          </a:lnRef>
-          <a:fillRef idx="1">
-            <a:schemeClr val="accent1"/>
-          </a:fillRef>
-          <a:effectRef idx="0">
-            <a:schemeClr val="accent1"/>
-          </a:effectRef>
-          <a:fontRef idx="minor">
-            <a:schemeClr val="lt1"/>
-          </a:fontRef>
-        </p:style>
-        <p:txBody>
-          <a:bodyPr rtlCol="0" anchor="ctr"/>
-          <a:p>
-            <a:pPr algn="ctr"/>
-            <a:endParaRPr lang="zh-CN" altLang="en-US"/>
-          </a:p>
-        </p:txBody>
-      </p:sp>
-      <p:sp>
-        <p:nvSpPr>
-          <p:cNvPr id="17" name="圆角矩形 16"/>
-          <p:cNvSpPr/>
-          <p:nvPr/>
-        </p:nvSpPr>
-        <p:spPr>
-          <a:xfrm>
-            <a:off x="10764520" y="3830955"/>
-            <a:ext cx="638810" cy="382905"/>
-          </a:xfrm>
-          <a:prstGeom prst="roundRect">
-            <a:avLst/>
-          </a:prstGeom>
-        </p:spPr>
-        <p:style>
-          <a:lnRef idx="2">
-            <a:schemeClr val="accent1">
-              <a:shade val="50000"/>
-            </a:schemeClr>
-          </a:lnRef>
-          <a:fillRef idx="1">
-            <a:schemeClr val="accent1"/>
-          </a:fillRef>
-          <a:effectRef idx="0">
-            <a:schemeClr val="accent1"/>
-          </a:effectRef>
-          <a:fontRef idx="minor">
-            <a:schemeClr val="lt1"/>
-          </a:fontRef>
-        </p:style>
-        <p:txBody>
-          <a:bodyPr rtlCol="0" anchor="ctr"/>
-          <a:p>
-            <a:pPr algn="ctr"/>
-            <a:r>
-              <a:rPr lang="en-US" altLang="zh-CN" sz="1000">
-                <a:solidFill>
-                  <a:srgbClr val="FF0000"/>
-                </a:solidFill>
-              </a:rPr>
-              <a:t>PCN</a:t>
-            </a:r>
-            <a:endParaRPr lang="en-US" altLang="zh-CN" sz="1000">
-              <a:solidFill>
-                <a:srgbClr val="FF0000"/>
-              </a:solidFill>
-            </a:endParaRPr>
-          </a:p>
-          <a:p>
-            <a:pPr algn="ctr"/>
-            <a:r>
-              <a:rPr lang="en-US" altLang="zh-CN" sz="1000">
-                <a:solidFill>
-                  <a:srgbClr val="FF0000"/>
-                </a:solidFill>
-              </a:rPr>
-              <a:t>filebeat</a:t>
-            </a:r>
-            <a:endParaRPr lang="en-US" altLang="zh-CN" sz="1000">
-              <a:solidFill>
-                <a:srgbClr val="FF0000"/>
-              </a:solidFill>
-            </a:endParaRPr>
-          </a:p>
-        </p:txBody>
-      </p:sp>
-      <p:sp>
-        <p:nvSpPr>
-          <p:cNvPr id="21" name="矩形 20"/>
-          <p:cNvSpPr/>
-          <p:nvPr/>
-        </p:nvSpPr>
-        <p:spPr>
-          <a:xfrm>
-            <a:off x="6546850" y="2343785"/>
-            <a:ext cx="1647825" cy="2073910"/>
-          </a:xfrm>
-          <a:prstGeom prst="rect">
-            <a:avLst/>
-          </a:prstGeom>
-          <a:solidFill>
-            <a:schemeClr val="accent1">
-              <a:lumMod val="40000"/>
-              <a:lumOff val="60000"/>
-            </a:schemeClr>
-          </a:solidFill>
-        </p:spPr>
-        <p:style>
-          <a:lnRef idx="2">
-            <a:schemeClr val="accent1">
-              <a:shade val="50000"/>
-            </a:schemeClr>
-          </a:lnRef>
-          <a:fillRef idx="1">
-            <a:schemeClr val="accent1"/>
-          </a:fillRef>
-          <a:effectRef idx="0">
-            <a:schemeClr val="accent1"/>
-          </a:effectRef>
-          <a:fontRef idx="minor">
-            <a:schemeClr val="lt1"/>
-          </a:fontRef>
-        </p:style>
-        <p:txBody>
-          <a:bodyPr rtlCol="0" anchor="ctr"/>
-          <a:p>
-            <a:pPr algn="ctr"/>
-            <a:r>
-              <a:rPr lang="en-US" altLang="zh-CN"/>
-              <a:t>      </a:t>
-            </a:r>
-            <a:endParaRPr lang="en-US" altLang="zh-CN"/>
-          </a:p>
-        </p:txBody>
-      </p:sp>
-      <p:sp>
-        <p:nvSpPr>
-          <p:cNvPr id="22" name="圆柱形 21"/>
-          <p:cNvSpPr/>
-          <p:nvPr/>
-        </p:nvSpPr>
-        <p:spPr>
-          <a:xfrm rot="16200000">
-            <a:off x="7206615" y="2261870"/>
-            <a:ext cx="318135" cy="561340"/>
-          </a:xfrm>
-          <a:prstGeom prst="can">
-            <a:avLst/>
-          </a:prstGeom>
-        </p:spPr>
-        <p:style>
-          <a:lnRef idx="2">
-            <a:schemeClr val="accent1">
-              <a:shade val="50000"/>
-            </a:schemeClr>
-          </a:lnRef>
-          <a:fillRef idx="1">
-            <a:schemeClr val="accent1"/>
-          </a:fillRef>
-          <a:effectRef idx="0">
-            <a:schemeClr val="accent1"/>
-          </a:effectRef>
-          <a:fontRef idx="minor">
-            <a:schemeClr val="lt1"/>
-          </a:fontRef>
-        </p:style>
-        <p:txBody>
-          <a:bodyPr rtlCol="0" anchor="ctr"/>
-          <a:p>
-            <a:pPr algn="ctr"/>
-            <a:endParaRPr lang="zh-CN" altLang="en-US"/>
-          </a:p>
-        </p:txBody>
-      </p:sp>
-      <p:sp>
-        <p:nvSpPr>
-          <p:cNvPr id="25" name="圆柱形 24"/>
-          <p:cNvSpPr/>
-          <p:nvPr/>
-        </p:nvSpPr>
-        <p:spPr>
-          <a:xfrm rot="16200000">
-            <a:off x="6789420" y="2672080"/>
-            <a:ext cx="318135" cy="561340"/>
-          </a:xfrm>
-          <a:prstGeom prst="can">
-            <a:avLst/>
-          </a:prstGeom>
-        </p:spPr>
-        <p:style>
-          <a:lnRef idx="2">
-            <a:schemeClr val="accent1">
-              <a:shade val="50000"/>
-            </a:schemeClr>
-          </a:lnRef>
-          <a:fillRef idx="1">
-            <a:schemeClr val="accent1"/>
-          </a:fillRef>
-          <a:effectRef idx="0">
-            <a:schemeClr val="accent1"/>
-          </a:effectRef>
-          <a:fontRef idx="minor">
-            <a:schemeClr val="lt1"/>
-          </a:fontRef>
-        </p:style>
-        <p:txBody>
-          <a:bodyPr rtlCol="0" anchor="ctr"/>
-          <a:p>
-            <a:pPr algn="ctr"/>
-            <a:endParaRPr lang="zh-CN" altLang="en-US"/>
-          </a:p>
-        </p:txBody>
-      </p:sp>
-      <p:sp>
-        <p:nvSpPr>
-          <p:cNvPr id="26" name="圆柱形 25"/>
-          <p:cNvSpPr/>
-          <p:nvPr/>
-        </p:nvSpPr>
-        <p:spPr>
-          <a:xfrm rot="16200000">
-            <a:off x="7624445" y="2672080"/>
-            <a:ext cx="318135" cy="561340"/>
-          </a:xfrm>
-          <a:prstGeom prst="can">
-            <a:avLst/>
-          </a:prstGeom>
-        </p:spPr>
-        <p:style>
-          <a:lnRef idx="2">
-            <a:schemeClr val="accent1">
-              <a:shade val="50000"/>
-            </a:schemeClr>
-          </a:lnRef>
-          <a:fillRef idx="1">
-            <a:schemeClr val="accent1"/>
-          </a:fillRef>
-          <a:effectRef idx="0">
-            <a:schemeClr val="accent1"/>
-          </a:effectRef>
-          <a:fontRef idx="minor">
-            <a:schemeClr val="lt1"/>
-          </a:fontRef>
-        </p:style>
-        <p:txBody>
-          <a:bodyPr rtlCol="0" anchor="ctr"/>
-          <a:p>
-            <a:pPr algn="ctr"/>
-            <a:endParaRPr lang="zh-CN" altLang="en-US"/>
-          </a:p>
-        </p:txBody>
-      </p:sp>
-      <p:sp>
-        <p:nvSpPr>
-          <p:cNvPr id="28" name="文本框 27"/>
+      <p:sp>
+        <p:nvSpPr>
+          <p:cNvPr id="10" name="文本框 9"/>
           <p:cNvSpPr txBox="1"/>
           <p:nvPr/>
         </p:nvSpPr>
         <p:spPr>
           <a:xfrm>
-            <a:off x="6673215" y="1918970"/>
-            <a:ext cx="1396365" cy="245110"/>
-          </a:xfrm>
-          <a:prstGeom prst="rect">
-            <a:avLst/>
-          </a:prstGeom>
-          <a:noFill/>
-        </p:spPr>
-        <p:txBody>
-          <a:bodyPr wrap="none" rtlCol="0">
-            <a:spAutoFit/>
-          </a:bodyPr>
-          <a:p>
-            <a:r>
-              <a:rPr lang="en-US" altLang="zh-CN" sz="1000" b="1">
-                <a:solidFill>
-                  <a:srgbClr val="FF0000"/>
-                </a:solidFill>
-              </a:rPr>
-              <a:t>kafka</a:t>
-            </a:r>
-            <a:r>
-              <a:rPr lang="zh-CN" altLang="en-US" sz="1000" b="1">
-                <a:solidFill>
-                  <a:srgbClr val="FF0000"/>
-                </a:solidFill>
-              </a:rPr>
-              <a:t>集群：收集日志</a:t>
-            </a:r>
-            <a:endParaRPr lang="zh-CN" altLang="en-US" sz="1000" b="1">
-              <a:solidFill>
-                <a:srgbClr val="FF0000"/>
-              </a:solidFill>
-            </a:endParaRPr>
-          </a:p>
-        </p:txBody>
-      </p:sp>
-      <p:sp>
-        <p:nvSpPr>
-          <p:cNvPr id="30" name="文本框 29"/>
-          <p:cNvSpPr txBox="1"/>
-          <p:nvPr/>
-        </p:nvSpPr>
-        <p:spPr>
-          <a:xfrm>
-            <a:off x="11515725" y="2798445"/>
-            <a:ext cx="335280" cy="1014730"/>
+            <a:off x="911860" y="5419725"/>
+            <a:ext cx="6522720" cy="368300"/>
           </a:xfrm>
           <a:prstGeom prst="rect">
             <a:avLst/>
@@ -11251,1182 +10757,16 @@
           </a:bodyPr>
           <a:p>
             <a:r>
-              <a:rPr lang="zh-CN" altLang="en-US" sz="1200" b="1">
-                <a:solidFill>
-                  <a:srgbClr val="FF0000"/>
-                </a:solidFill>
-              </a:rPr>
-              <a:t>生</a:t>
-            </a:r>
-            <a:endParaRPr lang="zh-CN" altLang="en-US" sz="1200" b="1">
-              <a:solidFill>
-                <a:srgbClr val="FF0000"/>
-              </a:solidFill>
-            </a:endParaRPr>
-          </a:p>
-          <a:p>
-            <a:r>
-              <a:rPr lang="zh-CN" altLang="en-US" sz="1200" b="1">
-                <a:solidFill>
-                  <a:srgbClr val="FF0000"/>
-                </a:solidFill>
-              </a:rPr>
-              <a:t>产</a:t>
-            </a:r>
-            <a:endParaRPr lang="zh-CN" altLang="en-US" sz="1200" b="1">
-              <a:solidFill>
-                <a:srgbClr val="FF0000"/>
-              </a:solidFill>
-            </a:endParaRPr>
-          </a:p>
-          <a:p>
-            <a:r>
-              <a:rPr lang="zh-CN" altLang="en-US" sz="1200" b="1">
-                <a:solidFill>
-                  <a:srgbClr val="FF0000"/>
-                </a:solidFill>
-              </a:rPr>
-              <a:t>服务器</a:t>
-            </a:r>
-            <a:endParaRPr lang="zh-CN" altLang="en-US" sz="1200" b="1">
-              <a:solidFill>
-                <a:srgbClr val="FF0000"/>
-              </a:solidFill>
-            </a:endParaRPr>
-          </a:p>
-        </p:txBody>
-      </p:sp>
-      <p:sp>
-        <p:nvSpPr>
-          <p:cNvPr id="38" name="左箭头 37"/>
-          <p:cNvSpPr/>
-          <p:nvPr/>
-        </p:nvSpPr>
-        <p:spPr>
-          <a:xfrm>
-            <a:off x="8279130" y="3251835"/>
-            <a:ext cx="523240" cy="196215"/>
-          </a:xfrm>
-          <a:prstGeom prst="leftArrow">
-            <a:avLst/>
-          </a:prstGeom>
-          <a:solidFill>
-            <a:srgbClr val="00B0F0"/>
-          </a:solidFill>
-        </p:spPr>
-        <p:style>
-          <a:lnRef idx="2">
-            <a:schemeClr val="accent1">
-              <a:shade val="50000"/>
-            </a:schemeClr>
-          </a:lnRef>
-          <a:fillRef idx="1">
-            <a:schemeClr val="accent1"/>
-          </a:fillRef>
-          <a:effectRef idx="0">
-            <a:schemeClr val="accent1"/>
-          </a:effectRef>
-          <a:fontRef idx="minor">
-            <a:schemeClr val="lt1"/>
-          </a:fontRef>
-        </p:style>
-        <p:txBody>
-          <a:bodyPr rtlCol="0" anchor="ctr"/>
-          <a:p>
-            <a:pPr algn="ctr"/>
-            <a:endParaRPr lang="zh-CN" altLang="en-US"/>
-          </a:p>
-        </p:txBody>
-      </p:sp>
-      <p:sp>
-        <p:nvSpPr>
-          <p:cNvPr id="40" name="左箭头 39"/>
-          <p:cNvSpPr/>
-          <p:nvPr/>
-        </p:nvSpPr>
-        <p:spPr>
-          <a:xfrm>
-            <a:off x="5948680" y="3251835"/>
-            <a:ext cx="523240" cy="196215"/>
-          </a:xfrm>
-          <a:prstGeom prst="leftArrow">
-            <a:avLst/>
-          </a:prstGeom>
-          <a:solidFill>
-            <a:srgbClr val="00B0F0"/>
-          </a:solidFill>
-        </p:spPr>
-        <p:style>
-          <a:lnRef idx="2">
-            <a:schemeClr val="accent1">
-              <a:shade val="50000"/>
-            </a:schemeClr>
-          </a:lnRef>
-          <a:fillRef idx="1">
-            <a:schemeClr val="accent1"/>
-          </a:fillRef>
-          <a:effectRef idx="0">
-            <a:schemeClr val="accent1"/>
-          </a:effectRef>
-          <a:fontRef idx="minor">
-            <a:schemeClr val="lt1"/>
-          </a:fontRef>
-        </p:style>
-        <p:txBody>
-          <a:bodyPr rtlCol="0" anchor="ctr"/>
-          <a:p>
-            <a:pPr algn="ctr"/>
-            <a:endParaRPr lang="zh-CN" altLang="en-US"/>
-          </a:p>
-        </p:txBody>
-      </p:sp>
-      <p:sp>
-        <p:nvSpPr>
-          <p:cNvPr id="41" name="圆角矩形 40"/>
-          <p:cNvSpPr/>
-          <p:nvPr/>
-        </p:nvSpPr>
-        <p:spPr>
-          <a:xfrm>
-            <a:off x="4951730" y="3012440"/>
-            <a:ext cx="996950" cy="680720"/>
-          </a:xfrm>
-          <a:prstGeom prst="roundRect">
-            <a:avLst/>
-          </a:prstGeom>
-          <a:solidFill>
-            <a:schemeClr val="accent1">
-              <a:lumMod val="40000"/>
-              <a:lumOff val="60000"/>
-            </a:schemeClr>
-          </a:solidFill>
-        </p:spPr>
-        <p:style>
-          <a:lnRef idx="2">
-            <a:schemeClr val="accent1">
-              <a:shade val="50000"/>
-            </a:schemeClr>
-          </a:lnRef>
-          <a:fillRef idx="1">
-            <a:schemeClr val="accent1"/>
-          </a:fillRef>
-          <a:effectRef idx="0">
-            <a:schemeClr val="accent1"/>
-          </a:effectRef>
-          <a:fontRef idx="minor">
-            <a:schemeClr val="lt1"/>
-          </a:fontRef>
-        </p:style>
-        <p:txBody>
-          <a:bodyPr rtlCol="0" anchor="ctr"/>
-          <a:p>
-            <a:pPr algn="ctr"/>
-            <a:endParaRPr lang="zh-CN" altLang="en-US"/>
-          </a:p>
-        </p:txBody>
-      </p:sp>
-      <p:sp>
-        <p:nvSpPr>
-          <p:cNvPr id="42" name="流程图: 决策 41"/>
-          <p:cNvSpPr/>
-          <p:nvPr/>
-        </p:nvSpPr>
-        <p:spPr>
-          <a:xfrm>
-            <a:off x="5156200" y="3208020"/>
-            <a:ext cx="588010" cy="298450"/>
-          </a:xfrm>
-          <a:prstGeom prst="flowChartDecision">
-            <a:avLst/>
-          </a:prstGeom>
-        </p:spPr>
-        <p:style>
-          <a:lnRef idx="2">
-            <a:schemeClr val="accent1">
-              <a:shade val="50000"/>
-            </a:schemeClr>
-          </a:lnRef>
-          <a:fillRef idx="1">
-            <a:schemeClr val="accent1"/>
-          </a:fillRef>
-          <a:effectRef idx="0">
-            <a:schemeClr val="accent1"/>
-          </a:effectRef>
-          <a:fontRef idx="minor">
-            <a:schemeClr val="lt1"/>
-          </a:fontRef>
-        </p:style>
-        <p:txBody>
-          <a:bodyPr rtlCol="0" anchor="ctr"/>
-          <a:p>
-            <a:pPr algn="ctr"/>
-            <a:endParaRPr lang="zh-CN" altLang="en-US"/>
-          </a:p>
-        </p:txBody>
-      </p:sp>
-      <p:sp>
-        <p:nvSpPr>
-          <p:cNvPr id="45" name="文本框 44"/>
-          <p:cNvSpPr txBox="1"/>
-          <p:nvPr/>
-        </p:nvSpPr>
-        <p:spPr>
-          <a:xfrm>
-            <a:off x="4531995" y="2221230"/>
-            <a:ext cx="1974850" cy="245110"/>
-          </a:xfrm>
-          <a:prstGeom prst="rect">
-            <a:avLst/>
-          </a:prstGeom>
-          <a:noFill/>
-        </p:spPr>
-        <p:txBody>
-          <a:bodyPr wrap="none" rtlCol="0">
-            <a:spAutoFit/>
-          </a:bodyPr>
-          <a:p>
-            <a:r>
-              <a:rPr lang="en-US" altLang="zh-CN" sz="1000" b="1">
-                <a:solidFill>
-                  <a:srgbClr val="FF0000"/>
-                </a:solidFill>
-              </a:rPr>
-              <a:t>logstash</a:t>
-            </a:r>
-            <a:r>
-              <a:rPr lang="zh-CN" altLang="en-US" sz="1000" b="1">
-                <a:solidFill>
-                  <a:srgbClr val="FF0000"/>
-                </a:solidFill>
-              </a:rPr>
-              <a:t>集群：处理，转发消息</a:t>
-            </a:r>
-            <a:endParaRPr lang="zh-CN" altLang="en-US" sz="1000" b="1">
-              <a:solidFill>
-                <a:srgbClr val="FF0000"/>
-              </a:solidFill>
-            </a:endParaRPr>
-          </a:p>
-        </p:txBody>
-      </p:sp>
-      <p:sp>
-        <p:nvSpPr>
-          <p:cNvPr id="46" name="左箭头 45"/>
-          <p:cNvSpPr/>
-          <p:nvPr/>
-        </p:nvSpPr>
-        <p:spPr>
-          <a:xfrm>
-            <a:off x="4428490" y="3243580"/>
-            <a:ext cx="523240" cy="196215"/>
-          </a:xfrm>
-          <a:prstGeom prst="leftArrow">
-            <a:avLst/>
-          </a:prstGeom>
-          <a:solidFill>
-            <a:srgbClr val="00B0F0"/>
-          </a:solidFill>
-        </p:spPr>
-        <p:style>
-          <a:lnRef idx="2">
-            <a:schemeClr val="accent1">
-              <a:shade val="50000"/>
-            </a:schemeClr>
-          </a:lnRef>
-          <a:fillRef idx="1">
-            <a:schemeClr val="accent1"/>
-          </a:fillRef>
-          <a:effectRef idx="0">
-            <a:schemeClr val="accent1"/>
-          </a:effectRef>
-          <a:fontRef idx="minor">
-            <a:schemeClr val="lt1"/>
-          </a:fontRef>
-        </p:style>
-        <p:txBody>
-          <a:bodyPr rtlCol="0" anchor="ctr"/>
-          <a:p>
-            <a:pPr algn="ctr"/>
-            <a:endParaRPr lang="zh-CN" altLang="en-US"/>
-          </a:p>
-        </p:txBody>
-      </p:sp>
-      <p:sp>
-        <p:nvSpPr>
-          <p:cNvPr id="47" name="圆角矩形 46"/>
-          <p:cNvSpPr/>
-          <p:nvPr/>
-        </p:nvSpPr>
-        <p:spPr>
-          <a:xfrm>
-            <a:off x="3347085" y="2988945"/>
-            <a:ext cx="1082040" cy="715010"/>
-          </a:xfrm>
-          <a:prstGeom prst="roundRect">
-            <a:avLst/>
-          </a:prstGeom>
-          <a:solidFill>
-            <a:schemeClr val="accent1">
-              <a:lumMod val="40000"/>
-              <a:lumOff val="60000"/>
-            </a:schemeClr>
-          </a:solidFill>
-          <a:ln>
-            <a:solidFill>
-              <a:schemeClr val="tx2">
-                <a:lumMod val="60000"/>
-                <a:lumOff val="40000"/>
-              </a:schemeClr>
-            </a:solidFill>
-          </a:ln>
-        </p:spPr>
-        <p:style>
-          <a:lnRef idx="2">
-            <a:schemeClr val="accent1">
-              <a:shade val="50000"/>
-            </a:schemeClr>
-          </a:lnRef>
-          <a:fillRef idx="1">
-            <a:schemeClr val="accent1"/>
-          </a:fillRef>
-          <a:effectRef idx="0">
-            <a:schemeClr val="accent1"/>
-          </a:effectRef>
-          <a:fontRef idx="minor">
-            <a:schemeClr val="lt1"/>
-          </a:fontRef>
-        </p:style>
-        <p:txBody>
-          <a:bodyPr rtlCol="0" anchor="ctr"/>
-          <a:p>
-            <a:pPr algn="ctr"/>
-            <a:endParaRPr lang="zh-CN" altLang="en-US"/>
-          </a:p>
-        </p:txBody>
-      </p:sp>
-      <p:sp>
-        <p:nvSpPr>
-          <p:cNvPr id="48" name="立方体 47"/>
-          <p:cNvSpPr/>
-          <p:nvPr/>
-        </p:nvSpPr>
-        <p:spPr>
-          <a:xfrm>
-            <a:off x="3529965" y="3184525"/>
-            <a:ext cx="715645" cy="314960"/>
-          </a:xfrm>
-          <a:prstGeom prst="cube">
-            <a:avLst/>
-          </a:prstGeom>
-        </p:spPr>
-        <p:style>
-          <a:lnRef idx="2">
-            <a:schemeClr val="accent1">
-              <a:shade val="50000"/>
-            </a:schemeClr>
-          </a:lnRef>
-          <a:fillRef idx="1">
-            <a:schemeClr val="accent1"/>
-          </a:fillRef>
-          <a:effectRef idx="0">
-            <a:schemeClr val="accent1"/>
-          </a:effectRef>
-          <a:fontRef idx="minor">
-            <a:schemeClr val="lt1"/>
-          </a:fontRef>
-        </p:style>
-        <p:txBody>
-          <a:bodyPr rtlCol="0" anchor="ctr"/>
-          <a:p>
-            <a:pPr algn="ctr"/>
-            <a:endParaRPr lang="zh-CN" altLang="en-US"/>
-          </a:p>
-        </p:txBody>
-      </p:sp>
-      <p:sp>
-        <p:nvSpPr>
-          <p:cNvPr id="51" name="圆角矩形 50"/>
-          <p:cNvSpPr/>
-          <p:nvPr/>
-        </p:nvSpPr>
-        <p:spPr>
-          <a:xfrm>
-            <a:off x="1753235" y="2510790"/>
-            <a:ext cx="972185" cy="1695450"/>
-          </a:xfrm>
-          <a:prstGeom prst="roundRect">
-            <a:avLst/>
-          </a:prstGeom>
-          <a:solidFill>
-            <a:schemeClr val="accent1">
-              <a:lumMod val="40000"/>
-              <a:lumOff val="60000"/>
-            </a:schemeClr>
-          </a:solidFill>
-          <a:ln>
-            <a:solidFill>
-              <a:schemeClr val="tx2">
-                <a:lumMod val="60000"/>
-                <a:lumOff val="40000"/>
-              </a:schemeClr>
-            </a:solidFill>
-          </a:ln>
-        </p:spPr>
-        <p:style>
-          <a:lnRef idx="2">
-            <a:schemeClr val="accent1">
-              <a:shade val="50000"/>
-            </a:schemeClr>
-          </a:lnRef>
-          <a:fillRef idx="1">
-            <a:schemeClr val="accent1"/>
-          </a:fillRef>
-          <a:effectRef idx="0">
-            <a:schemeClr val="accent1"/>
-          </a:effectRef>
-          <a:fontRef idx="minor">
-            <a:schemeClr val="lt1"/>
-          </a:fontRef>
-        </p:style>
-        <p:txBody>
-          <a:bodyPr rtlCol="0" anchor="ctr"/>
-          <a:p>
-            <a:pPr algn="ctr"/>
-            <a:endParaRPr lang="zh-CN" altLang="en-US"/>
-          </a:p>
-        </p:txBody>
-      </p:sp>
-      <p:sp>
-        <p:nvSpPr>
-          <p:cNvPr id="52" name="笑脸 51"/>
-          <p:cNvSpPr/>
-          <p:nvPr/>
-        </p:nvSpPr>
-        <p:spPr>
-          <a:xfrm>
-            <a:off x="1982470" y="2696845"/>
-            <a:ext cx="519430" cy="511175"/>
-          </a:xfrm>
-          <a:prstGeom prst="smileyFace">
-            <a:avLst/>
-          </a:prstGeom>
-        </p:spPr>
-        <p:style>
-          <a:lnRef idx="2">
-            <a:schemeClr val="accent1">
-              <a:shade val="50000"/>
-            </a:schemeClr>
-          </a:lnRef>
-          <a:fillRef idx="1">
-            <a:schemeClr val="accent1"/>
-          </a:fillRef>
-          <a:effectRef idx="0">
-            <a:schemeClr val="accent1"/>
-          </a:effectRef>
-          <a:fontRef idx="minor">
-            <a:schemeClr val="lt1"/>
-          </a:fontRef>
-        </p:style>
-        <p:txBody>
-          <a:bodyPr rtlCol="0" anchor="ctr"/>
-          <a:p>
-            <a:pPr algn="ctr"/>
-            <a:endParaRPr lang="zh-CN" altLang="en-US"/>
-          </a:p>
-        </p:txBody>
-      </p:sp>
-      <p:sp>
-        <p:nvSpPr>
-          <p:cNvPr id="53" name="笑脸 52"/>
-          <p:cNvSpPr/>
-          <p:nvPr/>
-        </p:nvSpPr>
-        <p:spPr>
-          <a:xfrm>
-            <a:off x="1982470" y="3423285"/>
-            <a:ext cx="519430" cy="511175"/>
-          </a:xfrm>
-          <a:prstGeom prst="smileyFace">
-            <a:avLst/>
-          </a:prstGeom>
-        </p:spPr>
-        <p:style>
-          <a:lnRef idx="2">
-            <a:schemeClr val="accent1">
-              <a:shade val="50000"/>
-            </a:schemeClr>
-          </a:lnRef>
-          <a:fillRef idx="1">
-            <a:schemeClr val="accent1"/>
-          </a:fillRef>
-          <a:effectRef idx="0">
-            <a:schemeClr val="accent1"/>
-          </a:effectRef>
-          <a:fontRef idx="minor">
-            <a:schemeClr val="lt1"/>
-          </a:fontRef>
-        </p:style>
-        <p:txBody>
-          <a:bodyPr rtlCol="0" anchor="ctr"/>
-          <a:p>
-            <a:pPr algn="ctr"/>
-            <a:endParaRPr lang="zh-CN" altLang="en-US"/>
-          </a:p>
-        </p:txBody>
-      </p:sp>
-      <p:sp>
-        <p:nvSpPr>
-          <p:cNvPr id="54" name="左箭头 53"/>
-          <p:cNvSpPr/>
-          <p:nvPr/>
-        </p:nvSpPr>
-        <p:spPr>
-          <a:xfrm>
-            <a:off x="2725420" y="3242945"/>
-            <a:ext cx="621030" cy="196215"/>
-          </a:xfrm>
-          <a:prstGeom prst="leftArrow">
-            <a:avLst/>
-          </a:prstGeom>
-          <a:solidFill>
-            <a:srgbClr val="00B0F0"/>
-          </a:solidFill>
-        </p:spPr>
-        <p:style>
-          <a:lnRef idx="2">
-            <a:schemeClr val="accent1">
-              <a:shade val="50000"/>
-            </a:schemeClr>
-          </a:lnRef>
-          <a:fillRef idx="1">
-            <a:schemeClr val="accent1"/>
-          </a:fillRef>
-          <a:effectRef idx="0">
-            <a:schemeClr val="accent1"/>
-          </a:effectRef>
-          <a:fontRef idx="minor">
-            <a:schemeClr val="lt1"/>
-          </a:fontRef>
-        </p:style>
-        <p:txBody>
-          <a:bodyPr rtlCol="0" anchor="ctr"/>
-          <a:p>
-            <a:pPr algn="ctr"/>
-            <a:endParaRPr lang="zh-CN" altLang="en-US"/>
-          </a:p>
-        </p:txBody>
-      </p:sp>
-      <p:sp>
-        <p:nvSpPr>
-          <p:cNvPr id="55" name="文本框 54"/>
-          <p:cNvSpPr txBox="1"/>
-          <p:nvPr/>
-        </p:nvSpPr>
-        <p:spPr>
-          <a:xfrm>
-            <a:off x="3154045" y="2190750"/>
-            <a:ext cx="1519555" cy="275590"/>
-          </a:xfrm>
-          <a:prstGeom prst="rect">
-            <a:avLst/>
-          </a:prstGeom>
-          <a:noFill/>
-        </p:spPr>
-        <p:txBody>
-          <a:bodyPr wrap="none" rtlCol="0">
-            <a:spAutoFit/>
-          </a:bodyPr>
-          <a:p>
-            <a:r>
-              <a:rPr lang="en-US" altLang="zh-CN" sz="1200" b="1">
-                <a:solidFill>
-                  <a:srgbClr val="FF0000"/>
-                </a:solidFill>
-              </a:rPr>
-              <a:t>elsticsearch</a:t>
-            </a:r>
-            <a:r>
-              <a:rPr lang="zh-CN" altLang="en-US" sz="1200" b="1">
-                <a:solidFill>
-                  <a:srgbClr val="FF0000"/>
-                </a:solidFill>
-              </a:rPr>
-              <a:t>：</a:t>
-            </a:r>
-            <a:r>
-              <a:rPr lang="zh-CN" altLang="en-US" sz="1200" b="1">
-                <a:solidFill>
-                  <a:srgbClr val="FF0000"/>
-                </a:solidFill>
-              </a:rPr>
-              <a:t>集群</a:t>
-            </a:r>
-            <a:endParaRPr lang="zh-CN" altLang="en-US" sz="1200" b="1">
-              <a:solidFill>
-                <a:srgbClr val="FF0000"/>
-              </a:solidFill>
-            </a:endParaRPr>
-          </a:p>
-        </p:txBody>
-      </p:sp>
-      <p:sp>
-        <p:nvSpPr>
-          <p:cNvPr id="56" name="文本框 55"/>
-          <p:cNvSpPr txBox="1"/>
-          <p:nvPr/>
-        </p:nvSpPr>
-        <p:spPr>
-          <a:xfrm>
-            <a:off x="1558925" y="2120265"/>
-            <a:ext cx="1427480" cy="275590"/>
-          </a:xfrm>
-          <a:prstGeom prst="rect">
-            <a:avLst/>
-          </a:prstGeom>
-          <a:noFill/>
-        </p:spPr>
-        <p:txBody>
-          <a:bodyPr wrap="none" rtlCol="0">
-            <a:spAutoFit/>
-          </a:bodyPr>
-          <a:p>
-            <a:r>
-              <a:rPr lang="en-US" altLang="zh-CN" sz="1200" b="1">
-                <a:solidFill>
-                  <a:srgbClr val="FF0000"/>
-                </a:solidFill>
+              <a:rPr lang="en-US" altLang="zh-CN">
+                <a:sym typeface="+mn-ea"/>
               </a:rPr>
               <a:t>kibana</a:t>
             </a:r>
             <a:r>
-              <a:rPr lang="zh-CN" altLang="en-US" sz="1200" b="1">
-                <a:solidFill>
-                  <a:srgbClr val="FF0000"/>
-                </a:solidFill>
-              </a:rPr>
-              <a:t>：页面展示</a:t>
-            </a:r>
-            <a:endParaRPr lang="zh-CN" altLang="en-US" sz="1200" b="1">
-              <a:solidFill>
-                <a:srgbClr val="FF0000"/>
-              </a:solidFill>
-            </a:endParaRPr>
-          </a:p>
-        </p:txBody>
-      </p:sp>
-      <p:sp>
-        <p:nvSpPr>
-          <p:cNvPr id="4" name="笑脸 3"/>
-          <p:cNvSpPr/>
-          <p:nvPr/>
-        </p:nvSpPr>
-        <p:spPr>
-          <a:xfrm>
-            <a:off x="544195" y="3012440"/>
-            <a:ext cx="588010" cy="588010"/>
-          </a:xfrm>
-          <a:prstGeom prst="smileyFace">
-            <a:avLst/>
-          </a:prstGeom>
-        </p:spPr>
-        <p:style>
-          <a:lnRef idx="2">
-            <a:schemeClr val="accent1">
-              <a:shade val="50000"/>
-            </a:schemeClr>
-          </a:lnRef>
-          <a:fillRef idx="1">
-            <a:schemeClr val="accent1"/>
-          </a:fillRef>
-          <a:effectRef idx="0">
-            <a:schemeClr val="accent1"/>
-          </a:effectRef>
-          <a:fontRef idx="minor">
-            <a:schemeClr val="lt1"/>
-          </a:fontRef>
-        </p:style>
-        <p:txBody>
-          <a:bodyPr rtlCol="0" anchor="ctr"/>
-          <a:p>
-            <a:pPr algn="ctr"/>
-            <a:endParaRPr lang="zh-CN" altLang="en-US"/>
-          </a:p>
-        </p:txBody>
-      </p:sp>
-      <p:sp>
-        <p:nvSpPr>
-          <p:cNvPr id="5" name="左箭头 4"/>
-          <p:cNvSpPr/>
-          <p:nvPr/>
-        </p:nvSpPr>
-        <p:spPr>
-          <a:xfrm>
-            <a:off x="1132205" y="3208020"/>
-            <a:ext cx="621030" cy="196215"/>
-          </a:xfrm>
-          <a:prstGeom prst="leftArrow">
-            <a:avLst/>
-          </a:prstGeom>
-          <a:solidFill>
-            <a:srgbClr val="00B0F0"/>
-          </a:solidFill>
-        </p:spPr>
-        <p:style>
-          <a:lnRef idx="2">
-            <a:schemeClr val="accent1">
-              <a:shade val="50000"/>
-            </a:schemeClr>
-          </a:lnRef>
-          <a:fillRef idx="1">
-            <a:schemeClr val="accent1"/>
-          </a:fillRef>
-          <a:effectRef idx="0">
-            <a:schemeClr val="accent1"/>
-          </a:effectRef>
-          <a:fontRef idx="minor">
-            <a:schemeClr val="lt1"/>
-          </a:fontRef>
-        </p:style>
-        <p:txBody>
-          <a:bodyPr rtlCol="0" anchor="ctr"/>
-          <a:p>
-            <a:pPr algn="ctr"/>
-            <a:endParaRPr lang="zh-CN" altLang="en-US"/>
-          </a:p>
-        </p:txBody>
-      </p:sp>
-      <p:sp>
-        <p:nvSpPr>
-          <p:cNvPr id="12" name="文本框 11"/>
-          <p:cNvSpPr txBox="1"/>
-          <p:nvPr/>
-        </p:nvSpPr>
-        <p:spPr>
-          <a:xfrm>
-            <a:off x="153670" y="2658745"/>
-            <a:ext cx="1368425" cy="275590"/>
-          </a:xfrm>
-          <a:prstGeom prst="rect">
-            <a:avLst/>
-          </a:prstGeom>
-          <a:noFill/>
-        </p:spPr>
-        <p:txBody>
-          <a:bodyPr wrap="none" rtlCol="0">
-            <a:spAutoFit/>
-          </a:bodyPr>
-          <a:p>
-            <a:r>
-              <a:rPr lang="en-US" altLang="zh-CN" sz="1200" b="1">
-                <a:solidFill>
-                  <a:srgbClr val="FF0000"/>
-                </a:solidFill>
-              </a:rPr>
-              <a:t>Nginx</a:t>
-            </a:r>
-            <a:r>
-              <a:rPr lang="zh-CN" altLang="en-US" sz="1200" b="1">
-                <a:solidFill>
-                  <a:srgbClr val="FF0000"/>
-                </a:solidFill>
-              </a:rPr>
-              <a:t>：负载均衡</a:t>
-            </a:r>
-            <a:endParaRPr lang="zh-CN" altLang="en-US" sz="1200" b="1">
-              <a:solidFill>
-                <a:srgbClr val="FF0000"/>
-              </a:solidFill>
-            </a:endParaRPr>
-          </a:p>
-        </p:txBody>
-      </p:sp>
-      <p:sp>
-        <p:nvSpPr>
-          <p:cNvPr id="2" name="圆角矩形 1"/>
-          <p:cNvSpPr/>
-          <p:nvPr/>
-        </p:nvSpPr>
-        <p:spPr>
-          <a:xfrm>
-            <a:off x="8822055" y="2934335"/>
-            <a:ext cx="996950" cy="817245"/>
-          </a:xfrm>
-          <a:prstGeom prst="roundRect">
-            <a:avLst/>
-          </a:prstGeom>
-          <a:solidFill>
-            <a:schemeClr val="accent1">
-              <a:lumMod val="40000"/>
-              <a:lumOff val="60000"/>
-            </a:schemeClr>
-          </a:solidFill>
-        </p:spPr>
-        <p:style>
-          <a:lnRef idx="2">
-            <a:schemeClr val="accent1">
-              <a:shade val="50000"/>
-            </a:schemeClr>
-          </a:lnRef>
-          <a:fillRef idx="1">
-            <a:schemeClr val="accent1"/>
-          </a:fillRef>
-          <a:effectRef idx="0">
-            <a:schemeClr val="accent1"/>
-          </a:effectRef>
-          <a:fontRef idx="minor">
-            <a:schemeClr val="lt1"/>
-          </a:fontRef>
-        </p:style>
-        <p:txBody>
-          <a:bodyPr rtlCol="0" anchor="ctr"/>
-          <a:p>
-            <a:pPr algn="ctr"/>
-            <a:endParaRPr lang="zh-CN" altLang="en-US"/>
-          </a:p>
-        </p:txBody>
-      </p:sp>
-      <p:sp>
-        <p:nvSpPr>
-          <p:cNvPr id="11" name="流程图: 决策 10"/>
-          <p:cNvSpPr/>
-          <p:nvPr/>
-        </p:nvSpPr>
-        <p:spPr>
-          <a:xfrm>
-            <a:off x="9026525" y="3186430"/>
-            <a:ext cx="588010" cy="298450"/>
-          </a:xfrm>
-          <a:prstGeom prst="flowChartDecision">
-            <a:avLst/>
-          </a:prstGeom>
-        </p:spPr>
-        <p:style>
-          <a:lnRef idx="2">
-            <a:schemeClr val="accent1">
-              <a:shade val="50000"/>
-            </a:schemeClr>
-          </a:lnRef>
-          <a:fillRef idx="1">
-            <a:schemeClr val="accent1"/>
-          </a:fillRef>
-          <a:effectRef idx="0">
-            <a:schemeClr val="accent1"/>
-          </a:effectRef>
-          <a:fontRef idx="minor">
-            <a:schemeClr val="lt1"/>
-          </a:fontRef>
-        </p:style>
-        <p:txBody>
-          <a:bodyPr rtlCol="0" anchor="ctr"/>
-          <a:p>
-            <a:pPr algn="ctr"/>
-            <a:endParaRPr lang="zh-CN" altLang="en-US"/>
-          </a:p>
-        </p:txBody>
-      </p:sp>
-      <p:sp>
-        <p:nvSpPr>
-          <p:cNvPr id="13" name="左箭头 12"/>
-          <p:cNvSpPr/>
-          <p:nvPr/>
-        </p:nvSpPr>
-        <p:spPr>
-          <a:xfrm>
-            <a:off x="9825355" y="3255010"/>
-            <a:ext cx="523240" cy="196215"/>
-          </a:xfrm>
-          <a:prstGeom prst="leftArrow">
-            <a:avLst/>
-          </a:prstGeom>
-          <a:solidFill>
-            <a:srgbClr val="00B0F0"/>
-          </a:solidFill>
-        </p:spPr>
-        <p:style>
-          <a:lnRef idx="2">
-            <a:schemeClr val="accent1">
-              <a:shade val="50000"/>
-            </a:schemeClr>
-          </a:lnRef>
-          <a:fillRef idx="1">
-            <a:schemeClr val="accent1"/>
-          </a:fillRef>
-          <a:effectRef idx="0">
-            <a:schemeClr val="accent1"/>
-          </a:effectRef>
-          <a:fontRef idx="minor">
-            <a:schemeClr val="lt1"/>
-          </a:fontRef>
-        </p:style>
-        <p:txBody>
-          <a:bodyPr rtlCol="0" anchor="ctr"/>
-          <a:p>
-            <a:pPr algn="ctr"/>
-            <a:endParaRPr lang="zh-CN" altLang="en-US"/>
-          </a:p>
-        </p:txBody>
-      </p:sp>
-      <p:sp>
-        <p:nvSpPr>
-          <p:cNvPr id="14" name="文本框 13"/>
-          <p:cNvSpPr txBox="1"/>
-          <p:nvPr/>
-        </p:nvSpPr>
-        <p:spPr>
-          <a:xfrm>
-            <a:off x="8333105" y="2221230"/>
-            <a:ext cx="1918335" cy="245110"/>
-          </a:xfrm>
-          <a:prstGeom prst="rect">
-            <a:avLst/>
-          </a:prstGeom>
-          <a:noFill/>
-        </p:spPr>
-        <p:txBody>
-          <a:bodyPr wrap="none" rtlCol="0">
-            <a:spAutoFit/>
-          </a:bodyPr>
-          <a:p>
-            <a:r>
-              <a:rPr lang="en-US" altLang="zh-CN" sz="1000" b="1">
-                <a:solidFill>
-                  <a:srgbClr val="FF0000"/>
-                </a:solidFill>
-              </a:rPr>
-              <a:t>logstash</a:t>
-            </a:r>
-            <a:r>
-              <a:rPr lang="zh-CN" altLang="en-US" sz="1000" b="1">
-                <a:solidFill>
-                  <a:srgbClr val="FF0000"/>
-                </a:solidFill>
-              </a:rPr>
-              <a:t>：收集日志写入</a:t>
-            </a:r>
-            <a:r>
-              <a:rPr lang="en-US" altLang="zh-CN" sz="1000" b="1">
-                <a:solidFill>
-                  <a:srgbClr val="FF0000"/>
-                </a:solidFill>
-              </a:rPr>
-              <a:t>kafka</a:t>
-            </a:r>
-            <a:endParaRPr lang="en-US" altLang="zh-CN" sz="1000" b="1">
-              <a:solidFill>
-                <a:srgbClr val="FF0000"/>
-              </a:solidFill>
-            </a:endParaRPr>
-          </a:p>
-        </p:txBody>
-      </p:sp>
-      <p:sp>
-        <p:nvSpPr>
-          <p:cNvPr id="32" name="矩形 31"/>
-          <p:cNvSpPr/>
-          <p:nvPr/>
-        </p:nvSpPr>
-        <p:spPr>
-          <a:xfrm>
-            <a:off x="6781800" y="3355975"/>
-            <a:ext cx="1164590" cy="938530"/>
-          </a:xfrm>
-          <a:prstGeom prst="rect">
-            <a:avLst/>
-          </a:prstGeom>
-          <a:solidFill>
-            <a:schemeClr val="accent1">
-              <a:lumMod val="40000"/>
-              <a:lumOff val="60000"/>
-            </a:schemeClr>
-          </a:solidFill>
-        </p:spPr>
-        <p:style>
-          <a:lnRef idx="2">
-            <a:schemeClr val="accent1">
-              <a:shade val="50000"/>
-            </a:schemeClr>
-          </a:lnRef>
-          <a:fillRef idx="1">
-            <a:schemeClr val="accent1"/>
-          </a:fillRef>
-          <a:effectRef idx="0">
-            <a:schemeClr val="accent1"/>
-          </a:effectRef>
-          <a:fontRef idx="minor">
-            <a:schemeClr val="lt1"/>
-          </a:fontRef>
-        </p:style>
-        <p:txBody>
-          <a:bodyPr rtlCol="0" anchor="ctr"/>
-          <a:p>
-            <a:pPr algn="ctr"/>
-            <a:r>
               <a:rPr lang="en-US" altLang="zh-CN"/>
-              <a:t>      </a:t>
+              <a:t>+elasticsearch+logstash+redis+filebeat</a:t>
             </a:r>
             <a:endParaRPr lang="en-US" altLang="zh-CN"/>
-          </a:p>
-        </p:txBody>
-      </p:sp>
-      <p:sp>
-        <p:nvSpPr>
-          <p:cNvPr id="33" name="折角形 32"/>
-          <p:cNvSpPr/>
-          <p:nvPr/>
-        </p:nvSpPr>
-        <p:spPr>
-          <a:xfrm>
-            <a:off x="7220585" y="3437255"/>
-            <a:ext cx="320675" cy="316230"/>
-          </a:xfrm>
-          <a:prstGeom prst="foldedCorner">
-            <a:avLst/>
-          </a:prstGeom>
-        </p:spPr>
-        <p:style>
-          <a:lnRef idx="2">
-            <a:schemeClr val="accent1">
-              <a:shade val="50000"/>
-            </a:schemeClr>
-          </a:lnRef>
-          <a:fillRef idx="1">
-            <a:schemeClr val="accent1"/>
-          </a:fillRef>
-          <a:effectRef idx="0">
-            <a:schemeClr val="accent1"/>
-          </a:effectRef>
-          <a:fontRef idx="minor">
-            <a:schemeClr val="lt1"/>
-          </a:fontRef>
-        </p:style>
-        <p:txBody>
-          <a:bodyPr rtlCol="0" anchor="ctr"/>
-          <a:p>
-            <a:pPr algn="ctr"/>
-            <a:endParaRPr lang="zh-CN" altLang="en-US"/>
-          </a:p>
-        </p:txBody>
-      </p:sp>
-      <p:sp>
-        <p:nvSpPr>
-          <p:cNvPr id="34" name="折角形 33"/>
-          <p:cNvSpPr/>
-          <p:nvPr/>
-        </p:nvSpPr>
-        <p:spPr>
-          <a:xfrm>
-            <a:off x="6946900" y="3886835"/>
-            <a:ext cx="320675" cy="316230"/>
-          </a:xfrm>
-          <a:prstGeom prst="foldedCorner">
-            <a:avLst/>
-          </a:prstGeom>
-        </p:spPr>
-        <p:style>
-          <a:lnRef idx="2">
-            <a:schemeClr val="accent1">
-              <a:shade val="50000"/>
-            </a:schemeClr>
-          </a:lnRef>
-          <a:fillRef idx="1">
-            <a:schemeClr val="accent1"/>
-          </a:fillRef>
-          <a:effectRef idx="0">
-            <a:schemeClr val="accent1"/>
-          </a:effectRef>
-          <a:fontRef idx="minor">
-            <a:schemeClr val="lt1"/>
-          </a:fontRef>
-        </p:style>
-        <p:txBody>
-          <a:bodyPr rtlCol="0" anchor="ctr"/>
-          <a:p>
-            <a:pPr algn="ctr"/>
-            <a:endParaRPr lang="zh-CN" altLang="en-US"/>
-          </a:p>
-        </p:txBody>
-      </p:sp>
-      <p:sp>
-        <p:nvSpPr>
-          <p:cNvPr id="35" name="折角形 34"/>
-          <p:cNvSpPr/>
-          <p:nvPr/>
-        </p:nvSpPr>
-        <p:spPr>
-          <a:xfrm>
-            <a:off x="7480935" y="3886835"/>
-            <a:ext cx="320675" cy="316230"/>
-          </a:xfrm>
-          <a:prstGeom prst="foldedCorner">
-            <a:avLst/>
-          </a:prstGeom>
-        </p:spPr>
-        <p:style>
-          <a:lnRef idx="2">
-            <a:schemeClr val="accent1">
-              <a:shade val="50000"/>
-            </a:schemeClr>
-          </a:lnRef>
-          <a:fillRef idx="1">
-            <a:schemeClr val="accent1"/>
-          </a:fillRef>
-          <a:effectRef idx="0">
-            <a:schemeClr val="accent1"/>
-          </a:effectRef>
-          <a:fontRef idx="minor">
-            <a:schemeClr val="lt1"/>
-          </a:fontRef>
-        </p:style>
-        <p:txBody>
-          <a:bodyPr rtlCol="0" anchor="ctr"/>
-          <a:p>
-            <a:pPr algn="ctr"/>
-            <a:endParaRPr lang="zh-CN" altLang="en-US"/>
-          </a:p>
-        </p:txBody>
-      </p:sp>
-      <p:sp>
-        <p:nvSpPr>
-          <p:cNvPr id="10" name="文本框 9"/>
-          <p:cNvSpPr txBox="1"/>
-          <p:nvPr/>
-        </p:nvSpPr>
-        <p:spPr>
-          <a:xfrm>
-            <a:off x="6882130" y="3091180"/>
-            <a:ext cx="1064260" cy="245110"/>
-          </a:xfrm>
-          <a:prstGeom prst="rect">
-            <a:avLst/>
-          </a:prstGeom>
-          <a:noFill/>
-        </p:spPr>
-        <p:txBody>
-          <a:bodyPr wrap="none" rtlCol="0">
-            <a:spAutoFit/>
-          </a:bodyPr>
-          <a:p>
-            <a:r>
-              <a:rPr lang="en-US" sz="1000" b="1">
-                <a:solidFill>
-                  <a:srgbClr val="FF0000"/>
-                </a:solidFill>
-              </a:rPr>
-              <a:t>zookeeper</a:t>
-            </a:r>
-            <a:r>
-              <a:rPr lang="zh-CN" sz="1000" b="1">
-                <a:solidFill>
-                  <a:srgbClr val="FF0000"/>
-                </a:solidFill>
-              </a:rPr>
-              <a:t>集群</a:t>
-            </a:r>
-            <a:endParaRPr lang="zh-CN" sz="1000" b="1">
-              <a:solidFill>
-                <a:srgbClr val="FF0000"/>
-              </a:solidFill>
-            </a:endParaRPr>
           </a:p>
         </p:txBody>
       </p:sp>
@@ -13251,24 +11591,6 @@
 </p:tagLst>
 </file>
 
-<file path=ppt/tags/tag65.xml><?xml version="1.0" encoding="utf-8"?>
-<p:tagLst xmlns:p="http://schemas.openxmlformats.org/presentationml/2006/main">
-  <p:tag name="KSO_WM_TEMPLATE_THUMBS_INDEX" val="1、2、3、6、8、10、11、12、15"/>
-  <p:tag name="KSO_WM_SLIDE_ID" val="custom20187308_1"/>
-  <p:tag name="KSO_WM_TEMPLATE_SUBCATEGORY" val="0"/>
-  <p:tag name="KSO_WM_SLIDE_TYPE" val="title"/>
-  <p:tag name="KSO_WM_SLIDE_SUBTYPE" val="pureTxt"/>
-  <p:tag name="KSO_WM_SLIDE_ITEM_CNT" val="0"/>
-  <p:tag name="KSO_WM_SLIDE_INDEX" val="1"/>
-  <p:tag name="KSO_WM_TAG_VERSION" val="1.0"/>
-  <p:tag name="KSO_WM_BEAUTIFY_FLAG" val="#wm#"/>
-  <p:tag name="KSO_WM_TEMPLATE_CATEGORY" val="custom"/>
-  <p:tag name="KSO_WM_TEMPLATE_INDEX" val="20187308"/>
-  <p:tag name="KSO_WM_SLIDE_LAYOUT" val="a_b"/>
-  <p:tag name="KSO_WM_SLIDE_LAYOUT_CNT" val="1_1"/>
-</p:tagLst>
-</file>
-
 <file path=ppt/tags/tag7.xml><?xml version="1.0" encoding="utf-8"?>
 <p:tagLst xmlns:p="http://schemas.openxmlformats.org/presentationml/2006/main">
   <p:tag name="KSO_WM_UNIT_HIGHLIGHT" val="0"/>

--- a/ELK Stack/ELK+kafka日志收集框架.pptx
+++ b/ELK Stack/ELK+kafka日志收集框架.pptx
@@ -6772,7 +6772,7 @@
         </p:nvSpPr>
         <p:spPr>
           <a:xfrm>
-            <a:off x="911860" y="5419725"/>
+            <a:off x="754380" y="5970905"/>
             <a:ext cx="6522720" cy="368300"/>
           </a:xfrm>
           <a:prstGeom prst="rect">

--- a/ELK Stack/ELK+kafka日志收集框架.pptx
+++ b/ELK Stack/ELK+kafka日志收集框架.pptx
@@ -7948,7 +7948,7 @@
         </p:nvSpPr>
         <p:spPr>
           <a:xfrm>
-            <a:off x="5527675" y="3225800"/>
+            <a:off x="5527675" y="3242310"/>
             <a:ext cx="588010" cy="298450"/>
           </a:xfrm>
           <a:prstGeom prst="flowChartDecision">
@@ -8906,6 +8906,45 @@
                 <a:srgbClr val="FF0000"/>
               </a:solidFill>
             </a:endParaRPr>
+          </a:p>
+        </p:txBody>
+      </p:sp>
+      <p:sp>
+        <p:nvSpPr>
+          <p:cNvPr id="15" name="流程图: 决策 14"/>
+          <p:cNvSpPr/>
+          <p:nvPr/>
+        </p:nvSpPr>
+        <p:spPr>
+          <a:xfrm>
+            <a:off x="5527675" y="2783205"/>
+            <a:ext cx="588010" cy="298450"/>
+          </a:xfrm>
+          <a:prstGeom prst="flowChartDecision">
+            <a:avLst/>
+          </a:prstGeom>
+        </p:spPr>
+        <p:style>
+          <a:lnRef idx="2">
+            <a:schemeClr val="accent1">
+              <a:shade val="50000"/>
+            </a:schemeClr>
+          </a:lnRef>
+          <a:fillRef idx="1">
+            <a:schemeClr val="accent1"/>
+          </a:fillRef>
+          <a:effectRef idx="0">
+            <a:schemeClr val="accent1"/>
+          </a:effectRef>
+          <a:fontRef idx="minor">
+            <a:schemeClr val="lt1"/>
+          </a:fontRef>
+        </p:style>
+        <p:txBody>
+          <a:bodyPr rtlCol="0" anchor="ctr"/>
+          <a:p>
+            <a:pPr algn="ctr"/>
+            <a:endParaRPr lang="zh-CN" altLang="en-US"/>
           </a:p>
         </p:txBody>
       </p:sp>
